--- a/docs/mockups/scanalyze_brandGuideline.pptx
+++ b/docs/mockups/scanalyze_brandGuideline.pptx
@@ -5,24 +5,15 @@
     <p:sldMasterId id="2147483660" r:id="rId1"/>
   </p:sldMasterIdLst>
   <p:notesMasterIdLst>
-    <p:notesMasterId r:id="rId17"/>
+    <p:notesMasterId r:id="rId8"/>
   </p:notesMasterIdLst>
   <p:sldIdLst>
     <p:sldId id="256" r:id="rId2"/>
     <p:sldId id="257" r:id="rId3"/>
     <p:sldId id="258" r:id="rId4"/>
     <p:sldId id="259" r:id="rId5"/>
-    <p:sldId id="265" r:id="rId6"/>
-    <p:sldId id="267" r:id="rId7"/>
-    <p:sldId id="264" r:id="rId8"/>
-    <p:sldId id="269" r:id="rId9"/>
-    <p:sldId id="272" r:id="rId10"/>
-    <p:sldId id="270" r:id="rId11"/>
-    <p:sldId id="271" r:id="rId12"/>
-    <p:sldId id="268" r:id="rId13"/>
-    <p:sldId id="266" r:id="rId14"/>
-    <p:sldId id="262" r:id="rId15"/>
-    <p:sldId id="261" r:id="rId16"/>
+    <p:sldId id="263" r:id="rId6"/>
+    <p:sldId id="261" r:id="rId7"/>
   </p:sldIdLst>
   <p:sldSz cx="9906000" cy="6858000" type="A4"/>
   <p:notesSz cx="6858000" cy="9144000"/>
@@ -211,7 +202,7 @@
           <a:p>
             <a:fld id="{A684452B-1159-4A2E-B894-24358285A41D}" type="datetimeFigureOut">
               <a:rPr lang="fr-CH" smtClean="0"/>
-              <a:t>22.08.2023</a:t>
+              <a:t>23.08.2023</a:t>
             </a:fld>
             <a:endParaRPr lang="fr-CH"/>
           </a:p>
@@ -610,7 +601,7 @@
           <a:p>
             <a:fld id="{C5AC7546-41A7-4DF3-95B3-8CFD320E9C47}" type="datetimeFigureOut">
               <a:rPr lang="fr-CH" smtClean="0"/>
-              <a:t>22.08.2023</a:t>
+              <a:t>23.08.2023</a:t>
             </a:fld>
             <a:endParaRPr lang="fr-CH"/>
           </a:p>
@@ -780,7 +771,7 @@
           <a:p>
             <a:fld id="{C5AC7546-41A7-4DF3-95B3-8CFD320E9C47}" type="datetimeFigureOut">
               <a:rPr lang="fr-CH" smtClean="0"/>
-              <a:t>22.08.2023</a:t>
+              <a:t>23.08.2023</a:t>
             </a:fld>
             <a:endParaRPr lang="fr-CH"/>
           </a:p>
@@ -960,7 +951,7 @@
           <a:p>
             <a:fld id="{C5AC7546-41A7-4DF3-95B3-8CFD320E9C47}" type="datetimeFigureOut">
               <a:rPr lang="fr-CH" smtClean="0"/>
-              <a:t>22.08.2023</a:t>
+              <a:t>23.08.2023</a:t>
             </a:fld>
             <a:endParaRPr lang="fr-CH"/>
           </a:p>
@@ -1130,7 +1121,7 @@
           <a:p>
             <a:fld id="{C5AC7546-41A7-4DF3-95B3-8CFD320E9C47}" type="datetimeFigureOut">
               <a:rPr lang="fr-CH" smtClean="0"/>
-              <a:t>22.08.2023</a:t>
+              <a:t>23.08.2023</a:t>
             </a:fld>
             <a:endParaRPr lang="fr-CH"/>
           </a:p>
@@ -1374,7 +1365,7 @@
           <a:p>
             <a:fld id="{C5AC7546-41A7-4DF3-95B3-8CFD320E9C47}" type="datetimeFigureOut">
               <a:rPr lang="fr-CH" smtClean="0"/>
-              <a:t>22.08.2023</a:t>
+              <a:t>23.08.2023</a:t>
             </a:fld>
             <a:endParaRPr lang="fr-CH"/>
           </a:p>
@@ -1606,7 +1597,7 @@
           <a:p>
             <a:fld id="{C5AC7546-41A7-4DF3-95B3-8CFD320E9C47}" type="datetimeFigureOut">
               <a:rPr lang="fr-CH" smtClean="0"/>
-              <a:t>22.08.2023</a:t>
+              <a:t>23.08.2023</a:t>
             </a:fld>
             <a:endParaRPr lang="fr-CH"/>
           </a:p>
@@ -1973,7 +1964,7 @@
           <a:p>
             <a:fld id="{C5AC7546-41A7-4DF3-95B3-8CFD320E9C47}" type="datetimeFigureOut">
               <a:rPr lang="fr-CH" smtClean="0"/>
-              <a:t>22.08.2023</a:t>
+              <a:t>23.08.2023</a:t>
             </a:fld>
             <a:endParaRPr lang="fr-CH"/>
           </a:p>
@@ -2091,7 +2082,7 @@
           <a:p>
             <a:fld id="{C5AC7546-41A7-4DF3-95B3-8CFD320E9C47}" type="datetimeFigureOut">
               <a:rPr lang="fr-CH" smtClean="0"/>
-              <a:t>22.08.2023</a:t>
+              <a:t>23.08.2023</a:t>
             </a:fld>
             <a:endParaRPr lang="fr-CH"/>
           </a:p>
@@ -2186,7 +2177,7 @@
           <a:p>
             <a:fld id="{C5AC7546-41A7-4DF3-95B3-8CFD320E9C47}" type="datetimeFigureOut">
               <a:rPr lang="fr-CH" smtClean="0"/>
-              <a:t>22.08.2023</a:t>
+              <a:t>23.08.2023</a:t>
             </a:fld>
             <a:endParaRPr lang="fr-CH"/>
           </a:p>
@@ -2463,7 +2454,7 @@
           <a:p>
             <a:fld id="{C5AC7546-41A7-4DF3-95B3-8CFD320E9C47}" type="datetimeFigureOut">
               <a:rPr lang="fr-CH" smtClean="0"/>
-              <a:t>22.08.2023</a:t>
+              <a:t>23.08.2023</a:t>
             </a:fld>
             <a:endParaRPr lang="fr-CH"/>
           </a:p>
@@ -2720,7 +2711,7 @@
           <a:p>
             <a:fld id="{C5AC7546-41A7-4DF3-95B3-8CFD320E9C47}" type="datetimeFigureOut">
               <a:rPr lang="fr-CH" smtClean="0"/>
-              <a:t>22.08.2023</a:t>
+              <a:t>23.08.2023</a:t>
             </a:fld>
             <a:endParaRPr lang="fr-CH"/>
           </a:p>
@@ -2933,7 +2924,7 @@
           <a:p>
             <a:fld id="{C5AC7546-41A7-4DF3-95B3-8CFD320E9C47}" type="datetimeFigureOut">
               <a:rPr lang="fr-CH" smtClean="0"/>
-              <a:t>22.08.2023</a:t>
+              <a:t>23.08.2023</a:t>
             </a:fld>
             <a:endParaRPr lang="fr-CH"/>
           </a:p>
@@ -3340,52 +3331,6 @@
       </p:grpSpPr>
       <p:sp>
         <p:nvSpPr>
-          <p:cNvPr id="6" name="Rectangle 5">
-            <a:extLst>
-              <a:ext uri="{FF2B5EF4-FFF2-40B4-BE49-F238E27FC236}">
-                <a16:creationId xmlns:a16="http://schemas.microsoft.com/office/drawing/2014/main" id="{210475C1-1A3F-6435-5F69-09BFD934A3B5}"/>
-              </a:ext>
-            </a:extLst>
-          </p:cNvPr>
-          <p:cNvSpPr/>
-          <p:nvPr/>
-        </p:nvSpPr>
-        <p:spPr>
-          <a:xfrm>
-            <a:off x="784614" y="2029379"/>
-            <a:ext cx="2754999" cy="1463040"/>
-          </a:xfrm>
-          <a:prstGeom prst="rect">
-            <a:avLst/>
-          </a:prstGeom>
-        </p:spPr>
-        <p:style>
-          <a:lnRef idx="2">
-            <a:schemeClr val="accent1">
-              <a:shade val="15000"/>
-            </a:schemeClr>
-          </a:lnRef>
-          <a:fillRef idx="1">
-            <a:schemeClr val="accent1"/>
-          </a:fillRef>
-          <a:effectRef idx="0">
-            <a:schemeClr val="accent1"/>
-          </a:effectRef>
-          <a:fontRef idx="minor">
-            <a:schemeClr val="lt1"/>
-          </a:fontRef>
-        </p:style>
-        <p:txBody>
-          <a:bodyPr rtlCol="0" anchor="ctr"/>
-          <a:lstStyle/>
-          <a:p>
-            <a:pPr algn="ctr"/>
-            <a:endParaRPr lang="fr-CH"/>
-          </a:p>
-        </p:txBody>
-      </p:sp>
-      <p:sp>
-        <p:nvSpPr>
           <p:cNvPr id="3" name="Sous-titre 2">
             <a:extLst>
               <a:ext uri="{FF2B5EF4-FFF2-40B4-BE49-F238E27FC236}">
@@ -3413,347 +3358,30 @@
             <a:pPr algn="l"/>
             <a:r>
               <a:rPr lang="fr-CH" b="1" dirty="0"/>
-              <a:t>Charte graphique</a:t>
+              <a:t>CHARTE GRAPHIQUE</a:t>
             </a:r>
           </a:p>
           <a:p>
             <a:pPr algn="l"/>
             <a:r>
-              <a:rPr lang="fr-CH" dirty="0"/>
+              <a:rPr lang="fr-CH" dirty="0">
+                <a:solidFill>
+                  <a:schemeClr val="bg1">
+                    <a:lumMod val="50000"/>
+                  </a:schemeClr>
+                </a:solidFill>
+              </a:rPr>
               <a:t>2023</a:t>
             </a:r>
           </a:p>
         </p:txBody>
       </p:sp>
-      <p:sp>
-        <p:nvSpPr>
-          <p:cNvPr id="5" name="ZoneTexte 4">
+      <p:pic>
+        <p:nvPicPr>
+          <p:cNvPr id="4" name="Image 3" descr="Une image contenant texte, Graphique, graphisme, Police&#10;&#10;Description générée automatiquement">
             <a:extLst>
               <a:ext uri="{FF2B5EF4-FFF2-40B4-BE49-F238E27FC236}">
-                <a16:creationId xmlns:a16="http://schemas.microsoft.com/office/drawing/2014/main" id="{4F9CD5FC-585F-8AC9-CD1B-08E4D7C5E9F9}"/>
-              </a:ext>
-            </a:extLst>
-          </p:cNvPr>
-          <p:cNvSpPr txBox="1"/>
-          <p:nvPr/>
-        </p:nvSpPr>
-        <p:spPr>
-          <a:xfrm>
-            <a:off x="837340" y="2391567"/>
-            <a:ext cx="2283419" cy="369332"/>
-          </a:xfrm>
-          <a:prstGeom prst="rect">
-            <a:avLst/>
-          </a:prstGeom>
-          <a:noFill/>
-        </p:spPr>
-        <p:txBody>
-          <a:bodyPr wrap="square" rtlCol="0">
-            <a:spAutoFit/>
-          </a:bodyPr>
-          <a:lstStyle/>
-          <a:p>
-            <a:r>
-              <a:rPr lang="fr-CH" dirty="0"/>
-              <a:t>LOGO</a:t>
-            </a:r>
-          </a:p>
-        </p:txBody>
-      </p:sp>
-    </p:spTree>
-    <p:extLst>
-      <p:ext uri="{BB962C8B-B14F-4D97-AF65-F5344CB8AC3E}">
-        <p14:creationId xmlns:p14="http://schemas.microsoft.com/office/powerpoint/2010/main" val="963814619"/>
-      </p:ext>
-    </p:extLst>
-  </p:cSld>
-  <p:clrMapOvr>
-    <a:masterClrMapping/>
-  </p:clrMapOvr>
-</p:sld>
-</file>
-
-<file path=ppt/slides/slide10.xml><?xml version="1.0" encoding="utf-8"?>
-<p:sld xmlns:a="http://schemas.openxmlformats.org/drawingml/2006/main" xmlns:r="http://schemas.openxmlformats.org/officeDocument/2006/relationships" xmlns:p="http://schemas.openxmlformats.org/presentationml/2006/main">
-  <p:cSld>
-    <p:spTree>
-      <p:nvGrpSpPr>
-        <p:cNvPr id="1" name=""/>
-        <p:cNvGrpSpPr/>
-        <p:nvPr/>
-      </p:nvGrpSpPr>
-      <p:grpSpPr>
-        <a:xfrm>
-          <a:off x="0" y="0"/>
-          <a:ext cx="0" cy="0"/>
-          <a:chOff x="0" y="0"/>
-          <a:chExt cx="0" cy="0"/>
-        </a:xfrm>
-      </p:grpSpPr>
-      <p:sp>
-        <p:nvSpPr>
-          <p:cNvPr id="2" name="Sous-titre 2">
-            <a:extLst>
-              <a:ext uri="{FF2B5EF4-FFF2-40B4-BE49-F238E27FC236}">
-                <a16:creationId xmlns:a16="http://schemas.microsoft.com/office/drawing/2014/main" id="{62DD2167-CBB3-69FE-DD77-594B8CFAC1FA}"/>
-              </a:ext>
-            </a:extLst>
-          </p:cNvPr>
-          <p:cNvSpPr txBox="1">
-            <a:spLocks/>
-          </p:cNvSpPr>
-          <p:nvPr/>
-        </p:nvSpPr>
-        <p:spPr>
-          <a:xfrm>
-            <a:off x="257176" y="192523"/>
-            <a:ext cx="7903876" cy="1655762"/>
-          </a:xfrm>
-          <a:prstGeom prst="rect">
-            <a:avLst/>
-          </a:prstGeom>
-        </p:spPr>
-        <p:txBody>
-          <a:bodyPr vert="horz" lIns="91440" tIns="45720" rIns="91440" bIns="45720" rtlCol="0">
-            <a:normAutofit/>
-          </a:bodyPr>
-          <a:lstStyle>
-            <a:lvl1pPr marL="0" indent="0" algn="ctr" defTabSz="914400" rtl="0" eaLnBrk="1" latinLnBrk="0" hangingPunct="1">
-              <a:lnSpc>
-                <a:spcPct val="90000"/>
-              </a:lnSpc>
-              <a:spcBef>
-                <a:spcPts val="1000"/>
-              </a:spcBef>
-              <a:buFont typeface="Arial" panose="020B0604020202020204" pitchFamily="34" charset="0"/>
-              <a:buNone/>
-              <a:defRPr sz="2400" kern="1200">
-                <a:solidFill>
-                  <a:schemeClr val="tx1"/>
-                </a:solidFill>
-                <a:latin typeface="+mn-lt"/>
-                <a:ea typeface="+mn-ea"/>
-                <a:cs typeface="+mn-cs"/>
-              </a:defRPr>
-            </a:lvl1pPr>
-            <a:lvl2pPr marL="457200" indent="0" algn="ctr" defTabSz="914400" rtl="0" eaLnBrk="1" latinLnBrk="0" hangingPunct="1">
-              <a:lnSpc>
-                <a:spcPct val="90000"/>
-              </a:lnSpc>
-              <a:spcBef>
-                <a:spcPts val="500"/>
-              </a:spcBef>
-              <a:buFont typeface="Arial" panose="020B0604020202020204" pitchFamily="34" charset="0"/>
-              <a:buNone/>
-              <a:defRPr sz="2000" kern="1200">
-                <a:solidFill>
-                  <a:schemeClr val="tx1"/>
-                </a:solidFill>
-                <a:latin typeface="+mn-lt"/>
-                <a:ea typeface="+mn-ea"/>
-                <a:cs typeface="+mn-cs"/>
-              </a:defRPr>
-            </a:lvl2pPr>
-            <a:lvl3pPr marL="914400" indent="0" algn="ctr" defTabSz="914400" rtl="0" eaLnBrk="1" latinLnBrk="0" hangingPunct="1">
-              <a:lnSpc>
-                <a:spcPct val="90000"/>
-              </a:lnSpc>
-              <a:spcBef>
-                <a:spcPts val="500"/>
-              </a:spcBef>
-              <a:buFont typeface="Arial" panose="020B0604020202020204" pitchFamily="34" charset="0"/>
-              <a:buNone/>
-              <a:defRPr sz="1800" kern="1200">
-                <a:solidFill>
-                  <a:schemeClr val="tx1"/>
-                </a:solidFill>
-                <a:latin typeface="+mn-lt"/>
-                <a:ea typeface="+mn-ea"/>
-                <a:cs typeface="+mn-cs"/>
-              </a:defRPr>
-            </a:lvl3pPr>
-            <a:lvl4pPr marL="1371600" indent="0" algn="ctr" defTabSz="914400" rtl="0" eaLnBrk="1" latinLnBrk="0" hangingPunct="1">
-              <a:lnSpc>
-                <a:spcPct val="90000"/>
-              </a:lnSpc>
-              <a:spcBef>
-                <a:spcPts val="500"/>
-              </a:spcBef>
-              <a:buFont typeface="Arial" panose="020B0604020202020204" pitchFamily="34" charset="0"/>
-              <a:buNone/>
-              <a:defRPr sz="1600" kern="1200">
-                <a:solidFill>
-                  <a:schemeClr val="tx1"/>
-                </a:solidFill>
-                <a:latin typeface="+mn-lt"/>
-                <a:ea typeface="+mn-ea"/>
-                <a:cs typeface="+mn-cs"/>
-              </a:defRPr>
-            </a:lvl4pPr>
-            <a:lvl5pPr marL="1828800" indent="0" algn="ctr" defTabSz="914400" rtl="0" eaLnBrk="1" latinLnBrk="0" hangingPunct="1">
-              <a:lnSpc>
-                <a:spcPct val="90000"/>
-              </a:lnSpc>
-              <a:spcBef>
-                <a:spcPts val="500"/>
-              </a:spcBef>
-              <a:buFont typeface="Arial" panose="020B0604020202020204" pitchFamily="34" charset="0"/>
-              <a:buNone/>
-              <a:defRPr sz="1600" kern="1200">
-                <a:solidFill>
-                  <a:schemeClr val="tx1"/>
-                </a:solidFill>
-                <a:latin typeface="+mn-lt"/>
-                <a:ea typeface="+mn-ea"/>
-                <a:cs typeface="+mn-cs"/>
-              </a:defRPr>
-            </a:lvl5pPr>
-            <a:lvl6pPr marL="2286000" indent="0" algn="ctr" defTabSz="914400" rtl="0" eaLnBrk="1" latinLnBrk="0" hangingPunct="1">
-              <a:lnSpc>
-                <a:spcPct val="90000"/>
-              </a:lnSpc>
-              <a:spcBef>
-                <a:spcPts val="500"/>
-              </a:spcBef>
-              <a:buFont typeface="Arial" panose="020B0604020202020204" pitchFamily="34" charset="0"/>
-              <a:buNone/>
-              <a:defRPr sz="1600" kern="1200">
-                <a:solidFill>
-                  <a:schemeClr val="tx1"/>
-                </a:solidFill>
-                <a:latin typeface="+mn-lt"/>
-                <a:ea typeface="+mn-ea"/>
-                <a:cs typeface="+mn-cs"/>
-              </a:defRPr>
-            </a:lvl6pPr>
-            <a:lvl7pPr marL="2743200" indent="0" algn="ctr" defTabSz="914400" rtl="0" eaLnBrk="1" latinLnBrk="0" hangingPunct="1">
-              <a:lnSpc>
-                <a:spcPct val="90000"/>
-              </a:lnSpc>
-              <a:spcBef>
-                <a:spcPts val="500"/>
-              </a:spcBef>
-              <a:buFont typeface="Arial" panose="020B0604020202020204" pitchFamily="34" charset="0"/>
-              <a:buNone/>
-              <a:defRPr sz="1600" kern="1200">
-                <a:solidFill>
-                  <a:schemeClr val="tx1"/>
-                </a:solidFill>
-                <a:latin typeface="+mn-lt"/>
-                <a:ea typeface="+mn-ea"/>
-                <a:cs typeface="+mn-cs"/>
-              </a:defRPr>
-            </a:lvl7pPr>
-            <a:lvl8pPr marL="3200400" indent="0" algn="ctr" defTabSz="914400" rtl="0" eaLnBrk="1" latinLnBrk="0" hangingPunct="1">
-              <a:lnSpc>
-                <a:spcPct val="90000"/>
-              </a:lnSpc>
-              <a:spcBef>
-                <a:spcPts val="500"/>
-              </a:spcBef>
-              <a:buFont typeface="Arial" panose="020B0604020202020204" pitchFamily="34" charset="0"/>
-              <a:buNone/>
-              <a:defRPr sz="1600" kern="1200">
-                <a:solidFill>
-                  <a:schemeClr val="tx1"/>
-                </a:solidFill>
-                <a:latin typeface="+mn-lt"/>
-                <a:ea typeface="+mn-ea"/>
-                <a:cs typeface="+mn-cs"/>
-              </a:defRPr>
-            </a:lvl8pPr>
-            <a:lvl9pPr marL="3657600" indent="0" algn="ctr" defTabSz="914400" rtl="0" eaLnBrk="1" latinLnBrk="0" hangingPunct="1">
-              <a:lnSpc>
-                <a:spcPct val="90000"/>
-              </a:lnSpc>
-              <a:spcBef>
-                <a:spcPts val="500"/>
-              </a:spcBef>
-              <a:buFont typeface="Arial" panose="020B0604020202020204" pitchFamily="34" charset="0"/>
-              <a:buNone/>
-              <a:defRPr sz="1600" kern="1200">
-                <a:solidFill>
-                  <a:schemeClr val="tx1"/>
-                </a:solidFill>
-                <a:latin typeface="+mn-lt"/>
-                <a:ea typeface="+mn-ea"/>
-                <a:cs typeface="+mn-cs"/>
-              </a:defRPr>
-            </a:lvl9pPr>
-          </a:lstStyle>
-          <a:p>
-            <a:pPr algn="l"/>
-            <a:r>
-              <a:rPr lang="fr-CH" sz="1600" dirty="0">
-                <a:solidFill>
-                  <a:schemeClr val="bg1">
-                    <a:lumMod val="75000"/>
-                  </a:schemeClr>
-                </a:solidFill>
-              </a:rPr>
-              <a:t>COULEURS #2</a:t>
-            </a:r>
-            <a:endParaRPr lang="fr-CH" dirty="0">
-              <a:solidFill>
-                <a:schemeClr val="bg1">
-                  <a:lumMod val="75000"/>
-                </a:schemeClr>
-              </a:solidFill>
-            </a:endParaRPr>
-          </a:p>
-        </p:txBody>
-      </p:sp>
-      <p:cxnSp>
-        <p:nvCxnSpPr>
-          <p:cNvPr id="7" name="Connecteur droit 6">
-            <a:extLst>
-              <a:ext uri="{FF2B5EF4-FFF2-40B4-BE49-F238E27FC236}">
-                <a16:creationId xmlns:a16="http://schemas.microsoft.com/office/drawing/2014/main" id="{332240F2-DC8F-2475-1BD6-E31790B8AD93}"/>
-              </a:ext>
-            </a:extLst>
-          </p:cNvPr>
-          <p:cNvCxnSpPr>
-            <a:cxnSpLocks/>
-          </p:cNvCxnSpPr>
-          <p:nvPr/>
-        </p:nvCxnSpPr>
-        <p:spPr>
-          <a:xfrm>
-            <a:off x="257175" y="273844"/>
-            <a:ext cx="0" cy="135731"/>
-          </a:xfrm>
-          <a:prstGeom prst="line">
-            <a:avLst/>
-          </a:prstGeom>
-          <a:ln w="12700">
-            <a:solidFill>
-              <a:schemeClr val="bg1">
-                <a:lumMod val="75000"/>
-              </a:schemeClr>
-            </a:solidFill>
-          </a:ln>
-        </p:spPr>
-        <p:style>
-          <a:lnRef idx="1">
-            <a:schemeClr val="accent1"/>
-          </a:lnRef>
-          <a:fillRef idx="0">
-            <a:schemeClr val="accent1"/>
-          </a:fillRef>
-          <a:effectRef idx="0">
-            <a:schemeClr val="accent1"/>
-          </a:effectRef>
-          <a:fontRef idx="minor">
-            <a:schemeClr val="tx1"/>
-          </a:fontRef>
-        </p:style>
-      </p:cxnSp>
-      <p:pic>
-        <p:nvPicPr>
-          <p:cNvPr id="4" name="Image 3" descr="Une image contenant texte, capture d’écran, graphisme, Graphique&#10;&#10;Description générée automatiquement">
-            <a:extLst>
-              <a:ext uri="{FF2B5EF4-FFF2-40B4-BE49-F238E27FC236}">
-                <a16:creationId xmlns:a16="http://schemas.microsoft.com/office/drawing/2014/main" id="{1A2A1698-002B-88EC-C158-EB8EF690F5F0}"/>
+                <a16:creationId xmlns:a16="http://schemas.microsoft.com/office/drawing/2014/main" id="{CA2F1DCD-AA98-ACC2-593E-A2FA933F920B}"/>
               </a:ext>
             </a:extLst>
           </p:cNvPr>
@@ -3762,7 +3390,7 @@
           </p:cNvPicPr>
           <p:nvPr/>
         </p:nvPicPr>
-        <p:blipFill rotWithShape="1">
+        <p:blipFill>
           <a:blip r:embed="rId2">
             <a:extLst>
               <a:ext uri="{28A0092B-C50C-407E-A947-70E740481C1C}">
@@ -3770,13 +3398,14 @@
               </a:ext>
             </a:extLst>
           </a:blip>
-          <a:srcRect b="7027"/>
-          <a:stretch/>
+          <a:stretch>
+            <a:fillRect/>
+          </a:stretch>
         </p:blipFill>
         <p:spPr>
           <a:xfrm>
-            <a:off x="1526187" y="1039493"/>
-            <a:ext cx="6853625" cy="4779014"/>
+            <a:off x="-431297" y="0"/>
+            <a:ext cx="4764034" cy="4764034"/>
           </a:xfrm>
           <a:prstGeom prst="rect">
             <a:avLst/>
@@ -3786,1552 +3415,7 @@
     </p:spTree>
     <p:extLst>
       <p:ext uri="{BB962C8B-B14F-4D97-AF65-F5344CB8AC3E}">
-        <p14:creationId xmlns:p14="http://schemas.microsoft.com/office/powerpoint/2010/main" val="2171945417"/>
-      </p:ext>
-    </p:extLst>
-  </p:cSld>
-  <p:clrMapOvr>
-    <a:masterClrMapping/>
-  </p:clrMapOvr>
-</p:sld>
-</file>
-
-<file path=ppt/slides/slide11.xml><?xml version="1.0" encoding="utf-8"?>
-<p:sld xmlns:a="http://schemas.openxmlformats.org/drawingml/2006/main" xmlns:r="http://schemas.openxmlformats.org/officeDocument/2006/relationships" xmlns:p="http://schemas.openxmlformats.org/presentationml/2006/main">
-  <p:cSld>
-    <p:spTree>
-      <p:nvGrpSpPr>
-        <p:cNvPr id="1" name=""/>
-        <p:cNvGrpSpPr/>
-        <p:nvPr/>
-      </p:nvGrpSpPr>
-      <p:grpSpPr>
-        <a:xfrm>
-          <a:off x="0" y="0"/>
-          <a:ext cx="0" cy="0"/>
-          <a:chOff x="0" y="0"/>
-          <a:chExt cx="0" cy="0"/>
-        </a:xfrm>
-      </p:grpSpPr>
-      <p:sp>
-        <p:nvSpPr>
-          <p:cNvPr id="2" name="Sous-titre 2">
-            <a:extLst>
-              <a:ext uri="{FF2B5EF4-FFF2-40B4-BE49-F238E27FC236}">
-                <a16:creationId xmlns:a16="http://schemas.microsoft.com/office/drawing/2014/main" id="{62DD2167-CBB3-69FE-DD77-594B8CFAC1FA}"/>
-              </a:ext>
-            </a:extLst>
-          </p:cNvPr>
-          <p:cNvSpPr txBox="1">
-            <a:spLocks/>
-          </p:cNvSpPr>
-          <p:nvPr/>
-        </p:nvSpPr>
-        <p:spPr>
-          <a:xfrm>
-            <a:off x="257176" y="192523"/>
-            <a:ext cx="7903876" cy="1655762"/>
-          </a:xfrm>
-          <a:prstGeom prst="rect">
-            <a:avLst/>
-          </a:prstGeom>
-        </p:spPr>
-        <p:txBody>
-          <a:bodyPr vert="horz" lIns="91440" tIns="45720" rIns="91440" bIns="45720" rtlCol="0">
-            <a:normAutofit/>
-          </a:bodyPr>
-          <a:lstStyle>
-            <a:lvl1pPr marL="0" indent="0" algn="ctr" defTabSz="914400" rtl="0" eaLnBrk="1" latinLnBrk="0" hangingPunct="1">
-              <a:lnSpc>
-                <a:spcPct val="90000"/>
-              </a:lnSpc>
-              <a:spcBef>
-                <a:spcPts val="1000"/>
-              </a:spcBef>
-              <a:buFont typeface="Arial" panose="020B0604020202020204" pitchFamily="34" charset="0"/>
-              <a:buNone/>
-              <a:defRPr sz="2400" kern="1200">
-                <a:solidFill>
-                  <a:schemeClr val="tx1"/>
-                </a:solidFill>
-                <a:latin typeface="+mn-lt"/>
-                <a:ea typeface="+mn-ea"/>
-                <a:cs typeface="+mn-cs"/>
-              </a:defRPr>
-            </a:lvl1pPr>
-            <a:lvl2pPr marL="457200" indent="0" algn="ctr" defTabSz="914400" rtl="0" eaLnBrk="1" latinLnBrk="0" hangingPunct="1">
-              <a:lnSpc>
-                <a:spcPct val="90000"/>
-              </a:lnSpc>
-              <a:spcBef>
-                <a:spcPts val="500"/>
-              </a:spcBef>
-              <a:buFont typeface="Arial" panose="020B0604020202020204" pitchFamily="34" charset="0"/>
-              <a:buNone/>
-              <a:defRPr sz="2000" kern="1200">
-                <a:solidFill>
-                  <a:schemeClr val="tx1"/>
-                </a:solidFill>
-                <a:latin typeface="+mn-lt"/>
-                <a:ea typeface="+mn-ea"/>
-                <a:cs typeface="+mn-cs"/>
-              </a:defRPr>
-            </a:lvl2pPr>
-            <a:lvl3pPr marL="914400" indent="0" algn="ctr" defTabSz="914400" rtl="0" eaLnBrk="1" latinLnBrk="0" hangingPunct="1">
-              <a:lnSpc>
-                <a:spcPct val="90000"/>
-              </a:lnSpc>
-              <a:spcBef>
-                <a:spcPts val="500"/>
-              </a:spcBef>
-              <a:buFont typeface="Arial" panose="020B0604020202020204" pitchFamily="34" charset="0"/>
-              <a:buNone/>
-              <a:defRPr sz="1800" kern="1200">
-                <a:solidFill>
-                  <a:schemeClr val="tx1"/>
-                </a:solidFill>
-                <a:latin typeface="+mn-lt"/>
-                <a:ea typeface="+mn-ea"/>
-                <a:cs typeface="+mn-cs"/>
-              </a:defRPr>
-            </a:lvl3pPr>
-            <a:lvl4pPr marL="1371600" indent="0" algn="ctr" defTabSz="914400" rtl="0" eaLnBrk="1" latinLnBrk="0" hangingPunct="1">
-              <a:lnSpc>
-                <a:spcPct val="90000"/>
-              </a:lnSpc>
-              <a:spcBef>
-                <a:spcPts val="500"/>
-              </a:spcBef>
-              <a:buFont typeface="Arial" panose="020B0604020202020204" pitchFamily="34" charset="0"/>
-              <a:buNone/>
-              <a:defRPr sz="1600" kern="1200">
-                <a:solidFill>
-                  <a:schemeClr val="tx1"/>
-                </a:solidFill>
-                <a:latin typeface="+mn-lt"/>
-                <a:ea typeface="+mn-ea"/>
-                <a:cs typeface="+mn-cs"/>
-              </a:defRPr>
-            </a:lvl4pPr>
-            <a:lvl5pPr marL="1828800" indent="0" algn="ctr" defTabSz="914400" rtl="0" eaLnBrk="1" latinLnBrk="0" hangingPunct="1">
-              <a:lnSpc>
-                <a:spcPct val="90000"/>
-              </a:lnSpc>
-              <a:spcBef>
-                <a:spcPts val="500"/>
-              </a:spcBef>
-              <a:buFont typeface="Arial" panose="020B0604020202020204" pitchFamily="34" charset="0"/>
-              <a:buNone/>
-              <a:defRPr sz="1600" kern="1200">
-                <a:solidFill>
-                  <a:schemeClr val="tx1"/>
-                </a:solidFill>
-                <a:latin typeface="+mn-lt"/>
-                <a:ea typeface="+mn-ea"/>
-                <a:cs typeface="+mn-cs"/>
-              </a:defRPr>
-            </a:lvl5pPr>
-            <a:lvl6pPr marL="2286000" indent="0" algn="ctr" defTabSz="914400" rtl="0" eaLnBrk="1" latinLnBrk="0" hangingPunct="1">
-              <a:lnSpc>
-                <a:spcPct val="90000"/>
-              </a:lnSpc>
-              <a:spcBef>
-                <a:spcPts val="500"/>
-              </a:spcBef>
-              <a:buFont typeface="Arial" panose="020B0604020202020204" pitchFamily="34" charset="0"/>
-              <a:buNone/>
-              <a:defRPr sz="1600" kern="1200">
-                <a:solidFill>
-                  <a:schemeClr val="tx1"/>
-                </a:solidFill>
-                <a:latin typeface="+mn-lt"/>
-                <a:ea typeface="+mn-ea"/>
-                <a:cs typeface="+mn-cs"/>
-              </a:defRPr>
-            </a:lvl6pPr>
-            <a:lvl7pPr marL="2743200" indent="0" algn="ctr" defTabSz="914400" rtl="0" eaLnBrk="1" latinLnBrk="0" hangingPunct="1">
-              <a:lnSpc>
-                <a:spcPct val="90000"/>
-              </a:lnSpc>
-              <a:spcBef>
-                <a:spcPts val="500"/>
-              </a:spcBef>
-              <a:buFont typeface="Arial" panose="020B0604020202020204" pitchFamily="34" charset="0"/>
-              <a:buNone/>
-              <a:defRPr sz="1600" kern="1200">
-                <a:solidFill>
-                  <a:schemeClr val="tx1"/>
-                </a:solidFill>
-                <a:latin typeface="+mn-lt"/>
-                <a:ea typeface="+mn-ea"/>
-                <a:cs typeface="+mn-cs"/>
-              </a:defRPr>
-            </a:lvl7pPr>
-            <a:lvl8pPr marL="3200400" indent="0" algn="ctr" defTabSz="914400" rtl="0" eaLnBrk="1" latinLnBrk="0" hangingPunct="1">
-              <a:lnSpc>
-                <a:spcPct val="90000"/>
-              </a:lnSpc>
-              <a:spcBef>
-                <a:spcPts val="500"/>
-              </a:spcBef>
-              <a:buFont typeface="Arial" panose="020B0604020202020204" pitchFamily="34" charset="0"/>
-              <a:buNone/>
-              <a:defRPr sz="1600" kern="1200">
-                <a:solidFill>
-                  <a:schemeClr val="tx1"/>
-                </a:solidFill>
-                <a:latin typeface="+mn-lt"/>
-                <a:ea typeface="+mn-ea"/>
-                <a:cs typeface="+mn-cs"/>
-              </a:defRPr>
-            </a:lvl8pPr>
-            <a:lvl9pPr marL="3657600" indent="0" algn="ctr" defTabSz="914400" rtl="0" eaLnBrk="1" latinLnBrk="0" hangingPunct="1">
-              <a:lnSpc>
-                <a:spcPct val="90000"/>
-              </a:lnSpc>
-              <a:spcBef>
-                <a:spcPts val="500"/>
-              </a:spcBef>
-              <a:buFont typeface="Arial" panose="020B0604020202020204" pitchFamily="34" charset="0"/>
-              <a:buNone/>
-              <a:defRPr sz="1600" kern="1200">
-                <a:solidFill>
-                  <a:schemeClr val="tx1"/>
-                </a:solidFill>
-                <a:latin typeface="+mn-lt"/>
-                <a:ea typeface="+mn-ea"/>
-                <a:cs typeface="+mn-cs"/>
-              </a:defRPr>
-            </a:lvl9pPr>
-          </a:lstStyle>
-          <a:p>
-            <a:pPr algn="l"/>
-            <a:r>
-              <a:rPr lang="fr-CH" sz="1600" dirty="0">
-                <a:solidFill>
-                  <a:schemeClr val="bg1">
-                    <a:lumMod val="75000"/>
-                  </a:schemeClr>
-                </a:solidFill>
-              </a:rPr>
-              <a:t>COULEURS #2</a:t>
-            </a:r>
-            <a:endParaRPr lang="fr-CH" dirty="0">
-              <a:solidFill>
-                <a:schemeClr val="bg1">
-                  <a:lumMod val="75000"/>
-                </a:schemeClr>
-              </a:solidFill>
-            </a:endParaRPr>
-          </a:p>
-        </p:txBody>
-      </p:sp>
-      <p:cxnSp>
-        <p:nvCxnSpPr>
-          <p:cNvPr id="7" name="Connecteur droit 6">
-            <a:extLst>
-              <a:ext uri="{FF2B5EF4-FFF2-40B4-BE49-F238E27FC236}">
-                <a16:creationId xmlns:a16="http://schemas.microsoft.com/office/drawing/2014/main" id="{332240F2-DC8F-2475-1BD6-E31790B8AD93}"/>
-              </a:ext>
-            </a:extLst>
-          </p:cNvPr>
-          <p:cNvCxnSpPr>
-            <a:cxnSpLocks/>
-          </p:cNvCxnSpPr>
-          <p:nvPr/>
-        </p:nvCxnSpPr>
-        <p:spPr>
-          <a:xfrm>
-            <a:off x="257175" y="273844"/>
-            <a:ext cx="0" cy="135731"/>
-          </a:xfrm>
-          <a:prstGeom prst="line">
-            <a:avLst/>
-          </a:prstGeom>
-          <a:ln w="12700">
-            <a:solidFill>
-              <a:schemeClr val="bg1">
-                <a:lumMod val="75000"/>
-              </a:schemeClr>
-            </a:solidFill>
-          </a:ln>
-        </p:spPr>
-        <p:style>
-          <a:lnRef idx="1">
-            <a:schemeClr val="accent1"/>
-          </a:lnRef>
-          <a:fillRef idx="0">
-            <a:schemeClr val="accent1"/>
-          </a:fillRef>
-          <a:effectRef idx="0">
-            <a:schemeClr val="accent1"/>
-          </a:effectRef>
-          <a:fontRef idx="minor">
-            <a:schemeClr val="tx1"/>
-          </a:fontRef>
-        </p:style>
-      </p:cxnSp>
-      <p:pic>
-        <p:nvPicPr>
-          <p:cNvPr id="10" name="Image 9" descr="Une image contenant texte, capture d’écran, conception&#10;&#10;Description générée automatiquement">
-            <a:extLst>
-              <a:ext uri="{FF2B5EF4-FFF2-40B4-BE49-F238E27FC236}">
-                <a16:creationId xmlns:a16="http://schemas.microsoft.com/office/drawing/2014/main" id="{AE2B2E73-789F-2D70-ADE7-0A3C42C87979}"/>
-              </a:ext>
-            </a:extLst>
-          </p:cNvPr>
-          <p:cNvPicPr>
-            <a:picLocks noChangeAspect="1"/>
-          </p:cNvPicPr>
-          <p:nvPr/>
-        </p:nvPicPr>
-        <p:blipFill rotWithShape="1">
-          <a:blip r:embed="rId2">
-            <a:extLst>
-              <a:ext uri="{28A0092B-C50C-407E-A947-70E740481C1C}">
-                <a14:useLocalDpi xmlns:a14="http://schemas.microsoft.com/office/drawing/2010/main" val="0"/>
-              </a:ext>
-            </a:extLst>
-          </a:blip>
-          <a:srcRect b="6847"/>
-          <a:stretch/>
-        </p:blipFill>
-        <p:spPr>
-          <a:xfrm>
-            <a:off x="1653746" y="1192325"/>
-            <a:ext cx="6402859" cy="4473349"/>
-          </a:xfrm>
-          <a:prstGeom prst="rect">
-            <a:avLst/>
-          </a:prstGeom>
-        </p:spPr>
-      </p:pic>
-    </p:spTree>
-    <p:extLst>
-      <p:ext uri="{BB962C8B-B14F-4D97-AF65-F5344CB8AC3E}">
-        <p14:creationId xmlns:p14="http://schemas.microsoft.com/office/powerpoint/2010/main" val="1291094504"/>
-      </p:ext>
-    </p:extLst>
-  </p:cSld>
-  <p:clrMapOvr>
-    <a:masterClrMapping/>
-  </p:clrMapOvr>
-</p:sld>
-</file>
-
-<file path=ppt/slides/slide12.xml><?xml version="1.0" encoding="utf-8"?>
-<p:sld xmlns:a="http://schemas.openxmlformats.org/drawingml/2006/main" xmlns:r="http://schemas.openxmlformats.org/officeDocument/2006/relationships" xmlns:p="http://schemas.openxmlformats.org/presentationml/2006/main">
-  <p:cSld>
-    <p:spTree>
-      <p:nvGrpSpPr>
-        <p:cNvPr id="1" name=""/>
-        <p:cNvGrpSpPr/>
-        <p:nvPr/>
-      </p:nvGrpSpPr>
-      <p:grpSpPr>
-        <a:xfrm>
-          <a:off x="0" y="0"/>
-          <a:ext cx="0" cy="0"/>
-          <a:chOff x="0" y="0"/>
-          <a:chExt cx="0" cy="0"/>
-        </a:xfrm>
-      </p:grpSpPr>
-      <p:sp>
-        <p:nvSpPr>
-          <p:cNvPr id="2" name="Sous-titre 2">
-            <a:extLst>
-              <a:ext uri="{FF2B5EF4-FFF2-40B4-BE49-F238E27FC236}">
-                <a16:creationId xmlns:a16="http://schemas.microsoft.com/office/drawing/2014/main" id="{62DD2167-CBB3-69FE-DD77-594B8CFAC1FA}"/>
-              </a:ext>
-            </a:extLst>
-          </p:cNvPr>
-          <p:cNvSpPr txBox="1">
-            <a:spLocks/>
-          </p:cNvSpPr>
-          <p:nvPr/>
-        </p:nvSpPr>
-        <p:spPr>
-          <a:xfrm>
-            <a:off x="257176" y="192523"/>
-            <a:ext cx="7903876" cy="1655762"/>
-          </a:xfrm>
-          <a:prstGeom prst="rect">
-            <a:avLst/>
-          </a:prstGeom>
-        </p:spPr>
-        <p:txBody>
-          <a:bodyPr vert="horz" lIns="91440" tIns="45720" rIns="91440" bIns="45720" rtlCol="0">
-            <a:normAutofit/>
-          </a:bodyPr>
-          <a:lstStyle>
-            <a:lvl1pPr marL="0" indent="0" algn="ctr" defTabSz="914400" rtl="0" eaLnBrk="1" latinLnBrk="0" hangingPunct="1">
-              <a:lnSpc>
-                <a:spcPct val="90000"/>
-              </a:lnSpc>
-              <a:spcBef>
-                <a:spcPts val="1000"/>
-              </a:spcBef>
-              <a:buFont typeface="Arial" panose="020B0604020202020204" pitchFamily="34" charset="0"/>
-              <a:buNone/>
-              <a:defRPr sz="2400" kern="1200">
-                <a:solidFill>
-                  <a:schemeClr val="tx1"/>
-                </a:solidFill>
-                <a:latin typeface="+mn-lt"/>
-                <a:ea typeface="+mn-ea"/>
-                <a:cs typeface="+mn-cs"/>
-              </a:defRPr>
-            </a:lvl1pPr>
-            <a:lvl2pPr marL="457200" indent="0" algn="ctr" defTabSz="914400" rtl="0" eaLnBrk="1" latinLnBrk="0" hangingPunct="1">
-              <a:lnSpc>
-                <a:spcPct val="90000"/>
-              </a:lnSpc>
-              <a:spcBef>
-                <a:spcPts val="500"/>
-              </a:spcBef>
-              <a:buFont typeface="Arial" panose="020B0604020202020204" pitchFamily="34" charset="0"/>
-              <a:buNone/>
-              <a:defRPr sz="2000" kern="1200">
-                <a:solidFill>
-                  <a:schemeClr val="tx1"/>
-                </a:solidFill>
-                <a:latin typeface="+mn-lt"/>
-                <a:ea typeface="+mn-ea"/>
-                <a:cs typeface="+mn-cs"/>
-              </a:defRPr>
-            </a:lvl2pPr>
-            <a:lvl3pPr marL="914400" indent="0" algn="ctr" defTabSz="914400" rtl="0" eaLnBrk="1" latinLnBrk="0" hangingPunct="1">
-              <a:lnSpc>
-                <a:spcPct val="90000"/>
-              </a:lnSpc>
-              <a:spcBef>
-                <a:spcPts val="500"/>
-              </a:spcBef>
-              <a:buFont typeface="Arial" panose="020B0604020202020204" pitchFamily="34" charset="0"/>
-              <a:buNone/>
-              <a:defRPr sz="1800" kern="1200">
-                <a:solidFill>
-                  <a:schemeClr val="tx1"/>
-                </a:solidFill>
-                <a:latin typeface="+mn-lt"/>
-                <a:ea typeface="+mn-ea"/>
-                <a:cs typeface="+mn-cs"/>
-              </a:defRPr>
-            </a:lvl3pPr>
-            <a:lvl4pPr marL="1371600" indent="0" algn="ctr" defTabSz="914400" rtl="0" eaLnBrk="1" latinLnBrk="0" hangingPunct="1">
-              <a:lnSpc>
-                <a:spcPct val="90000"/>
-              </a:lnSpc>
-              <a:spcBef>
-                <a:spcPts val="500"/>
-              </a:spcBef>
-              <a:buFont typeface="Arial" panose="020B0604020202020204" pitchFamily="34" charset="0"/>
-              <a:buNone/>
-              <a:defRPr sz="1600" kern="1200">
-                <a:solidFill>
-                  <a:schemeClr val="tx1"/>
-                </a:solidFill>
-                <a:latin typeface="+mn-lt"/>
-                <a:ea typeface="+mn-ea"/>
-                <a:cs typeface="+mn-cs"/>
-              </a:defRPr>
-            </a:lvl4pPr>
-            <a:lvl5pPr marL="1828800" indent="0" algn="ctr" defTabSz="914400" rtl="0" eaLnBrk="1" latinLnBrk="0" hangingPunct="1">
-              <a:lnSpc>
-                <a:spcPct val="90000"/>
-              </a:lnSpc>
-              <a:spcBef>
-                <a:spcPts val="500"/>
-              </a:spcBef>
-              <a:buFont typeface="Arial" panose="020B0604020202020204" pitchFamily="34" charset="0"/>
-              <a:buNone/>
-              <a:defRPr sz="1600" kern="1200">
-                <a:solidFill>
-                  <a:schemeClr val="tx1"/>
-                </a:solidFill>
-                <a:latin typeface="+mn-lt"/>
-                <a:ea typeface="+mn-ea"/>
-                <a:cs typeface="+mn-cs"/>
-              </a:defRPr>
-            </a:lvl5pPr>
-            <a:lvl6pPr marL="2286000" indent="0" algn="ctr" defTabSz="914400" rtl="0" eaLnBrk="1" latinLnBrk="0" hangingPunct="1">
-              <a:lnSpc>
-                <a:spcPct val="90000"/>
-              </a:lnSpc>
-              <a:spcBef>
-                <a:spcPts val="500"/>
-              </a:spcBef>
-              <a:buFont typeface="Arial" panose="020B0604020202020204" pitchFamily="34" charset="0"/>
-              <a:buNone/>
-              <a:defRPr sz="1600" kern="1200">
-                <a:solidFill>
-                  <a:schemeClr val="tx1"/>
-                </a:solidFill>
-                <a:latin typeface="+mn-lt"/>
-                <a:ea typeface="+mn-ea"/>
-                <a:cs typeface="+mn-cs"/>
-              </a:defRPr>
-            </a:lvl6pPr>
-            <a:lvl7pPr marL="2743200" indent="0" algn="ctr" defTabSz="914400" rtl="0" eaLnBrk="1" latinLnBrk="0" hangingPunct="1">
-              <a:lnSpc>
-                <a:spcPct val="90000"/>
-              </a:lnSpc>
-              <a:spcBef>
-                <a:spcPts val="500"/>
-              </a:spcBef>
-              <a:buFont typeface="Arial" panose="020B0604020202020204" pitchFamily="34" charset="0"/>
-              <a:buNone/>
-              <a:defRPr sz="1600" kern="1200">
-                <a:solidFill>
-                  <a:schemeClr val="tx1"/>
-                </a:solidFill>
-                <a:latin typeface="+mn-lt"/>
-                <a:ea typeface="+mn-ea"/>
-                <a:cs typeface="+mn-cs"/>
-              </a:defRPr>
-            </a:lvl7pPr>
-            <a:lvl8pPr marL="3200400" indent="0" algn="ctr" defTabSz="914400" rtl="0" eaLnBrk="1" latinLnBrk="0" hangingPunct="1">
-              <a:lnSpc>
-                <a:spcPct val="90000"/>
-              </a:lnSpc>
-              <a:spcBef>
-                <a:spcPts val="500"/>
-              </a:spcBef>
-              <a:buFont typeface="Arial" panose="020B0604020202020204" pitchFamily="34" charset="0"/>
-              <a:buNone/>
-              <a:defRPr sz="1600" kern="1200">
-                <a:solidFill>
-                  <a:schemeClr val="tx1"/>
-                </a:solidFill>
-                <a:latin typeface="+mn-lt"/>
-                <a:ea typeface="+mn-ea"/>
-                <a:cs typeface="+mn-cs"/>
-              </a:defRPr>
-            </a:lvl8pPr>
-            <a:lvl9pPr marL="3657600" indent="0" algn="ctr" defTabSz="914400" rtl="0" eaLnBrk="1" latinLnBrk="0" hangingPunct="1">
-              <a:lnSpc>
-                <a:spcPct val="90000"/>
-              </a:lnSpc>
-              <a:spcBef>
-                <a:spcPts val="500"/>
-              </a:spcBef>
-              <a:buFont typeface="Arial" panose="020B0604020202020204" pitchFamily="34" charset="0"/>
-              <a:buNone/>
-              <a:defRPr sz="1600" kern="1200">
-                <a:solidFill>
-                  <a:schemeClr val="tx1"/>
-                </a:solidFill>
-                <a:latin typeface="+mn-lt"/>
-                <a:ea typeface="+mn-ea"/>
-                <a:cs typeface="+mn-cs"/>
-              </a:defRPr>
-            </a:lvl9pPr>
-          </a:lstStyle>
-          <a:p>
-            <a:pPr algn="l"/>
-            <a:r>
-              <a:rPr lang="fr-CH" sz="1600" dirty="0">
-                <a:solidFill>
-                  <a:schemeClr val="bg1">
-                    <a:lumMod val="75000"/>
-                  </a:schemeClr>
-                </a:solidFill>
-              </a:rPr>
-              <a:t>COULEURS #2</a:t>
-            </a:r>
-            <a:endParaRPr lang="fr-CH" dirty="0">
-              <a:solidFill>
-                <a:schemeClr val="bg1">
-                  <a:lumMod val="75000"/>
-                </a:schemeClr>
-              </a:solidFill>
-            </a:endParaRPr>
-          </a:p>
-        </p:txBody>
-      </p:sp>
-      <p:cxnSp>
-        <p:nvCxnSpPr>
-          <p:cNvPr id="7" name="Connecteur droit 6">
-            <a:extLst>
-              <a:ext uri="{FF2B5EF4-FFF2-40B4-BE49-F238E27FC236}">
-                <a16:creationId xmlns:a16="http://schemas.microsoft.com/office/drawing/2014/main" id="{332240F2-DC8F-2475-1BD6-E31790B8AD93}"/>
-              </a:ext>
-            </a:extLst>
-          </p:cNvPr>
-          <p:cNvCxnSpPr>
-            <a:cxnSpLocks/>
-          </p:cNvCxnSpPr>
-          <p:nvPr/>
-        </p:nvCxnSpPr>
-        <p:spPr>
-          <a:xfrm>
-            <a:off x="257175" y="273844"/>
-            <a:ext cx="0" cy="135731"/>
-          </a:xfrm>
-          <a:prstGeom prst="line">
-            <a:avLst/>
-          </a:prstGeom>
-          <a:ln w="12700">
-            <a:solidFill>
-              <a:schemeClr val="bg1">
-                <a:lumMod val="75000"/>
-              </a:schemeClr>
-            </a:solidFill>
-          </a:ln>
-        </p:spPr>
-        <p:style>
-          <a:lnRef idx="1">
-            <a:schemeClr val="accent1"/>
-          </a:lnRef>
-          <a:fillRef idx="0">
-            <a:schemeClr val="accent1"/>
-          </a:fillRef>
-          <a:effectRef idx="0">
-            <a:schemeClr val="accent1"/>
-          </a:effectRef>
-          <a:fontRef idx="minor">
-            <a:schemeClr val="tx1"/>
-          </a:fontRef>
-        </p:style>
-      </p:cxnSp>
-      <p:pic>
-        <p:nvPicPr>
-          <p:cNvPr id="4" name="Image 3" descr="Une image contenant texte, capture d’écran, Caractère coloré, graphisme&#10;&#10;Description générée automatiquement">
-            <a:extLst>
-              <a:ext uri="{FF2B5EF4-FFF2-40B4-BE49-F238E27FC236}">
-                <a16:creationId xmlns:a16="http://schemas.microsoft.com/office/drawing/2014/main" id="{59A39BA3-3AF8-F240-F504-5DF56451D6BF}"/>
-              </a:ext>
-            </a:extLst>
-          </p:cNvPr>
-          <p:cNvPicPr>
-            <a:picLocks noChangeAspect="1"/>
-          </p:cNvPicPr>
-          <p:nvPr/>
-        </p:nvPicPr>
-        <p:blipFill rotWithShape="1">
-          <a:blip r:embed="rId2">
-            <a:extLst>
-              <a:ext uri="{28A0092B-C50C-407E-A947-70E740481C1C}">
-                <a14:useLocalDpi xmlns:a14="http://schemas.microsoft.com/office/drawing/2010/main" val="0"/>
-              </a:ext>
-            </a:extLst>
-          </a:blip>
-          <a:srcRect b="6847"/>
-          <a:stretch/>
-        </p:blipFill>
-        <p:spPr>
-          <a:xfrm>
-            <a:off x="1761573" y="1144418"/>
-            <a:ext cx="6382853" cy="4459372"/>
-          </a:xfrm>
-          <a:prstGeom prst="rect">
-            <a:avLst/>
-          </a:prstGeom>
-        </p:spPr>
-      </p:pic>
-    </p:spTree>
-    <p:extLst>
-      <p:ext uri="{BB962C8B-B14F-4D97-AF65-F5344CB8AC3E}">
-        <p14:creationId xmlns:p14="http://schemas.microsoft.com/office/powerpoint/2010/main" val="2439799419"/>
-      </p:ext>
-    </p:extLst>
-  </p:cSld>
-  <p:clrMapOvr>
-    <a:masterClrMapping/>
-  </p:clrMapOvr>
-</p:sld>
-</file>
-
-<file path=ppt/slides/slide13.xml><?xml version="1.0" encoding="utf-8"?>
-<p:sld xmlns:a="http://schemas.openxmlformats.org/drawingml/2006/main" xmlns:r="http://schemas.openxmlformats.org/officeDocument/2006/relationships" xmlns:p="http://schemas.openxmlformats.org/presentationml/2006/main">
-  <p:cSld>
-    <p:spTree>
-      <p:nvGrpSpPr>
-        <p:cNvPr id="1" name=""/>
-        <p:cNvGrpSpPr/>
-        <p:nvPr/>
-      </p:nvGrpSpPr>
-      <p:grpSpPr>
-        <a:xfrm>
-          <a:off x="0" y="0"/>
-          <a:ext cx="0" cy="0"/>
-          <a:chOff x="0" y="0"/>
-          <a:chExt cx="0" cy="0"/>
-        </a:xfrm>
-      </p:grpSpPr>
-      <p:sp>
-        <p:nvSpPr>
-          <p:cNvPr id="2" name="Sous-titre 2">
-            <a:extLst>
-              <a:ext uri="{FF2B5EF4-FFF2-40B4-BE49-F238E27FC236}">
-                <a16:creationId xmlns:a16="http://schemas.microsoft.com/office/drawing/2014/main" id="{62DD2167-CBB3-69FE-DD77-594B8CFAC1FA}"/>
-              </a:ext>
-            </a:extLst>
-          </p:cNvPr>
-          <p:cNvSpPr txBox="1">
-            <a:spLocks/>
-          </p:cNvSpPr>
-          <p:nvPr/>
-        </p:nvSpPr>
-        <p:spPr>
-          <a:xfrm>
-            <a:off x="257176" y="192523"/>
-            <a:ext cx="7903876" cy="1655762"/>
-          </a:xfrm>
-          <a:prstGeom prst="rect">
-            <a:avLst/>
-          </a:prstGeom>
-        </p:spPr>
-        <p:txBody>
-          <a:bodyPr vert="horz" lIns="91440" tIns="45720" rIns="91440" bIns="45720" rtlCol="0">
-            <a:normAutofit/>
-          </a:bodyPr>
-          <a:lstStyle>
-            <a:lvl1pPr marL="0" indent="0" algn="ctr" defTabSz="914400" rtl="0" eaLnBrk="1" latinLnBrk="0" hangingPunct="1">
-              <a:lnSpc>
-                <a:spcPct val="90000"/>
-              </a:lnSpc>
-              <a:spcBef>
-                <a:spcPts val="1000"/>
-              </a:spcBef>
-              <a:buFont typeface="Arial" panose="020B0604020202020204" pitchFamily="34" charset="0"/>
-              <a:buNone/>
-              <a:defRPr sz="2400" kern="1200">
-                <a:solidFill>
-                  <a:schemeClr val="tx1"/>
-                </a:solidFill>
-                <a:latin typeface="+mn-lt"/>
-                <a:ea typeface="+mn-ea"/>
-                <a:cs typeface="+mn-cs"/>
-              </a:defRPr>
-            </a:lvl1pPr>
-            <a:lvl2pPr marL="457200" indent="0" algn="ctr" defTabSz="914400" rtl="0" eaLnBrk="1" latinLnBrk="0" hangingPunct="1">
-              <a:lnSpc>
-                <a:spcPct val="90000"/>
-              </a:lnSpc>
-              <a:spcBef>
-                <a:spcPts val="500"/>
-              </a:spcBef>
-              <a:buFont typeface="Arial" panose="020B0604020202020204" pitchFamily="34" charset="0"/>
-              <a:buNone/>
-              <a:defRPr sz="2000" kern="1200">
-                <a:solidFill>
-                  <a:schemeClr val="tx1"/>
-                </a:solidFill>
-                <a:latin typeface="+mn-lt"/>
-                <a:ea typeface="+mn-ea"/>
-                <a:cs typeface="+mn-cs"/>
-              </a:defRPr>
-            </a:lvl2pPr>
-            <a:lvl3pPr marL="914400" indent="0" algn="ctr" defTabSz="914400" rtl="0" eaLnBrk="1" latinLnBrk="0" hangingPunct="1">
-              <a:lnSpc>
-                <a:spcPct val="90000"/>
-              </a:lnSpc>
-              <a:spcBef>
-                <a:spcPts val="500"/>
-              </a:spcBef>
-              <a:buFont typeface="Arial" panose="020B0604020202020204" pitchFamily="34" charset="0"/>
-              <a:buNone/>
-              <a:defRPr sz="1800" kern="1200">
-                <a:solidFill>
-                  <a:schemeClr val="tx1"/>
-                </a:solidFill>
-                <a:latin typeface="+mn-lt"/>
-                <a:ea typeface="+mn-ea"/>
-                <a:cs typeface="+mn-cs"/>
-              </a:defRPr>
-            </a:lvl3pPr>
-            <a:lvl4pPr marL="1371600" indent="0" algn="ctr" defTabSz="914400" rtl="0" eaLnBrk="1" latinLnBrk="0" hangingPunct="1">
-              <a:lnSpc>
-                <a:spcPct val="90000"/>
-              </a:lnSpc>
-              <a:spcBef>
-                <a:spcPts val="500"/>
-              </a:spcBef>
-              <a:buFont typeface="Arial" panose="020B0604020202020204" pitchFamily="34" charset="0"/>
-              <a:buNone/>
-              <a:defRPr sz="1600" kern="1200">
-                <a:solidFill>
-                  <a:schemeClr val="tx1"/>
-                </a:solidFill>
-                <a:latin typeface="+mn-lt"/>
-                <a:ea typeface="+mn-ea"/>
-                <a:cs typeface="+mn-cs"/>
-              </a:defRPr>
-            </a:lvl4pPr>
-            <a:lvl5pPr marL="1828800" indent="0" algn="ctr" defTabSz="914400" rtl="0" eaLnBrk="1" latinLnBrk="0" hangingPunct="1">
-              <a:lnSpc>
-                <a:spcPct val="90000"/>
-              </a:lnSpc>
-              <a:spcBef>
-                <a:spcPts val="500"/>
-              </a:spcBef>
-              <a:buFont typeface="Arial" panose="020B0604020202020204" pitchFamily="34" charset="0"/>
-              <a:buNone/>
-              <a:defRPr sz="1600" kern="1200">
-                <a:solidFill>
-                  <a:schemeClr val="tx1"/>
-                </a:solidFill>
-                <a:latin typeface="+mn-lt"/>
-                <a:ea typeface="+mn-ea"/>
-                <a:cs typeface="+mn-cs"/>
-              </a:defRPr>
-            </a:lvl5pPr>
-            <a:lvl6pPr marL="2286000" indent="0" algn="ctr" defTabSz="914400" rtl="0" eaLnBrk="1" latinLnBrk="0" hangingPunct="1">
-              <a:lnSpc>
-                <a:spcPct val="90000"/>
-              </a:lnSpc>
-              <a:spcBef>
-                <a:spcPts val="500"/>
-              </a:spcBef>
-              <a:buFont typeface="Arial" panose="020B0604020202020204" pitchFamily="34" charset="0"/>
-              <a:buNone/>
-              <a:defRPr sz="1600" kern="1200">
-                <a:solidFill>
-                  <a:schemeClr val="tx1"/>
-                </a:solidFill>
-                <a:latin typeface="+mn-lt"/>
-                <a:ea typeface="+mn-ea"/>
-                <a:cs typeface="+mn-cs"/>
-              </a:defRPr>
-            </a:lvl6pPr>
-            <a:lvl7pPr marL="2743200" indent="0" algn="ctr" defTabSz="914400" rtl="0" eaLnBrk="1" latinLnBrk="0" hangingPunct="1">
-              <a:lnSpc>
-                <a:spcPct val="90000"/>
-              </a:lnSpc>
-              <a:spcBef>
-                <a:spcPts val="500"/>
-              </a:spcBef>
-              <a:buFont typeface="Arial" panose="020B0604020202020204" pitchFamily="34" charset="0"/>
-              <a:buNone/>
-              <a:defRPr sz="1600" kern="1200">
-                <a:solidFill>
-                  <a:schemeClr val="tx1"/>
-                </a:solidFill>
-                <a:latin typeface="+mn-lt"/>
-                <a:ea typeface="+mn-ea"/>
-                <a:cs typeface="+mn-cs"/>
-              </a:defRPr>
-            </a:lvl7pPr>
-            <a:lvl8pPr marL="3200400" indent="0" algn="ctr" defTabSz="914400" rtl="0" eaLnBrk="1" latinLnBrk="0" hangingPunct="1">
-              <a:lnSpc>
-                <a:spcPct val="90000"/>
-              </a:lnSpc>
-              <a:spcBef>
-                <a:spcPts val="500"/>
-              </a:spcBef>
-              <a:buFont typeface="Arial" panose="020B0604020202020204" pitchFamily="34" charset="0"/>
-              <a:buNone/>
-              <a:defRPr sz="1600" kern="1200">
-                <a:solidFill>
-                  <a:schemeClr val="tx1"/>
-                </a:solidFill>
-                <a:latin typeface="+mn-lt"/>
-                <a:ea typeface="+mn-ea"/>
-                <a:cs typeface="+mn-cs"/>
-              </a:defRPr>
-            </a:lvl8pPr>
-            <a:lvl9pPr marL="3657600" indent="0" algn="ctr" defTabSz="914400" rtl="0" eaLnBrk="1" latinLnBrk="0" hangingPunct="1">
-              <a:lnSpc>
-                <a:spcPct val="90000"/>
-              </a:lnSpc>
-              <a:spcBef>
-                <a:spcPts val="500"/>
-              </a:spcBef>
-              <a:buFont typeface="Arial" panose="020B0604020202020204" pitchFamily="34" charset="0"/>
-              <a:buNone/>
-              <a:defRPr sz="1600" kern="1200">
-                <a:solidFill>
-                  <a:schemeClr val="tx1"/>
-                </a:solidFill>
-                <a:latin typeface="+mn-lt"/>
-                <a:ea typeface="+mn-ea"/>
-                <a:cs typeface="+mn-cs"/>
-              </a:defRPr>
-            </a:lvl9pPr>
-          </a:lstStyle>
-          <a:p>
-            <a:pPr algn="l"/>
-            <a:r>
-              <a:rPr lang="fr-CH" sz="1600" dirty="0">
-                <a:solidFill>
-                  <a:schemeClr val="bg1">
-                    <a:lumMod val="75000"/>
-                  </a:schemeClr>
-                </a:solidFill>
-              </a:rPr>
-              <a:t>COULEURS #3</a:t>
-            </a:r>
-            <a:endParaRPr lang="fr-CH" dirty="0">
-              <a:solidFill>
-                <a:schemeClr val="bg1">
-                  <a:lumMod val="75000"/>
-                </a:schemeClr>
-              </a:solidFill>
-            </a:endParaRPr>
-          </a:p>
-        </p:txBody>
-      </p:sp>
-      <p:cxnSp>
-        <p:nvCxnSpPr>
-          <p:cNvPr id="7" name="Connecteur droit 6">
-            <a:extLst>
-              <a:ext uri="{FF2B5EF4-FFF2-40B4-BE49-F238E27FC236}">
-                <a16:creationId xmlns:a16="http://schemas.microsoft.com/office/drawing/2014/main" id="{332240F2-DC8F-2475-1BD6-E31790B8AD93}"/>
-              </a:ext>
-            </a:extLst>
-          </p:cNvPr>
-          <p:cNvCxnSpPr>
-            <a:cxnSpLocks/>
-          </p:cNvCxnSpPr>
-          <p:nvPr/>
-        </p:nvCxnSpPr>
-        <p:spPr>
-          <a:xfrm>
-            <a:off x="257175" y="273844"/>
-            <a:ext cx="0" cy="135731"/>
-          </a:xfrm>
-          <a:prstGeom prst="line">
-            <a:avLst/>
-          </a:prstGeom>
-          <a:ln w="12700">
-            <a:solidFill>
-              <a:schemeClr val="bg1">
-                <a:lumMod val="75000"/>
-              </a:schemeClr>
-            </a:solidFill>
-          </a:ln>
-        </p:spPr>
-        <p:style>
-          <a:lnRef idx="1">
-            <a:schemeClr val="accent1"/>
-          </a:lnRef>
-          <a:fillRef idx="0">
-            <a:schemeClr val="accent1"/>
-          </a:fillRef>
-          <a:effectRef idx="0">
-            <a:schemeClr val="accent1"/>
-          </a:effectRef>
-          <a:fontRef idx="minor">
-            <a:schemeClr val="tx1"/>
-          </a:fontRef>
-        </p:style>
-      </p:cxnSp>
-      <p:pic>
-        <p:nvPicPr>
-          <p:cNvPr id="4" name="Image 3" descr="Une image contenant texte, capture d’écran, Caractère coloré, conception&#10;&#10;Description générée automatiquement">
-            <a:extLst>
-              <a:ext uri="{FF2B5EF4-FFF2-40B4-BE49-F238E27FC236}">
-                <a16:creationId xmlns:a16="http://schemas.microsoft.com/office/drawing/2014/main" id="{C1F6EFC0-5F4C-14E1-59F2-5513113CDD0A}"/>
-              </a:ext>
-            </a:extLst>
-          </p:cNvPr>
-          <p:cNvPicPr>
-            <a:picLocks noChangeAspect="1"/>
-          </p:cNvPicPr>
-          <p:nvPr/>
-        </p:nvPicPr>
-        <p:blipFill rotWithShape="1">
-          <a:blip r:embed="rId2">
-            <a:extLst>
-              <a:ext uri="{28A0092B-C50C-407E-A947-70E740481C1C}">
-                <a14:useLocalDpi xmlns:a14="http://schemas.microsoft.com/office/drawing/2010/main" val="0"/>
-              </a:ext>
-            </a:extLst>
-          </a:blip>
-          <a:srcRect b="7117"/>
-          <a:stretch/>
-        </p:blipFill>
-        <p:spPr>
-          <a:xfrm>
-            <a:off x="2035079" y="1396313"/>
-            <a:ext cx="5835841" cy="4065373"/>
-          </a:xfrm>
-          <a:prstGeom prst="rect">
-            <a:avLst/>
-          </a:prstGeom>
-        </p:spPr>
-      </p:pic>
-    </p:spTree>
-    <p:extLst>
-      <p:ext uri="{BB962C8B-B14F-4D97-AF65-F5344CB8AC3E}">
-        <p14:creationId xmlns:p14="http://schemas.microsoft.com/office/powerpoint/2010/main" val="2061841260"/>
-      </p:ext>
-    </p:extLst>
-  </p:cSld>
-  <p:clrMapOvr>
-    <a:masterClrMapping/>
-  </p:clrMapOvr>
-</p:sld>
-</file>
-
-<file path=ppt/slides/slide14.xml><?xml version="1.0" encoding="utf-8"?>
-<p:sld xmlns:a="http://schemas.openxmlformats.org/drawingml/2006/main" xmlns:r="http://schemas.openxmlformats.org/officeDocument/2006/relationships" xmlns:p="http://schemas.openxmlformats.org/presentationml/2006/main">
-  <p:cSld>
-    <p:spTree>
-      <p:nvGrpSpPr>
-        <p:cNvPr id="1" name=""/>
-        <p:cNvGrpSpPr/>
-        <p:nvPr/>
-      </p:nvGrpSpPr>
-      <p:grpSpPr>
-        <a:xfrm>
-          <a:off x="0" y="0"/>
-          <a:ext cx="0" cy="0"/>
-          <a:chOff x="0" y="0"/>
-          <a:chExt cx="0" cy="0"/>
-        </a:xfrm>
-      </p:grpSpPr>
-      <p:sp>
-        <p:nvSpPr>
-          <p:cNvPr id="2" name="Sous-titre 2">
-            <a:extLst>
-              <a:ext uri="{FF2B5EF4-FFF2-40B4-BE49-F238E27FC236}">
-                <a16:creationId xmlns:a16="http://schemas.microsoft.com/office/drawing/2014/main" id="{62DD2167-CBB3-69FE-DD77-594B8CFAC1FA}"/>
-              </a:ext>
-            </a:extLst>
-          </p:cNvPr>
-          <p:cNvSpPr txBox="1">
-            <a:spLocks/>
-          </p:cNvSpPr>
-          <p:nvPr/>
-        </p:nvSpPr>
-        <p:spPr>
-          <a:xfrm>
-            <a:off x="257176" y="192523"/>
-            <a:ext cx="7903876" cy="1655762"/>
-          </a:xfrm>
-          <a:prstGeom prst="rect">
-            <a:avLst/>
-          </a:prstGeom>
-        </p:spPr>
-        <p:txBody>
-          <a:bodyPr vert="horz" lIns="91440" tIns="45720" rIns="91440" bIns="45720" rtlCol="0">
-            <a:normAutofit/>
-          </a:bodyPr>
-          <a:lstStyle>
-            <a:lvl1pPr marL="0" indent="0" algn="ctr" defTabSz="914400" rtl="0" eaLnBrk="1" latinLnBrk="0" hangingPunct="1">
-              <a:lnSpc>
-                <a:spcPct val="90000"/>
-              </a:lnSpc>
-              <a:spcBef>
-                <a:spcPts val="1000"/>
-              </a:spcBef>
-              <a:buFont typeface="Arial" panose="020B0604020202020204" pitchFamily="34" charset="0"/>
-              <a:buNone/>
-              <a:defRPr sz="2400" kern="1200">
-                <a:solidFill>
-                  <a:schemeClr val="tx1"/>
-                </a:solidFill>
-                <a:latin typeface="+mn-lt"/>
-                <a:ea typeface="+mn-ea"/>
-                <a:cs typeface="+mn-cs"/>
-              </a:defRPr>
-            </a:lvl1pPr>
-            <a:lvl2pPr marL="457200" indent="0" algn="ctr" defTabSz="914400" rtl="0" eaLnBrk="1" latinLnBrk="0" hangingPunct="1">
-              <a:lnSpc>
-                <a:spcPct val="90000"/>
-              </a:lnSpc>
-              <a:spcBef>
-                <a:spcPts val="500"/>
-              </a:spcBef>
-              <a:buFont typeface="Arial" panose="020B0604020202020204" pitchFamily="34" charset="0"/>
-              <a:buNone/>
-              <a:defRPr sz="2000" kern="1200">
-                <a:solidFill>
-                  <a:schemeClr val="tx1"/>
-                </a:solidFill>
-                <a:latin typeface="+mn-lt"/>
-                <a:ea typeface="+mn-ea"/>
-                <a:cs typeface="+mn-cs"/>
-              </a:defRPr>
-            </a:lvl2pPr>
-            <a:lvl3pPr marL="914400" indent="0" algn="ctr" defTabSz="914400" rtl="0" eaLnBrk="1" latinLnBrk="0" hangingPunct="1">
-              <a:lnSpc>
-                <a:spcPct val="90000"/>
-              </a:lnSpc>
-              <a:spcBef>
-                <a:spcPts val="500"/>
-              </a:spcBef>
-              <a:buFont typeface="Arial" panose="020B0604020202020204" pitchFamily="34" charset="0"/>
-              <a:buNone/>
-              <a:defRPr sz="1800" kern="1200">
-                <a:solidFill>
-                  <a:schemeClr val="tx1"/>
-                </a:solidFill>
-                <a:latin typeface="+mn-lt"/>
-                <a:ea typeface="+mn-ea"/>
-                <a:cs typeface="+mn-cs"/>
-              </a:defRPr>
-            </a:lvl3pPr>
-            <a:lvl4pPr marL="1371600" indent="0" algn="ctr" defTabSz="914400" rtl="0" eaLnBrk="1" latinLnBrk="0" hangingPunct="1">
-              <a:lnSpc>
-                <a:spcPct val="90000"/>
-              </a:lnSpc>
-              <a:spcBef>
-                <a:spcPts val="500"/>
-              </a:spcBef>
-              <a:buFont typeface="Arial" panose="020B0604020202020204" pitchFamily="34" charset="0"/>
-              <a:buNone/>
-              <a:defRPr sz="1600" kern="1200">
-                <a:solidFill>
-                  <a:schemeClr val="tx1"/>
-                </a:solidFill>
-                <a:latin typeface="+mn-lt"/>
-                <a:ea typeface="+mn-ea"/>
-                <a:cs typeface="+mn-cs"/>
-              </a:defRPr>
-            </a:lvl4pPr>
-            <a:lvl5pPr marL="1828800" indent="0" algn="ctr" defTabSz="914400" rtl="0" eaLnBrk="1" latinLnBrk="0" hangingPunct="1">
-              <a:lnSpc>
-                <a:spcPct val="90000"/>
-              </a:lnSpc>
-              <a:spcBef>
-                <a:spcPts val="500"/>
-              </a:spcBef>
-              <a:buFont typeface="Arial" panose="020B0604020202020204" pitchFamily="34" charset="0"/>
-              <a:buNone/>
-              <a:defRPr sz="1600" kern="1200">
-                <a:solidFill>
-                  <a:schemeClr val="tx1"/>
-                </a:solidFill>
-                <a:latin typeface="+mn-lt"/>
-                <a:ea typeface="+mn-ea"/>
-                <a:cs typeface="+mn-cs"/>
-              </a:defRPr>
-            </a:lvl5pPr>
-            <a:lvl6pPr marL="2286000" indent="0" algn="ctr" defTabSz="914400" rtl="0" eaLnBrk="1" latinLnBrk="0" hangingPunct="1">
-              <a:lnSpc>
-                <a:spcPct val="90000"/>
-              </a:lnSpc>
-              <a:spcBef>
-                <a:spcPts val="500"/>
-              </a:spcBef>
-              <a:buFont typeface="Arial" panose="020B0604020202020204" pitchFamily="34" charset="0"/>
-              <a:buNone/>
-              <a:defRPr sz="1600" kern="1200">
-                <a:solidFill>
-                  <a:schemeClr val="tx1"/>
-                </a:solidFill>
-                <a:latin typeface="+mn-lt"/>
-                <a:ea typeface="+mn-ea"/>
-                <a:cs typeface="+mn-cs"/>
-              </a:defRPr>
-            </a:lvl6pPr>
-            <a:lvl7pPr marL="2743200" indent="0" algn="ctr" defTabSz="914400" rtl="0" eaLnBrk="1" latinLnBrk="0" hangingPunct="1">
-              <a:lnSpc>
-                <a:spcPct val="90000"/>
-              </a:lnSpc>
-              <a:spcBef>
-                <a:spcPts val="500"/>
-              </a:spcBef>
-              <a:buFont typeface="Arial" panose="020B0604020202020204" pitchFamily="34" charset="0"/>
-              <a:buNone/>
-              <a:defRPr sz="1600" kern="1200">
-                <a:solidFill>
-                  <a:schemeClr val="tx1"/>
-                </a:solidFill>
-                <a:latin typeface="+mn-lt"/>
-                <a:ea typeface="+mn-ea"/>
-                <a:cs typeface="+mn-cs"/>
-              </a:defRPr>
-            </a:lvl7pPr>
-            <a:lvl8pPr marL="3200400" indent="0" algn="ctr" defTabSz="914400" rtl="0" eaLnBrk="1" latinLnBrk="0" hangingPunct="1">
-              <a:lnSpc>
-                <a:spcPct val="90000"/>
-              </a:lnSpc>
-              <a:spcBef>
-                <a:spcPts val="500"/>
-              </a:spcBef>
-              <a:buFont typeface="Arial" panose="020B0604020202020204" pitchFamily="34" charset="0"/>
-              <a:buNone/>
-              <a:defRPr sz="1600" kern="1200">
-                <a:solidFill>
-                  <a:schemeClr val="tx1"/>
-                </a:solidFill>
-                <a:latin typeface="+mn-lt"/>
-                <a:ea typeface="+mn-ea"/>
-                <a:cs typeface="+mn-cs"/>
-              </a:defRPr>
-            </a:lvl8pPr>
-            <a:lvl9pPr marL="3657600" indent="0" algn="ctr" defTabSz="914400" rtl="0" eaLnBrk="1" latinLnBrk="0" hangingPunct="1">
-              <a:lnSpc>
-                <a:spcPct val="90000"/>
-              </a:lnSpc>
-              <a:spcBef>
-                <a:spcPts val="500"/>
-              </a:spcBef>
-              <a:buFont typeface="Arial" panose="020B0604020202020204" pitchFamily="34" charset="0"/>
-              <a:buNone/>
-              <a:defRPr sz="1600" kern="1200">
-                <a:solidFill>
-                  <a:schemeClr val="tx1"/>
-                </a:solidFill>
-                <a:latin typeface="+mn-lt"/>
-                <a:ea typeface="+mn-ea"/>
-                <a:cs typeface="+mn-cs"/>
-              </a:defRPr>
-            </a:lvl9pPr>
-          </a:lstStyle>
-          <a:p>
-            <a:pPr algn="l"/>
-            <a:r>
-              <a:rPr lang="fr-CH" sz="1600" dirty="0">
-                <a:solidFill>
-                  <a:schemeClr val="bg1">
-                    <a:lumMod val="75000"/>
-                  </a:schemeClr>
-                </a:solidFill>
-              </a:rPr>
-              <a:t>UNIVERS GRAPHIQUE</a:t>
-            </a:r>
-            <a:endParaRPr lang="fr-CH" dirty="0">
-              <a:solidFill>
-                <a:schemeClr val="bg1">
-                  <a:lumMod val="75000"/>
-                </a:schemeClr>
-              </a:solidFill>
-            </a:endParaRPr>
-          </a:p>
-        </p:txBody>
-      </p:sp>
-      <p:cxnSp>
-        <p:nvCxnSpPr>
-          <p:cNvPr id="7" name="Connecteur droit 6">
-            <a:extLst>
-              <a:ext uri="{FF2B5EF4-FFF2-40B4-BE49-F238E27FC236}">
-                <a16:creationId xmlns:a16="http://schemas.microsoft.com/office/drawing/2014/main" id="{332240F2-DC8F-2475-1BD6-E31790B8AD93}"/>
-              </a:ext>
-            </a:extLst>
-          </p:cNvPr>
-          <p:cNvCxnSpPr>
-            <a:cxnSpLocks/>
-          </p:cNvCxnSpPr>
-          <p:nvPr/>
-        </p:nvCxnSpPr>
-        <p:spPr>
-          <a:xfrm>
-            <a:off x="257175" y="273844"/>
-            <a:ext cx="0" cy="135731"/>
-          </a:xfrm>
-          <a:prstGeom prst="line">
-            <a:avLst/>
-          </a:prstGeom>
-          <a:ln w="12700">
-            <a:solidFill>
-              <a:schemeClr val="bg1">
-                <a:lumMod val="75000"/>
-              </a:schemeClr>
-            </a:solidFill>
-          </a:ln>
-        </p:spPr>
-        <p:style>
-          <a:lnRef idx="1">
-            <a:schemeClr val="accent1"/>
-          </a:lnRef>
-          <a:fillRef idx="0">
-            <a:schemeClr val="accent1"/>
-          </a:fillRef>
-          <a:effectRef idx="0">
-            <a:schemeClr val="accent1"/>
-          </a:effectRef>
-          <a:fontRef idx="minor">
-            <a:schemeClr val="tx1"/>
-          </a:fontRef>
-        </p:style>
-      </p:cxnSp>
-    </p:spTree>
-    <p:extLst>
-      <p:ext uri="{BB962C8B-B14F-4D97-AF65-F5344CB8AC3E}">
-        <p14:creationId xmlns:p14="http://schemas.microsoft.com/office/powerpoint/2010/main" val="1539382332"/>
-      </p:ext>
-    </p:extLst>
-  </p:cSld>
-  <p:clrMapOvr>
-    <a:masterClrMapping/>
-  </p:clrMapOvr>
-</p:sld>
-</file>
-
-<file path=ppt/slides/slide15.xml><?xml version="1.0" encoding="utf-8"?>
-<p:sld xmlns:a="http://schemas.openxmlformats.org/drawingml/2006/main" xmlns:r="http://schemas.openxmlformats.org/officeDocument/2006/relationships" xmlns:p="http://schemas.openxmlformats.org/presentationml/2006/main">
-  <p:cSld>
-    <p:spTree>
-      <p:nvGrpSpPr>
-        <p:cNvPr id="1" name=""/>
-        <p:cNvGrpSpPr/>
-        <p:nvPr/>
-      </p:nvGrpSpPr>
-      <p:grpSpPr>
-        <a:xfrm>
-          <a:off x="0" y="0"/>
-          <a:ext cx="0" cy="0"/>
-          <a:chOff x="0" y="0"/>
-          <a:chExt cx="0" cy="0"/>
-        </a:xfrm>
-      </p:grpSpPr>
-      <p:sp>
-        <p:nvSpPr>
-          <p:cNvPr id="2" name="Sous-titre 2">
-            <a:extLst>
-              <a:ext uri="{FF2B5EF4-FFF2-40B4-BE49-F238E27FC236}">
-                <a16:creationId xmlns:a16="http://schemas.microsoft.com/office/drawing/2014/main" id="{62DD2167-CBB3-69FE-DD77-594B8CFAC1FA}"/>
-              </a:ext>
-            </a:extLst>
-          </p:cNvPr>
-          <p:cNvSpPr txBox="1">
-            <a:spLocks/>
-          </p:cNvSpPr>
-          <p:nvPr/>
-        </p:nvSpPr>
-        <p:spPr>
-          <a:xfrm>
-            <a:off x="257176" y="192523"/>
-            <a:ext cx="7903876" cy="1655762"/>
-          </a:xfrm>
-          <a:prstGeom prst="rect">
-            <a:avLst/>
-          </a:prstGeom>
-        </p:spPr>
-        <p:txBody>
-          <a:bodyPr vert="horz" lIns="91440" tIns="45720" rIns="91440" bIns="45720" rtlCol="0">
-            <a:normAutofit/>
-          </a:bodyPr>
-          <a:lstStyle>
-            <a:lvl1pPr marL="0" indent="0" algn="ctr" defTabSz="914400" rtl="0" eaLnBrk="1" latinLnBrk="0" hangingPunct="1">
-              <a:lnSpc>
-                <a:spcPct val="90000"/>
-              </a:lnSpc>
-              <a:spcBef>
-                <a:spcPts val="1000"/>
-              </a:spcBef>
-              <a:buFont typeface="Arial" panose="020B0604020202020204" pitchFamily="34" charset="0"/>
-              <a:buNone/>
-              <a:defRPr sz="2400" kern="1200">
-                <a:solidFill>
-                  <a:schemeClr val="tx1"/>
-                </a:solidFill>
-                <a:latin typeface="+mn-lt"/>
-                <a:ea typeface="+mn-ea"/>
-                <a:cs typeface="+mn-cs"/>
-              </a:defRPr>
-            </a:lvl1pPr>
-            <a:lvl2pPr marL="457200" indent="0" algn="ctr" defTabSz="914400" rtl="0" eaLnBrk="1" latinLnBrk="0" hangingPunct="1">
-              <a:lnSpc>
-                <a:spcPct val="90000"/>
-              </a:lnSpc>
-              <a:spcBef>
-                <a:spcPts val="500"/>
-              </a:spcBef>
-              <a:buFont typeface="Arial" panose="020B0604020202020204" pitchFamily="34" charset="0"/>
-              <a:buNone/>
-              <a:defRPr sz="2000" kern="1200">
-                <a:solidFill>
-                  <a:schemeClr val="tx1"/>
-                </a:solidFill>
-                <a:latin typeface="+mn-lt"/>
-                <a:ea typeface="+mn-ea"/>
-                <a:cs typeface="+mn-cs"/>
-              </a:defRPr>
-            </a:lvl2pPr>
-            <a:lvl3pPr marL="914400" indent="0" algn="ctr" defTabSz="914400" rtl="0" eaLnBrk="1" latinLnBrk="0" hangingPunct="1">
-              <a:lnSpc>
-                <a:spcPct val="90000"/>
-              </a:lnSpc>
-              <a:spcBef>
-                <a:spcPts val="500"/>
-              </a:spcBef>
-              <a:buFont typeface="Arial" panose="020B0604020202020204" pitchFamily="34" charset="0"/>
-              <a:buNone/>
-              <a:defRPr sz="1800" kern="1200">
-                <a:solidFill>
-                  <a:schemeClr val="tx1"/>
-                </a:solidFill>
-                <a:latin typeface="+mn-lt"/>
-                <a:ea typeface="+mn-ea"/>
-                <a:cs typeface="+mn-cs"/>
-              </a:defRPr>
-            </a:lvl3pPr>
-            <a:lvl4pPr marL="1371600" indent="0" algn="ctr" defTabSz="914400" rtl="0" eaLnBrk="1" latinLnBrk="0" hangingPunct="1">
-              <a:lnSpc>
-                <a:spcPct val="90000"/>
-              </a:lnSpc>
-              <a:spcBef>
-                <a:spcPts val="500"/>
-              </a:spcBef>
-              <a:buFont typeface="Arial" panose="020B0604020202020204" pitchFamily="34" charset="0"/>
-              <a:buNone/>
-              <a:defRPr sz="1600" kern="1200">
-                <a:solidFill>
-                  <a:schemeClr val="tx1"/>
-                </a:solidFill>
-                <a:latin typeface="+mn-lt"/>
-                <a:ea typeface="+mn-ea"/>
-                <a:cs typeface="+mn-cs"/>
-              </a:defRPr>
-            </a:lvl4pPr>
-            <a:lvl5pPr marL="1828800" indent="0" algn="ctr" defTabSz="914400" rtl="0" eaLnBrk="1" latinLnBrk="0" hangingPunct="1">
-              <a:lnSpc>
-                <a:spcPct val="90000"/>
-              </a:lnSpc>
-              <a:spcBef>
-                <a:spcPts val="500"/>
-              </a:spcBef>
-              <a:buFont typeface="Arial" panose="020B0604020202020204" pitchFamily="34" charset="0"/>
-              <a:buNone/>
-              <a:defRPr sz="1600" kern="1200">
-                <a:solidFill>
-                  <a:schemeClr val="tx1"/>
-                </a:solidFill>
-                <a:latin typeface="+mn-lt"/>
-                <a:ea typeface="+mn-ea"/>
-                <a:cs typeface="+mn-cs"/>
-              </a:defRPr>
-            </a:lvl5pPr>
-            <a:lvl6pPr marL="2286000" indent="0" algn="ctr" defTabSz="914400" rtl="0" eaLnBrk="1" latinLnBrk="0" hangingPunct="1">
-              <a:lnSpc>
-                <a:spcPct val="90000"/>
-              </a:lnSpc>
-              <a:spcBef>
-                <a:spcPts val="500"/>
-              </a:spcBef>
-              <a:buFont typeface="Arial" panose="020B0604020202020204" pitchFamily="34" charset="0"/>
-              <a:buNone/>
-              <a:defRPr sz="1600" kern="1200">
-                <a:solidFill>
-                  <a:schemeClr val="tx1"/>
-                </a:solidFill>
-                <a:latin typeface="+mn-lt"/>
-                <a:ea typeface="+mn-ea"/>
-                <a:cs typeface="+mn-cs"/>
-              </a:defRPr>
-            </a:lvl6pPr>
-            <a:lvl7pPr marL="2743200" indent="0" algn="ctr" defTabSz="914400" rtl="0" eaLnBrk="1" latinLnBrk="0" hangingPunct="1">
-              <a:lnSpc>
-                <a:spcPct val="90000"/>
-              </a:lnSpc>
-              <a:spcBef>
-                <a:spcPts val="500"/>
-              </a:spcBef>
-              <a:buFont typeface="Arial" panose="020B0604020202020204" pitchFamily="34" charset="0"/>
-              <a:buNone/>
-              <a:defRPr sz="1600" kern="1200">
-                <a:solidFill>
-                  <a:schemeClr val="tx1"/>
-                </a:solidFill>
-                <a:latin typeface="+mn-lt"/>
-                <a:ea typeface="+mn-ea"/>
-                <a:cs typeface="+mn-cs"/>
-              </a:defRPr>
-            </a:lvl7pPr>
-            <a:lvl8pPr marL="3200400" indent="0" algn="ctr" defTabSz="914400" rtl="0" eaLnBrk="1" latinLnBrk="0" hangingPunct="1">
-              <a:lnSpc>
-                <a:spcPct val="90000"/>
-              </a:lnSpc>
-              <a:spcBef>
-                <a:spcPts val="500"/>
-              </a:spcBef>
-              <a:buFont typeface="Arial" panose="020B0604020202020204" pitchFamily="34" charset="0"/>
-              <a:buNone/>
-              <a:defRPr sz="1600" kern="1200">
-                <a:solidFill>
-                  <a:schemeClr val="tx1"/>
-                </a:solidFill>
-                <a:latin typeface="+mn-lt"/>
-                <a:ea typeface="+mn-ea"/>
-                <a:cs typeface="+mn-cs"/>
-              </a:defRPr>
-            </a:lvl8pPr>
-            <a:lvl9pPr marL="3657600" indent="0" algn="ctr" defTabSz="914400" rtl="0" eaLnBrk="1" latinLnBrk="0" hangingPunct="1">
-              <a:lnSpc>
-                <a:spcPct val="90000"/>
-              </a:lnSpc>
-              <a:spcBef>
-                <a:spcPts val="500"/>
-              </a:spcBef>
-              <a:buFont typeface="Arial" panose="020B0604020202020204" pitchFamily="34" charset="0"/>
-              <a:buNone/>
-              <a:defRPr sz="1600" kern="1200">
-                <a:solidFill>
-                  <a:schemeClr val="tx1"/>
-                </a:solidFill>
-                <a:latin typeface="+mn-lt"/>
-                <a:ea typeface="+mn-ea"/>
-                <a:cs typeface="+mn-cs"/>
-              </a:defRPr>
-            </a:lvl9pPr>
-          </a:lstStyle>
-          <a:p>
-            <a:pPr algn="l"/>
-            <a:r>
-              <a:rPr lang="fr-CH" sz="1600" dirty="0">
-                <a:solidFill>
-                  <a:schemeClr val="bg1">
-                    <a:lumMod val="75000"/>
-                  </a:schemeClr>
-                </a:solidFill>
-              </a:rPr>
-              <a:t>INTERDITS</a:t>
-            </a:r>
-            <a:endParaRPr lang="fr-CH" dirty="0">
-              <a:solidFill>
-                <a:schemeClr val="bg1">
-                  <a:lumMod val="75000"/>
-                </a:schemeClr>
-              </a:solidFill>
-            </a:endParaRPr>
-          </a:p>
-        </p:txBody>
-      </p:sp>
-      <p:cxnSp>
-        <p:nvCxnSpPr>
-          <p:cNvPr id="7" name="Connecteur droit 6">
-            <a:extLst>
-              <a:ext uri="{FF2B5EF4-FFF2-40B4-BE49-F238E27FC236}">
-                <a16:creationId xmlns:a16="http://schemas.microsoft.com/office/drawing/2014/main" id="{332240F2-DC8F-2475-1BD6-E31790B8AD93}"/>
-              </a:ext>
-            </a:extLst>
-          </p:cNvPr>
-          <p:cNvCxnSpPr>
-            <a:cxnSpLocks/>
-          </p:cNvCxnSpPr>
-          <p:nvPr/>
-        </p:nvCxnSpPr>
-        <p:spPr>
-          <a:xfrm>
-            <a:off x="257175" y="273844"/>
-            <a:ext cx="0" cy="135731"/>
-          </a:xfrm>
-          <a:prstGeom prst="line">
-            <a:avLst/>
-          </a:prstGeom>
-          <a:ln w="12700">
-            <a:solidFill>
-              <a:schemeClr val="bg1">
-                <a:lumMod val="75000"/>
-              </a:schemeClr>
-            </a:solidFill>
-          </a:ln>
-        </p:spPr>
-        <p:style>
-          <a:lnRef idx="1">
-            <a:schemeClr val="accent1"/>
-          </a:lnRef>
-          <a:fillRef idx="0">
-            <a:schemeClr val="accent1"/>
-          </a:fillRef>
-          <a:effectRef idx="0">
-            <a:schemeClr val="accent1"/>
-          </a:effectRef>
-          <a:fontRef idx="minor">
-            <a:schemeClr val="tx1"/>
-          </a:fontRef>
-        </p:style>
-      </p:cxnSp>
-    </p:spTree>
-    <p:extLst>
-      <p:ext uri="{BB962C8B-B14F-4D97-AF65-F5344CB8AC3E}">
-        <p14:creationId xmlns:p14="http://schemas.microsoft.com/office/powerpoint/2010/main" val="3443378171"/>
+        <p14:creationId xmlns:p14="http://schemas.microsoft.com/office/powerpoint/2010/main" val="963814619"/>
       </p:ext>
     </p:extLst>
   </p:cSld>
@@ -5360,52 +3444,6 @@
       </p:grpSpPr>
       <p:sp>
         <p:nvSpPr>
-          <p:cNvPr id="11" name="Rectangle 10">
-            <a:extLst>
-              <a:ext uri="{FF2B5EF4-FFF2-40B4-BE49-F238E27FC236}">
-                <a16:creationId xmlns:a16="http://schemas.microsoft.com/office/drawing/2014/main" id="{5AE7787E-5A5D-972C-4F82-477C5A516D2F}"/>
-              </a:ext>
-            </a:extLst>
-          </p:cNvPr>
-          <p:cNvSpPr/>
-          <p:nvPr/>
-        </p:nvSpPr>
-        <p:spPr>
-          <a:xfrm>
-            <a:off x="784614" y="2029379"/>
-            <a:ext cx="2754999" cy="1463040"/>
-          </a:xfrm>
-          <a:prstGeom prst="rect">
-            <a:avLst/>
-          </a:prstGeom>
-        </p:spPr>
-        <p:style>
-          <a:lnRef idx="2">
-            <a:schemeClr val="accent1">
-              <a:shade val="15000"/>
-            </a:schemeClr>
-          </a:lnRef>
-          <a:fillRef idx="1">
-            <a:schemeClr val="accent1"/>
-          </a:fillRef>
-          <a:effectRef idx="0">
-            <a:schemeClr val="accent1"/>
-          </a:effectRef>
-          <a:fontRef idx="minor">
-            <a:schemeClr val="lt1"/>
-          </a:fontRef>
-        </p:style>
-        <p:txBody>
-          <a:bodyPr rtlCol="0" anchor="ctr"/>
-          <a:lstStyle/>
-          <a:p>
-            <a:pPr algn="ctr"/>
-            <a:endParaRPr lang="fr-CH"/>
-          </a:p>
-        </p:txBody>
-      </p:sp>
-      <p:sp>
-        <p:nvSpPr>
           <p:cNvPr id="3" name="Sous-titre 2">
             <a:extLst>
               <a:ext uri="{FF2B5EF4-FFF2-40B4-BE49-F238E27FC236}">
@@ -5434,139 +3472,38 @@
           <a:p>
             <a:pPr algn="l"/>
             <a:r>
-              <a:rPr lang="fr-CH" sz="1050" b="0" i="0" dirty="0">
-                <a:solidFill>
-                  <a:schemeClr val="bg1">
-                    <a:lumMod val="50000"/>
-                  </a:schemeClr>
-                </a:solidFill>
-                <a:effectLst/>
-                <a:latin typeface="Söhne"/>
-              </a:rPr>
-              <a:t>Le Corps de Musique d’</a:t>
-            </a:r>
-            <a:r>
-              <a:rPr lang="fr-CH" sz="1050" b="0" i="0" dirty="0" err="1">
-                <a:solidFill>
-                  <a:schemeClr val="bg1">
-                    <a:lumMod val="50000"/>
-                  </a:schemeClr>
-                </a:solidFill>
-                <a:effectLst/>
-                <a:latin typeface="Söhne"/>
-              </a:rPr>
-              <a:t>Yvonand</a:t>
-            </a:r>
-            <a:r>
-              <a:rPr lang="fr-CH" sz="1050" b="0" i="0" dirty="0">
-                <a:solidFill>
-                  <a:schemeClr val="bg1">
-                    <a:lumMod val="50000"/>
-                  </a:schemeClr>
-                </a:solidFill>
-                <a:effectLst/>
-                <a:latin typeface="Söhne"/>
-              </a:rPr>
-              <a:t> a été fondé en 1920 à la suite de la fusion de deux petites fanfares en activité à </a:t>
-            </a:r>
-            <a:r>
-              <a:rPr lang="fr-CH" sz="1050" b="0" i="0" dirty="0" err="1">
-                <a:solidFill>
-                  <a:schemeClr val="bg1">
-                    <a:lumMod val="50000"/>
-                  </a:schemeClr>
-                </a:solidFill>
-                <a:effectLst/>
-                <a:latin typeface="Söhne"/>
-              </a:rPr>
-              <a:t>Yvonand</a:t>
-            </a:r>
-            <a:r>
-              <a:rPr lang="fr-CH" sz="1050" b="0" i="0" dirty="0">
-                <a:solidFill>
-                  <a:schemeClr val="bg1">
-                    <a:lumMod val="50000"/>
-                  </a:schemeClr>
-                </a:solidFill>
-                <a:effectLst/>
-                <a:latin typeface="Söhne"/>
-              </a:rPr>
-              <a:t>.</a:t>
+              <a:rPr lang="en-US" sz="900" dirty="0" err="1"/>
+              <a:t>Scanalyse</a:t>
+            </a:r>
+            <a:r>
+              <a:rPr lang="en-US" sz="900" dirty="0"/>
+              <a:t> is an application that provides a user-friendly solution for analyzing your food-related expenses.</a:t>
             </a:r>
           </a:p>
           <a:p>
             <a:pPr algn="l"/>
             <a:r>
-              <a:rPr lang="fr-CH" sz="1050" b="0" i="0" dirty="0">
-                <a:solidFill>
-                  <a:schemeClr val="bg1">
-                    <a:lumMod val="50000"/>
-                  </a:schemeClr>
-                </a:solidFill>
-                <a:effectLst/>
-                <a:latin typeface="Söhne"/>
-              </a:rPr>
-              <a:t>Son objectif principal est de rassembler les amateurs de musique autour de la pratique instrumentale. Le CMY représente également fièrement le village d’</a:t>
-            </a:r>
-            <a:r>
-              <a:rPr lang="fr-CH" sz="1050" b="0" i="0" dirty="0" err="1">
-                <a:solidFill>
-                  <a:schemeClr val="bg1">
-                    <a:lumMod val="50000"/>
-                  </a:schemeClr>
-                </a:solidFill>
-                <a:effectLst/>
-                <a:latin typeface="Söhne"/>
-              </a:rPr>
-              <a:t>Yvonand</a:t>
-            </a:r>
-            <a:r>
-              <a:rPr lang="fr-CH" sz="1050" b="0" i="0" dirty="0">
-                <a:solidFill>
-                  <a:schemeClr val="bg1">
-                    <a:lumMod val="50000"/>
-                  </a:schemeClr>
-                </a:solidFill>
-                <a:effectLst/>
-                <a:latin typeface="Söhne"/>
-              </a:rPr>
-              <a:t> lors d'événements d'envergure régionale, cantonale ou fédérale.</a:t>
-            </a:r>
-          </a:p>
-        </p:txBody>
-      </p:sp>
-      <p:sp>
-        <p:nvSpPr>
-          <p:cNvPr id="5" name="ZoneTexte 4">
-            <a:extLst>
-              <a:ext uri="{FF2B5EF4-FFF2-40B4-BE49-F238E27FC236}">
-                <a16:creationId xmlns:a16="http://schemas.microsoft.com/office/drawing/2014/main" id="{4F9CD5FC-585F-8AC9-CD1B-08E4D7C5E9F9}"/>
-              </a:ext>
-            </a:extLst>
-          </p:cNvPr>
-          <p:cNvSpPr txBox="1"/>
-          <p:nvPr/>
-        </p:nvSpPr>
-        <p:spPr>
-          <a:xfrm>
-            <a:off x="837340" y="2391567"/>
-            <a:ext cx="2283419" cy="369332"/>
-          </a:xfrm>
-          <a:prstGeom prst="rect">
-            <a:avLst/>
-          </a:prstGeom>
-          <a:noFill/>
-        </p:spPr>
-        <p:txBody>
-          <a:bodyPr wrap="square" rtlCol="0">
-            <a:spAutoFit/>
-          </a:bodyPr>
-          <a:lstStyle/>
-          <a:p>
-            <a:r>
-              <a:rPr lang="fr-CH" dirty="0"/>
-              <a:t>LOGO</a:t>
-            </a:r>
+              <a:rPr lang="en-US" sz="900" dirty="0"/>
+              <a:t>Mission: To make it easy for users to analyze their food purchases. </a:t>
+            </a:r>
+          </a:p>
+          <a:p>
+            <a:pPr algn="l"/>
+            <a:r>
+              <a:rPr lang="en-US" sz="900" dirty="0"/>
+              <a:t>Vision: To simplify and centralize food purchase histories.</a:t>
+            </a:r>
+          </a:p>
+          <a:p>
+            <a:pPr algn="l"/>
+            <a:r>
+              <a:rPr lang="en-US" sz="900" dirty="0"/>
+              <a:t>Utilizing Optical Character Recognition (OCR) technology, the Android application aims to automate the process of data extraction from physical grocery receipts, thus eliminating the need for manual entry and facilitating efficient expense tracking.</a:t>
+            </a:r>
+            <a:endParaRPr lang="fr-CH" sz="1050" b="0" i="0" dirty="0">
+              <a:effectLst/>
+              <a:latin typeface="Söhne"/>
+            </a:endParaRPr>
           </a:p>
         </p:txBody>
       </p:sp>
@@ -5764,14 +3701,14 @@
           <a:p>
             <a:pPr algn="l"/>
             <a:r>
-              <a:rPr lang="fr-CH" sz="1600" dirty="0">
+              <a:rPr lang="fr-CH" sz="1400" dirty="0">
                 <a:solidFill>
                   <a:schemeClr val="bg1">
                     <a:lumMod val="75000"/>
                   </a:schemeClr>
                 </a:solidFill>
               </a:rPr>
-              <a:t>PREAMBULE</a:t>
+              <a:t>FOREWORD</a:t>
             </a:r>
             <a:endParaRPr lang="fr-CH" dirty="0">
               <a:solidFill>
@@ -5799,13 +3736,13 @@
         </p:nvCxnSpPr>
         <p:spPr>
           <a:xfrm>
-            <a:off x="257175" y="273844"/>
-            <a:ext cx="0" cy="135731"/>
+            <a:off x="235744" y="266701"/>
+            <a:ext cx="0" cy="121443"/>
           </a:xfrm>
           <a:prstGeom prst="line">
             <a:avLst/>
           </a:prstGeom>
-          <a:ln w="12700">
+          <a:ln w="19050">
             <a:solidFill>
               <a:schemeClr val="bg1">
                 <a:lumMod val="75000"/>
@@ -5828,6 +3765,42 @@
           </a:fontRef>
         </p:style>
       </p:cxnSp>
+      <p:pic>
+        <p:nvPicPr>
+          <p:cNvPr id="4" name="Image 3" descr="Une image contenant texte, Graphique, graphisme, Police&#10;&#10;Description générée automatiquement">
+            <a:extLst>
+              <a:ext uri="{FF2B5EF4-FFF2-40B4-BE49-F238E27FC236}">
+                <a16:creationId xmlns:a16="http://schemas.microsoft.com/office/drawing/2014/main" id="{80496F01-BB41-EE71-B930-8191FDA394BE}"/>
+              </a:ext>
+            </a:extLst>
+          </p:cNvPr>
+          <p:cNvPicPr>
+            <a:picLocks noChangeAspect="1"/>
+          </p:cNvPicPr>
+          <p:nvPr/>
+        </p:nvPicPr>
+        <p:blipFill>
+          <a:blip r:embed="rId2">
+            <a:extLst>
+              <a:ext uri="{28A0092B-C50C-407E-A947-70E740481C1C}">
+                <a14:useLocalDpi xmlns:a14="http://schemas.microsoft.com/office/drawing/2010/main" val="0"/>
+              </a:ext>
+            </a:extLst>
+          </a:blip>
+          <a:stretch>
+            <a:fillRect/>
+          </a:stretch>
+        </p:blipFill>
+        <p:spPr>
+          <a:xfrm>
+            <a:off x="-431297" y="0"/>
+            <a:ext cx="4764034" cy="4764034"/>
+          </a:xfrm>
+          <a:prstGeom prst="rect">
+            <a:avLst/>
+          </a:prstGeom>
+        </p:spPr>
+      </p:pic>
     </p:spTree>
     <p:extLst>
       <p:ext uri="{BB962C8B-B14F-4D97-AF65-F5344CB8AC3E}">
@@ -6052,7 +4025,7 @@
           <a:p>
             <a:pPr algn="l"/>
             <a:r>
-              <a:rPr lang="fr-CH" sz="1600" dirty="0">
+              <a:rPr lang="fr-CH" sz="1400" dirty="0">
                 <a:solidFill>
                   <a:schemeClr val="bg1">
                     <a:lumMod val="75000"/>
@@ -6073,10 +4046,10 @@
       </p:sp>
       <p:cxnSp>
         <p:nvCxnSpPr>
-          <p:cNvPr id="7" name="Connecteur droit 6">
+          <p:cNvPr id="3" name="Connecteur droit 2">
             <a:extLst>
               <a:ext uri="{FF2B5EF4-FFF2-40B4-BE49-F238E27FC236}">
-                <a16:creationId xmlns:a16="http://schemas.microsoft.com/office/drawing/2014/main" id="{332240F2-DC8F-2475-1BD6-E31790B8AD93}"/>
+                <a16:creationId xmlns:a16="http://schemas.microsoft.com/office/drawing/2014/main" id="{EF61245D-FC8B-0190-A5A2-74291E5ABF73}"/>
               </a:ext>
             </a:extLst>
           </p:cNvPr>
@@ -6087,13 +4060,13 @@
         </p:nvCxnSpPr>
         <p:spPr>
           <a:xfrm>
-            <a:off x="257175" y="273844"/>
-            <a:ext cx="0" cy="135731"/>
+            <a:off x="235744" y="266701"/>
+            <a:ext cx="0" cy="121443"/>
           </a:xfrm>
           <a:prstGeom prst="line">
             <a:avLst/>
           </a:prstGeom>
-          <a:ln w="12700">
+          <a:ln w="19050">
             <a:solidFill>
               <a:schemeClr val="bg1">
                 <a:lumMod val="75000"/>
@@ -6116,6 +4089,78 @@
           </a:fontRef>
         </p:style>
       </p:cxnSp>
+      <p:pic>
+        <p:nvPicPr>
+          <p:cNvPr id="9" name="Image 8" descr="Une image contenant texte, Graphique, graphisme, logo&#10;&#10;Description générée automatiquement">
+            <a:extLst>
+              <a:ext uri="{FF2B5EF4-FFF2-40B4-BE49-F238E27FC236}">
+                <a16:creationId xmlns:a16="http://schemas.microsoft.com/office/drawing/2014/main" id="{18825BA2-1018-83DD-BD9D-9FB270199CB7}"/>
+              </a:ext>
+            </a:extLst>
+          </p:cNvPr>
+          <p:cNvPicPr>
+            <a:picLocks noChangeAspect="1"/>
+          </p:cNvPicPr>
+          <p:nvPr/>
+        </p:nvPicPr>
+        <p:blipFill>
+          <a:blip r:embed="rId2">
+            <a:extLst>
+              <a:ext uri="{28A0092B-C50C-407E-A947-70E740481C1C}">
+                <a14:useLocalDpi xmlns:a14="http://schemas.microsoft.com/office/drawing/2010/main" val="0"/>
+              </a:ext>
+            </a:extLst>
+          </a:blip>
+          <a:stretch>
+            <a:fillRect/>
+          </a:stretch>
+        </p:blipFill>
+        <p:spPr>
+          <a:xfrm>
+            <a:off x="0" y="1458000"/>
+            <a:ext cx="5400000" cy="5400000"/>
+          </a:xfrm>
+          <a:prstGeom prst="rect">
+            <a:avLst/>
+          </a:prstGeom>
+        </p:spPr>
+      </p:pic>
+      <p:pic>
+        <p:nvPicPr>
+          <p:cNvPr id="11" name="Image 10" descr="Une image contenant texte, Graphique, Police, graphisme&#10;&#10;Description générée automatiquement">
+            <a:extLst>
+              <a:ext uri="{FF2B5EF4-FFF2-40B4-BE49-F238E27FC236}">
+                <a16:creationId xmlns:a16="http://schemas.microsoft.com/office/drawing/2014/main" id="{C17448D6-E80C-38C9-D17C-4D53E83AAC9D}"/>
+              </a:ext>
+            </a:extLst>
+          </p:cNvPr>
+          <p:cNvPicPr>
+            <a:picLocks noChangeAspect="1"/>
+          </p:cNvPicPr>
+          <p:nvPr/>
+        </p:nvPicPr>
+        <p:blipFill>
+          <a:blip r:embed="rId3">
+            <a:extLst>
+              <a:ext uri="{28A0092B-C50C-407E-A947-70E740481C1C}">
+                <a14:useLocalDpi xmlns:a14="http://schemas.microsoft.com/office/drawing/2010/main" val="0"/>
+              </a:ext>
+            </a:extLst>
+          </a:blip>
+          <a:stretch>
+            <a:fillRect/>
+          </a:stretch>
+        </p:blipFill>
+        <p:spPr>
+          <a:xfrm>
+            <a:off x="4506000" y="1458000"/>
+            <a:ext cx="5400000" cy="5400000"/>
+          </a:xfrm>
+          <a:prstGeom prst="rect">
+            <a:avLst/>
+          </a:prstGeom>
+        </p:spPr>
+      </p:pic>
     </p:spTree>
     <p:extLst>
       <p:ext uri="{BB962C8B-B14F-4D97-AF65-F5344CB8AC3E}">
@@ -6340,14 +4385,14 @@
           <a:p>
             <a:pPr algn="l"/>
             <a:r>
-              <a:rPr lang="fr-CH" sz="1600" dirty="0">
+              <a:rPr lang="fr-CH" sz="1400" dirty="0">
                 <a:solidFill>
                   <a:schemeClr val="bg1">
                     <a:lumMod val="75000"/>
                   </a:schemeClr>
                 </a:solidFill>
               </a:rPr>
-              <a:t>TYPOGRAPHIE</a:t>
+              <a:t>FONTS</a:t>
             </a:r>
             <a:endParaRPr lang="fr-CH" dirty="0">
               <a:solidFill>
@@ -6359,12 +4404,400 @@
           </a:p>
         </p:txBody>
       </p:sp>
+      <p:sp>
+        <p:nvSpPr>
+          <p:cNvPr id="4" name="ZoneTexte 3">
+            <a:extLst>
+              <a:ext uri="{FF2B5EF4-FFF2-40B4-BE49-F238E27FC236}">
+                <a16:creationId xmlns:a16="http://schemas.microsoft.com/office/drawing/2014/main" id="{CBDEE2F6-7716-E6D5-315C-792CEE8A0439}"/>
+              </a:ext>
+            </a:extLst>
+          </p:cNvPr>
+          <p:cNvSpPr txBox="1"/>
+          <p:nvPr/>
+        </p:nvSpPr>
+        <p:spPr>
+          <a:xfrm>
+            <a:off x="235744" y="2048006"/>
+            <a:ext cx="4951970" cy="276999"/>
+          </a:xfrm>
+          <a:prstGeom prst="rect">
+            <a:avLst/>
+          </a:prstGeom>
+          <a:noFill/>
+        </p:spPr>
+        <p:txBody>
+          <a:bodyPr wrap="square">
+            <a:spAutoFit/>
+          </a:bodyPr>
+          <a:lstStyle/>
+          <a:p>
+            <a:r>
+              <a:rPr lang="fr-CH" sz="1200" dirty="0">
+                <a:solidFill>
+                  <a:schemeClr val="bg1">
+                    <a:lumMod val="75000"/>
+                  </a:schemeClr>
+                </a:solidFill>
+              </a:rPr>
+              <a:t>MAIN FONT</a:t>
+            </a:r>
+            <a:endParaRPr lang="fr-CH" sz="1200" dirty="0"/>
+          </a:p>
+        </p:txBody>
+      </p:sp>
+      <p:sp>
+        <p:nvSpPr>
+          <p:cNvPr id="5" name="ZoneTexte 4">
+            <a:extLst>
+              <a:ext uri="{FF2B5EF4-FFF2-40B4-BE49-F238E27FC236}">
+                <a16:creationId xmlns:a16="http://schemas.microsoft.com/office/drawing/2014/main" id="{9B1F6590-7CDE-AB2A-FA23-8568A7A668A3}"/>
+              </a:ext>
+            </a:extLst>
+          </p:cNvPr>
+          <p:cNvSpPr txBox="1"/>
+          <p:nvPr/>
+        </p:nvSpPr>
+        <p:spPr>
+          <a:xfrm>
+            <a:off x="235744" y="2634276"/>
+            <a:ext cx="4886325" cy="2215991"/>
+          </a:xfrm>
+          <a:prstGeom prst="rect">
+            <a:avLst/>
+          </a:prstGeom>
+          <a:noFill/>
+        </p:spPr>
+        <p:txBody>
+          <a:bodyPr wrap="square">
+            <a:spAutoFit/>
+          </a:bodyPr>
+          <a:lstStyle/>
+          <a:p>
+            <a:r>
+              <a:rPr lang="fr-CH" dirty="0" err="1">
+                <a:latin typeface="Squada One" panose="02000000000000000000" pitchFamily="2" charset="0"/>
+              </a:rPr>
+              <a:t>Squada</a:t>
+            </a:r>
+            <a:r>
+              <a:rPr lang="fr-CH" dirty="0">
+                <a:latin typeface="Squada One" panose="02000000000000000000" pitchFamily="2" charset="0"/>
+              </a:rPr>
+              <a:t> One</a:t>
+            </a:r>
+          </a:p>
+          <a:p>
+            <a:r>
+              <a:rPr lang="fr-CH" sz="1100" dirty="0" err="1">
+                <a:solidFill>
+                  <a:schemeClr val="bg1">
+                    <a:lumMod val="65000"/>
+                  </a:schemeClr>
+                </a:solidFill>
+              </a:rPr>
+              <a:t>Designed</a:t>
+            </a:r>
+            <a:r>
+              <a:rPr lang="fr-CH" sz="1100" dirty="0">
+                <a:solidFill>
+                  <a:schemeClr val="bg1">
+                    <a:lumMod val="65000"/>
+                  </a:schemeClr>
+                </a:solidFill>
+              </a:rPr>
+              <a:t> by Joe Prince</a:t>
+            </a:r>
+          </a:p>
+          <a:p>
+            <a:endParaRPr lang="fr-CH" sz="1100" dirty="0">
+              <a:solidFill>
+                <a:schemeClr val="bg1">
+                  <a:lumMod val="65000"/>
+                </a:schemeClr>
+              </a:solidFill>
+            </a:endParaRPr>
+          </a:p>
+          <a:p>
+            <a:endParaRPr lang="fr-CH" sz="1100" dirty="0">
+              <a:solidFill>
+                <a:schemeClr val="bg1">
+                  <a:lumMod val="65000"/>
+                </a:schemeClr>
+              </a:solidFill>
+            </a:endParaRPr>
+          </a:p>
+          <a:p>
+            <a:endParaRPr lang="fr-CH" sz="1100" dirty="0">
+              <a:solidFill>
+                <a:schemeClr val="bg1">
+                  <a:lumMod val="65000"/>
+                </a:schemeClr>
+              </a:solidFill>
+            </a:endParaRPr>
+          </a:p>
+          <a:p>
+            <a:endParaRPr lang="fr-CH" sz="1100" dirty="0">
+              <a:solidFill>
+                <a:schemeClr val="bg1">
+                  <a:lumMod val="65000"/>
+                </a:schemeClr>
+              </a:solidFill>
+            </a:endParaRPr>
+          </a:p>
+          <a:p>
+            <a:endParaRPr lang="fr-CH" sz="1100" dirty="0">
+              <a:solidFill>
+                <a:schemeClr val="bg1">
+                  <a:lumMod val="65000"/>
+                </a:schemeClr>
+              </a:solidFill>
+            </a:endParaRPr>
+          </a:p>
+          <a:p>
+            <a:r>
+              <a:rPr lang="fr-CH" dirty="0">
+                <a:latin typeface="Squada One" panose="02000000000000000000" pitchFamily="2" charset="0"/>
+              </a:rPr>
+              <a:t>A B C D E F G H I J K L M N O P Q R S T U V W X Y Z</a:t>
+            </a:r>
+          </a:p>
+          <a:p>
+            <a:r>
+              <a:rPr lang="fr-CH" dirty="0">
+                <a:latin typeface="Squada One" panose="02000000000000000000" pitchFamily="2" charset="0"/>
+              </a:rPr>
+              <a:t>a b c d e f g h i j k l m n o p q r s t u v x y z</a:t>
+            </a:r>
+          </a:p>
+          <a:p>
+            <a:r>
+              <a:rPr lang="fr-CH" dirty="0">
+                <a:latin typeface="Squada One" panose="02000000000000000000" pitchFamily="2" charset="0"/>
+              </a:rPr>
+              <a:t>0 1 2 3 4 5 6 7 8 9</a:t>
+            </a:r>
+          </a:p>
+        </p:txBody>
+      </p:sp>
+      <p:sp>
+        <p:nvSpPr>
+          <p:cNvPr id="6" name="ZoneTexte 5">
+            <a:extLst>
+              <a:ext uri="{FF2B5EF4-FFF2-40B4-BE49-F238E27FC236}">
+                <a16:creationId xmlns:a16="http://schemas.microsoft.com/office/drawing/2014/main" id="{07B90839-ACA4-CB97-D5BB-F5FC21DA300C}"/>
+              </a:ext>
+            </a:extLst>
+          </p:cNvPr>
+          <p:cNvSpPr txBox="1"/>
+          <p:nvPr/>
+        </p:nvSpPr>
+        <p:spPr>
+          <a:xfrm>
+            <a:off x="5143500" y="2048006"/>
+            <a:ext cx="4951970" cy="276999"/>
+          </a:xfrm>
+          <a:prstGeom prst="rect">
+            <a:avLst/>
+          </a:prstGeom>
+          <a:noFill/>
+        </p:spPr>
+        <p:txBody>
+          <a:bodyPr wrap="square">
+            <a:spAutoFit/>
+          </a:bodyPr>
+          <a:lstStyle/>
+          <a:p>
+            <a:r>
+              <a:rPr lang="fr-CH" sz="1200" dirty="0">
+                <a:solidFill>
+                  <a:schemeClr val="bg1">
+                    <a:lumMod val="75000"/>
+                  </a:schemeClr>
+                </a:solidFill>
+              </a:rPr>
+              <a:t>ALTERNATIVE FONT</a:t>
+            </a:r>
+            <a:endParaRPr lang="fr-CH" sz="1200" dirty="0"/>
+          </a:p>
+        </p:txBody>
+      </p:sp>
+      <p:sp>
+        <p:nvSpPr>
+          <p:cNvPr id="8" name="ZoneTexte 7">
+            <a:extLst>
+              <a:ext uri="{FF2B5EF4-FFF2-40B4-BE49-F238E27FC236}">
+                <a16:creationId xmlns:a16="http://schemas.microsoft.com/office/drawing/2014/main" id="{29859937-61FA-A7CD-1B1F-65EC489B94EE}"/>
+              </a:ext>
+            </a:extLst>
+          </p:cNvPr>
+          <p:cNvSpPr txBox="1"/>
+          <p:nvPr/>
+        </p:nvSpPr>
+        <p:spPr>
+          <a:xfrm>
+            <a:off x="5143500" y="2634276"/>
+            <a:ext cx="4951970" cy="2146742"/>
+          </a:xfrm>
+          <a:prstGeom prst="rect">
+            <a:avLst/>
+          </a:prstGeom>
+          <a:noFill/>
+        </p:spPr>
+        <p:txBody>
+          <a:bodyPr wrap="square">
+            <a:spAutoFit/>
+          </a:bodyPr>
+          <a:lstStyle/>
+          <a:p>
+            <a:r>
+              <a:rPr lang="fr-CH" sz="1200" dirty="0">
+                <a:latin typeface="Biryani" panose="00000500000000000000" pitchFamily="2" charset="0"/>
+                <a:cs typeface="Biryani" panose="00000500000000000000" pitchFamily="2" charset="0"/>
+              </a:rPr>
+              <a:t>Biryani Regular</a:t>
+            </a:r>
+          </a:p>
+          <a:p>
+            <a:r>
+              <a:rPr lang="fr-CH" sz="1100" dirty="0" err="1">
+                <a:solidFill>
+                  <a:schemeClr val="bg1">
+                    <a:lumMod val="65000"/>
+                  </a:schemeClr>
+                </a:solidFill>
+              </a:rPr>
+              <a:t>Designed</a:t>
+            </a:r>
+            <a:r>
+              <a:rPr lang="fr-CH" sz="1100" dirty="0">
+                <a:solidFill>
+                  <a:schemeClr val="bg1">
+                    <a:lumMod val="65000"/>
+                  </a:schemeClr>
+                </a:solidFill>
+              </a:rPr>
+              <a:t> by Dan Reynolds, Mathieu </a:t>
+            </a:r>
+            <a:r>
+              <a:rPr lang="fr-CH" sz="1100" dirty="0" err="1">
+                <a:solidFill>
+                  <a:schemeClr val="bg1">
+                    <a:lumMod val="65000"/>
+                  </a:schemeClr>
+                </a:solidFill>
+              </a:rPr>
+              <a:t>Réguer</a:t>
+            </a:r>
+            <a:endParaRPr lang="fr-CH" sz="1100" dirty="0">
+              <a:solidFill>
+                <a:schemeClr val="bg1">
+                  <a:lumMod val="65000"/>
+                </a:schemeClr>
+              </a:solidFill>
+            </a:endParaRPr>
+          </a:p>
+          <a:p>
+            <a:endParaRPr lang="fr-CH" sz="900" dirty="0">
+              <a:solidFill>
+                <a:schemeClr val="bg1">
+                  <a:lumMod val="65000"/>
+                </a:schemeClr>
+              </a:solidFill>
+            </a:endParaRPr>
+          </a:p>
+          <a:p>
+            <a:endParaRPr lang="fr-CH" sz="900" dirty="0">
+              <a:solidFill>
+                <a:schemeClr val="bg1">
+                  <a:lumMod val="65000"/>
+                </a:schemeClr>
+              </a:solidFill>
+            </a:endParaRPr>
+          </a:p>
+          <a:p>
+            <a:endParaRPr lang="fr-CH" sz="900" dirty="0">
+              <a:solidFill>
+                <a:schemeClr val="bg1">
+                  <a:lumMod val="65000"/>
+                </a:schemeClr>
+              </a:solidFill>
+            </a:endParaRPr>
+          </a:p>
+          <a:p>
+            <a:endParaRPr lang="fr-CH" sz="900" dirty="0">
+              <a:solidFill>
+                <a:schemeClr val="bg1">
+                  <a:lumMod val="65000"/>
+                </a:schemeClr>
+              </a:solidFill>
+            </a:endParaRPr>
+          </a:p>
+          <a:p>
+            <a:endParaRPr lang="fr-CH" sz="900" dirty="0">
+              <a:solidFill>
+                <a:schemeClr val="bg1">
+                  <a:lumMod val="65000"/>
+                </a:schemeClr>
+              </a:solidFill>
+            </a:endParaRPr>
+          </a:p>
+          <a:p>
+            <a:endParaRPr lang="fr-CH" sz="900" dirty="0">
+              <a:solidFill>
+                <a:schemeClr val="bg1">
+                  <a:lumMod val="65000"/>
+                </a:schemeClr>
+              </a:solidFill>
+            </a:endParaRPr>
+          </a:p>
+          <a:p>
+            <a:endParaRPr lang="fr-CH" sz="900" dirty="0">
+              <a:solidFill>
+                <a:schemeClr val="bg1">
+                  <a:lumMod val="65000"/>
+                </a:schemeClr>
+              </a:solidFill>
+            </a:endParaRPr>
+          </a:p>
+          <a:p>
+            <a:r>
+              <a:rPr lang="fr-CH" sz="1200" dirty="0">
+                <a:latin typeface="Biryani" panose="00000500000000000000" pitchFamily="2" charset="0"/>
+                <a:cs typeface="Biryani" panose="00000500000000000000" pitchFamily="2" charset="0"/>
+              </a:rPr>
+              <a:t>A B C D E F G H I J K L M N O P Q R S T U V W X Y Z</a:t>
+            </a:r>
+          </a:p>
+          <a:p>
+            <a:r>
+              <a:rPr lang="fr-CH" sz="1200" dirty="0">
+                <a:latin typeface="Biryani" panose="00000500000000000000" pitchFamily="2" charset="0"/>
+                <a:cs typeface="Biryani" panose="00000500000000000000" pitchFamily="2" charset="0"/>
+              </a:rPr>
+              <a:t>a b c d e f g h i j k l m n o p q r s t u v x y z</a:t>
+            </a:r>
+          </a:p>
+          <a:p>
+            <a:r>
+              <a:rPr lang="fr-CH" sz="1200" dirty="0">
+                <a:latin typeface="Biryani" panose="00000500000000000000" pitchFamily="2" charset="0"/>
+                <a:cs typeface="Biryani" panose="00000500000000000000" pitchFamily="2" charset="0"/>
+              </a:rPr>
+              <a:t>0 1 2 3 4 5 6 7 8 9</a:t>
+            </a:r>
+          </a:p>
+          <a:p>
+            <a:endParaRPr lang="fr-CH" sz="1200" dirty="0"/>
+          </a:p>
+        </p:txBody>
+      </p:sp>
       <p:cxnSp>
         <p:nvCxnSpPr>
-          <p:cNvPr id="7" name="Connecteur droit 6">
+          <p:cNvPr id="3" name="Connecteur droit 2">
             <a:extLst>
               <a:ext uri="{FF2B5EF4-FFF2-40B4-BE49-F238E27FC236}">
-                <a16:creationId xmlns:a16="http://schemas.microsoft.com/office/drawing/2014/main" id="{332240F2-DC8F-2475-1BD6-E31790B8AD93}"/>
+                <a16:creationId xmlns:a16="http://schemas.microsoft.com/office/drawing/2014/main" id="{F0CCA342-48BC-97A2-2D5E-11DF26123BCE}"/>
               </a:ext>
             </a:extLst>
           </p:cNvPr>
@@ -6375,13 +4808,13 @@
         </p:nvCxnSpPr>
         <p:spPr>
           <a:xfrm>
-            <a:off x="257175" y="273844"/>
-            <a:ext cx="0" cy="135731"/>
+            <a:off x="235744" y="266701"/>
+            <a:ext cx="0" cy="121443"/>
           </a:xfrm>
           <a:prstGeom prst="line">
             <a:avLst/>
           </a:prstGeom>
-          <a:ln w="12700">
+          <a:ln w="19050">
             <a:solidFill>
               <a:schemeClr val="bg1">
                 <a:lumMod val="75000"/>
@@ -6451,7 +4884,7 @@
         <p:spPr>
           <a:xfrm>
             <a:off x="257176" y="192523"/>
-            <a:ext cx="7903876" cy="1655762"/>
+            <a:ext cx="987422" cy="328177"/>
           </a:xfrm>
           <a:prstGeom prst="rect">
             <a:avLst/>
@@ -6628,14 +5061,812 @@
           <a:p>
             <a:pPr algn="l"/>
             <a:r>
-              <a:rPr lang="fr-CH" sz="1600" dirty="0">
+              <a:rPr lang="fr-CH" sz="1400" dirty="0">
                 <a:solidFill>
                   <a:schemeClr val="bg1">
                     <a:lumMod val="75000"/>
                   </a:schemeClr>
                 </a:solidFill>
               </a:rPr>
-              <a:t>COULEURS #1</a:t>
+              <a:t>COLORS</a:t>
+            </a:r>
+            <a:endParaRPr lang="fr-CH" dirty="0">
+              <a:solidFill>
+                <a:schemeClr val="bg1">
+                  <a:lumMod val="75000"/>
+                </a:schemeClr>
+              </a:solidFill>
+            </a:endParaRPr>
+          </a:p>
+        </p:txBody>
+      </p:sp>
+      <p:cxnSp>
+        <p:nvCxnSpPr>
+          <p:cNvPr id="3" name="Connecteur droit 2">
+            <a:extLst>
+              <a:ext uri="{FF2B5EF4-FFF2-40B4-BE49-F238E27FC236}">
+                <a16:creationId xmlns:a16="http://schemas.microsoft.com/office/drawing/2014/main" id="{F0CCA342-48BC-97A2-2D5E-11DF26123BCE}"/>
+              </a:ext>
+            </a:extLst>
+          </p:cNvPr>
+          <p:cNvCxnSpPr>
+            <a:cxnSpLocks/>
+          </p:cNvCxnSpPr>
+          <p:nvPr/>
+        </p:nvCxnSpPr>
+        <p:spPr>
+          <a:xfrm>
+            <a:off x="235744" y="266701"/>
+            <a:ext cx="0" cy="121443"/>
+          </a:xfrm>
+          <a:prstGeom prst="line">
+            <a:avLst/>
+          </a:prstGeom>
+          <a:ln w="19050">
+            <a:solidFill>
+              <a:schemeClr val="bg1">
+                <a:lumMod val="75000"/>
+              </a:schemeClr>
+            </a:solidFill>
+          </a:ln>
+        </p:spPr>
+        <p:style>
+          <a:lnRef idx="1">
+            <a:schemeClr val="accent1"/>
+          </a:lnRef>
+          <a:fillRef idx="0">
+            <a:schemeClr val="accent1"/>
+          </a:fillRef>
+          <a:effectRef idx="0">
+            <a:schemeClr val="accent1"/>
+          </a:effectRef>
+          <a:fontRef idx="minor">
+            <a:schemeClr val="tx1"/>
+          </a:fontRef>
+        </p:style>
+      </p:cxnSp>
+      <p:sp>
+        <p:nvSpPr>
+          <p:cNvPr id="9" name="Rectangle 8">
+            <a:extLst>
+              <a:ext uri="{FF2B5EF4-FFF2-40B4-BE49-F238E27FC236}">
+                <a16:creationId xmlns:a16="http://schemas.microsoft.com/office/drawing/2014/main" id="{BB9BA4DE-CCFF-796A-5C11-855296A897CD}"/>
+              </a:ext>
+            </a:extLst>
+          </p:cNvPr>
+          <p:cNvSpPr/>
+          <p:nvPr/>
+        </p:nvSpPr>
+        <p:spPr>
+          <a:xfrm>
+            <a:off x="1587500" y="1729740"/>
+            <a:ext cx="1352550" cy="4349750"/>
+          </a:xfrm>
+          <a:prstGeom prst="rect">
+            <a:avLst/>
+          </a:prstGeom>
+          <a:solidFill>
+            <a:srgbClr val="0E0E0E"/>
+          </a:solidFill>
+          <a:ln>
+            <a:noFill/>
+          </a:ln>
+        </p:spPr>
+        <p:style>
+          <a:lnRef idx="2">
+            <a:schemeClr val="accent1">
+              <a:shade val="15000"/>
+            </a:schemeClr>
+          </a:lnRef>
+          <a:fillRef idx="1">
+            <a:schemeClr val="accent1"/>
+          </a:fillRef>
+          <a:effectRef idx="0">
+            <a:schemeClr val="accent1"/>
+          </a:effectRef>
+          <a:fontRef idx="minor">
+            <a:schemeClr val="lt1"/>
+          </a:fontRef>
+        </p:style>
+        <p:txBody>
+          <a:bodyPr rtlCol="0" anchor="ctr"/>
+          <a:lstStyle/>
+          <a:p>
+            <a:pPr algn="ctr"/>
+            <a:endParaRPr lang="fr-CH" dirty="0"/>
+          </a:p>
+        </p:txBody>
+      </p:sp>
+      <p:sp>
+        <p:nvSpPr>
+          <p:cNvPr id="10" name="Rectangle 9">
+            <a:extLst>
+              <a:ext uri="{FF2B5EF4-FFF2-40B4-BE49-F238E27FC236}">
+                <a16:creationId xmlns:a16="http://schemas.microsoft.com/office/drawing/2014/main" id="{35548E73-F659-2FEB-8F48-516E7B24353B}"/>
+              </a:ext>
+            </a:extLst>
+          </p:cNvPr>
+          <p:cNvSpPr/>
+          <p:nvPr/>
+        </p:nvSpPr>
+        <p:spPr>
+          <a:xfrm>
+            <a:off x="2924175" y="1729740"/>
+            <a:ext cx="1352550" cy="4349750"/>
+          </a:xfrm>
+          <a:prstGeom prst="rect">
+            <a:avLst/>
+          </a:prstGeom>
+          <a:solidFill>
+            <a:srgbClr val="282828"/>
+          </a:solidFill>
+          <a:ln>
+            <a:noFill/>
+          </a:ln>
+        </p:spPr>
+        <p:style>
+          <a:lnRef idx="2">
+            <a:schemeClr val="accent1">
+              <a:shade val="15000"/>
+            </a:schemeClr>
+          </a:lnRef>
+          <a:fillRef idx="1">
+            <a:schemeClr val="accent1"/>
+          </a:fillRef>
+          <a:effectRef idx="0">
+            <a:schemeClr val="accent1"/>
+          </a:effectRef>
+          <a:fontRef idx="minor">
+            <a:schemeClr val="lt1"/>
+          </a:fontRef>
+        </p:style>
+        <p:txBody>
+          <a:bodyPr rtlCol="0" anchor="ctr"/>
+          <a:lstStyle/>
+          <a:p>
+            <a:pPr algn="ctr"/>
+            <a:endParaRPr lang="fr-CH" dirty="0"/>
+          </a:p>
+        </p:txBody>
+      </p:sp>
+      <p:sp>
+        <p:nvSpPr>
+          <p:cNvPr id="11" name="Rectangle 10">
+            <a:extLst>
+              <a:ext uri="{FF2B5EF4-FFF2-40B4-BE49-F238E27FC236}">
+                <a16:creationId xmlns:a16="http://schemas.microsoft.com/office/drawing/2014/main" id="{AB353685-B9F3-BE34-CFDD-DD0BC8D7C4A1}"/>
+              </a:ext>
+            </a:extLst>
+          </p:cNvPr>
+          <p:cNvSpPr/>
+          <p:nvPr/>
+        </p:nvSpPr>
+        <p:spPr>
+          <a:xfrm>
+            <a:off x="4276725" y="1729740"/>
+            <a:ext cx="1352550" cy="4349750"/>
+          </a:xfrm>
+          <a:prstGeom prst="rect">
+            <a:avLst/>
+          </a:prstGeom>
+          <a:solidFill>
+            <a:srgbClr val="552162"/>
+          </a:solidFill>
+          <a:ln>
+            <a:noFill/>
+          </a:ln>
+        </p:spPr>
+        <p:style>
+          <a:lnRef idx="2">
+            <a:schemeClr val="accent1">
+              <a:shade val="15000"/>
+            </a:schemeClr>
+          </a:lnRef>
+          <a:fillRef idx="1">
+            <a:schemeClr val="accent1"/>
+          </a:fillRef>
+          <a:effectRef idx="0">
+            <a:schemeClr val="accent1"/>
+          </a:effectRef>
+          <a:fontRef idx="minor">
+            <a:schemeClr val="lt1"/>
+          </a:fontRef>
+        </p:style>
+        <p:txBody>
+          <a:bodyPr rtlCol="0" anchor="ctr"/>
+          <a:lstStyle/>
+          <a:p>
+            <a:pPr algn="ctr"/>
+            <a:endParaRPr lang="fr-CH"/>
+          </a:p>
+        </p:txBody>
+      </p:sp>
+      <p:sp>
+        <p:nvSpPr>
+          <p:cNvPr id="12" name="Rectangle 11">
+            <a:extLst>
+              <a:ext uri="{FF2B5EF4-FFF2-40B4-BE49-F238E27FC236}">
+                <a16:creationId xmlns:a16="http://schemas.microsoft.com/office/drawing/2014/main" id="{8C274A30-7A8B-03E6-EC25-93DB241E2E8E}"/>
+              </a:ext>
+            </a:extLst>
+          </p:cNvPr>
+          <p:cNvSpPr/>
+          <p:nvPr/>
+        </p:nvSpPr>
+        <p:spPr>
+          <a:xfrm>
+            <a:off x="5629275" y="1729740"/>
+            <a:ext cx="1352550" cy="4349750"/>
+          </a:xfrm>
+          <a:prstGeom prst="rect">
+            <a:avLst/>
+          </a:prstGeom>
+          <a:solidFill>
+            <a:srgbClr val="772D89"/>
+          </a:solidFill>
+          <a:ln>
+            <a:noFill/>
+          </a:ln>
+        </p:spPr>
+        <p:style>
+          <a:lnRef idx="2">
+            <a:schemeClr val="accent1">
+              <a:shade val="15000"/>
+            </a:schemeClr>
+          </a:lnRef>
+          <a:fillRef idx="1">
+            <a:schemeClr val="accent1"/>
+          </a:fillRef>
+          <a:effectRef idx="0">
+            <a:schemeClr val="accent1"/>
+          </a:effectRef>
+          <a:fontRef idx="minor">
+            <a:schemeClr val="lt1"/>
+          </a:fontRef>
+        </p:style>
+        <p:txBody>
+          <a:bodyPr rtlCol="0" anchor="ctr"/>
+          <a:lstStyle/>
+          <a:p>
+            <a:pPr algn="ctr"/>
+            <a:endParaRPr lang="fr-CH" dirty="0"/>
+          </a:p>
+        </p:txBody>
+      </p:sp>
+      <p:sp>
+        <p:nvSpPr>
+          <p:cNvPr id="13" name="Rectangle 12">
+            <a:extLst>
+              <a:ext uri="{FF2B5EF4-FFF2-40B4-BE49-F238E27FC236}">
+                <a16:creationId xmlns:a16="http://schemas.microsoft.com/office/drawing/2014/main" id="{04530E2C-F622-0BC2-6E9C-FF506260FA76}"/>
+              </a:ext>
+            </a:extLst>
+          </p:cNvPr>
+          <p:cNvSpPr/>
+          <p:nvPr/>
+        </p:nvSpPr>
+        <p:spPr>
+          <a:xfrm>
+            <a:off x="6981825" y="1729740"/>
+            <a:ext cx="1352550" cy="4349750"/>
+          </a:xfrm>
+          <a:prstGeom prst="rect">
+            <a:avLst/>
+          </a:prstGeom>
+          <a:solidFill>
+            <a:srgbClr val="9938B0"/>
+          </a:solidFill>
+          <a:ln>
+            <a:noFill/>
+          </a:ln>
+        </p:spPr>
+        <p:style>
+          <a:lnRef idx="2">
+            <a:schemeClr val="accent1">
+              <a:shade val="15000"/>
+            </a:schemeClr>
+          </a:lnRef>
+          <a:fillRef idx="1">
+            <a:schemeClr val="accent1"/>
+          </a:fillRef>
+          <a:effectRef idx="0">
+            <a:schemeClr val="accent1"/>
+          </a:effectRef>
+          <a:fontRef idx="minor">
+            <a:schemeClr val="lt1"/>
+          </a:fontRef>
+        </p:style>
+        <p:txBody>
+          <a:bodyPr rtlCol="0" anchor="ctr"/>
+          <a:lstStyle/>
+          <a:p>
+            <a:pPr algn="ctr"/>
+            <a:endParaRPr lang="fr-CH" dirty="0"/>
+          </a:p>
+        </p:txBody>
+      </p:sp>
+      <p:sp>
+        <p:nvSpPr>
+          <p:cNvPr id="14" name="ZoneTexte 13">
+            <a:extLst>
+              <a:ext uri="{FF2B5EF4-FFF2-40B4-BE49-F238E27FC236}">
+                <a16:creationId xmlns:a16="http://schemas.microsoft.com/office/drawing/2014/main" id="{C0C1FDA5-E765-298E-69A9-CC5BC7163069}"/>
+              </a:ext>
+            </a:extLst>
+          </p:cNvPr>
+          <p:cNvSpPr txBox="1"/>
+          <p:nvPr/>
+        </p:nvSpPr>
+        <p:spPr>
+          <a:xfrm>
+            <a:off x="1587500" y="1015365"/>
+            <a:ext cx="1336675" cy="923330"/>
+          </a:xfrm>
+          <a:prstGeom prst="rect">
+            <a:avLst/>
+          </a:prstGeom>
+          <a:noFill/>
+        </p:spPr>
+        <p:txBody>
+          <a:bodyPr wrap="square" rtlCol="0">
+            <a:spAutoFit/>
+          </a:bodyPr>
+          <a:lstStyle/>
+          <a:p>
+            <a:r>
+              <a:rPr lang="fr-CH" sz="1200" dirty="0"/>
+              <a:t>#0E0E0E</a:t>
+            </a:r>
+          </a:p>
+          <a:p>
+            <a:r>
+              <a:rPr lang="fr-CH" sz="1200" dirty="0"/>
+              <a:t>RVB 14/14/14</a:t>
+            </a:r>
+          </a:p>
+          <a:p>
+            <a:r>
+              <a:rPr lang="fr-CH" sz="1200" dirty="0"/>
+              <a:t>CMJN 0/0/0/95</a:t>
+            </a:r>
+          </a:p>
+          <a:p>
+            <a:endParaRPr lang="fr-CH" sz="1600" dirty="0"/>
+          </a:p>
+        </p:txBody>
+      </p:sp>
+      <p:sp>
+        <p:nvSpPr>
+          <p:cNvPr id="15" name="ZoneTexte 14">
+            <a:extLst>
+              <a:ext uri="{FF2B5EF4-FFF2-40B4-BE49-F238E27FC236}">
+                <a16:creationId xmlns:a16="http://schemas.microsoft.com/office/drawing/2014/main" id="{C4E918DF-E973-937A-435F-F19AC2B98CC7}"/>
+              </a:ext>
+            </a:extLst>
+          </p:cNvPr>
+          <p:cNvSpPr txBox="1"/>
+          <p:nvPr/>
+        </p:nvSpPr>
+        <p:spPr>
+          <a:xfrm>
+            <a:off x="2932112" y="986958"/>
+            <a:ext cx="1336675" cy="923330"/>
+          </a:xfrm>
+          <a:prstGeom prst="rect">
+            <a:avLst/>
+          </a:prstGeom>
+          <a:noFill/>
+        </p:spPr>
+        <p:txBody>
+          <a:bodyPr wrap="square" rtlCol="0">
+            <a:spAutoFit/>
+          </a:bodyPr>
+          <a:lstStyle/>
+          <a:p>
+            <a:r>
+              <a:rPr lang="fr-CH" sz="1200" dirty="0"/>
+              <a:t>#282828</a:t>
+            </a:r>
+          </a:p>
+          <a:p>
+            <a:r>
+              <a:rPr lang="fr-CH" sz="1200" dirty="0"/>
+              <a:t>RVB 40/40/40</a:t>
+            </a:r>
+          </a:p>
+          <a:p>
+            <a:r>
+              <a:rPr lang="fr-CH" sz="1200" dirty="0"/>
+              <a:t>CMJN 0/0/0/84</a:t>
+            </a:r>
+          </a:p>
+          <a:p>
+            <a:endParaRPr lang="fr-CH" sz="1600" dirty="0"/>
+          </a:p>
+        </p:txBody>
+      </p:sp>
+      <p:sp>
+        <p:nvSpPr>
+          <p:cNvPr id="16" name="ZoneTexte 15">
+            <a:extLst>
+              <a:ext uri="{FF2B5EF4-FFF2-40B4-BE49-F238E27FC236}">
+                <a16:creationId xmlns:a16="http://schemas.microsoft.com/office/drawing/2014/main" id="{9A03EB77-4676-A442-ACB8-E30615E566EA}"/>
+              </a:ext>
+            </a:extLst>
+          </p:cNvPr>
+          <p:cNvSpPr txBox="1"/>
+          <p:nvPr/>
+        </p:nvSpPr>
+        <p:spPr>
+          <a:xfrm>
+            <a:off x="4276725" y="958383"/>
+            <a:ext cx="1336675" cy="923330"/>
+          </a:xfrm>
+          <a:prstGeom prst="rect">
+            <a:avLst/>
+          </a:prstGeom>
+          <a:noFill/>
+        </p:spPr>
+        <p:txBody>
+          <a:bodyPr wrap="square" rtlCol="0">
+            <a:spAutoFit/>
+          </a:bodyPr>
+          <a:lstStyle/>
+          <a:p>
+            <a:r>
+              <a:rPr lang="fr-CH" sz="1200" dirty="0"/>
+              <a:t>#552162</a:t>
+            </a:r>
+          </a:p>
+          <a:p>
+            <a:r>
+              <a:rPr lang="fr-CH" sz="1200" dirty="0"/>
+              <a:t>RVB 85/33/98</a:t>
+            </a:r>
+          </a:p>
+          <a:p>
+            <a:r>
+              <a:rPr lang="fr-CH" sz="1200" dirty="0"/>
+              <a:t>CMJN 13/66/0/62</a:t>
+            </a:r>
+          </a:p>
+          <a:p>
+            <a:endParaRPr lang="fr-CH" sz="1600" dirty="0"/>
+          </a:p>
+        </p:txBody>
+      </p:sp>
+      <p:sp>
+        <p:nvSpPr>
+          <p:cNvPr id="17" name="ZoneTexte 16">
+            <a:extLst>
+              <a:ext uri="{FF2B5EF4-FFF2-40B4-BE49-F238E27FC236}">
+                <a16:creationId xmlns:a16="http://schemas.microsoft.com/office/drawing/2014/main" id="{11EFBF32-8717-8ECF-1848-7D10E056C9BA}"/>
+              </a:ext>
+            </a:extLst>
+          </p:cNvPr>
+          <p:cNvSpPr txBox="1"/>
+          <p:nvPr/>
+        </p:nvSpPr>
+        <p:spPr>
+          <a:xfrm>
+            <a:off x="5629275" y="958382"/>
+            <a:ext cx="1336675" cy="923330"/>
+          </a:xfrm>
+          <a:prstGeom prst="rect">
+            <a:avLst/>
+          </a:prstGeom>
+          <a:noFill/>
+        </p:spPr>
+        <p:txBody>
+          <a:bodyPr wrap="square" rtlCol="0">
+            <a:spAutoFit/>
+          </a:bodyPr>
+          <a:lstStyle/>
+          <a:p>
+            <a:r>
+              <a:rPr lang="fr-CH" sz="1200" dirty="0"/>
+              <a:t>#772D89</a:t>
+            </a:r>
+          </a:p>
+          <a:p>
+            <a:r>
+              <a:rPr lang="fr-CH" sz="1200" dirty="0"/>
+              <a:t>RVB 119/45/137</a:t>
+            </a:r>
+          </a:p>
+          <a:p>
+            <a:r>
+              <a:rPr lang="fr-CH" sz="1200" dirty="0"/>
+              <a:t>CMJN 13/67/0/46</a:t>
+            </a:r>
+          </a:p>
+          <a:p>
+            <a:endParaRPr lang="fr-CH" sz="1600" dirty="0"/>
+          </a:p>
+        </p:txBody>
+      </p:sp>
+      <p:sp>
+        <p:nvSpPr>
+          <p:cNvPr id="18" name="ZoneTexte 17">
+            <a:extLst>
+              <a:ext uri="{FF2B5EF4-FFF2-40B4-BE49-F238E27FC236}">
+                <a16:creationId xmlns:a16="http://schemas.microsoft.com/office/drawing/2014/main" id="{3887D6AE-CAFF-D090-C9DB-D71AD2031B71}"/>
+              </a:ext>
+            </a:extLst>
+          </p:cNvPr>
+          <p:cNvSpPr txBox="1"/>
+          <p:nvPr/>
+        </p:nvSpPr>
+        <p:spPr>
+          <a:xfrm>
+            <a:off x="6965950" y="958382"/>
+            <a:ext cx="1336675" cy="923330"/>
+          </a:xfrm>
+          <a:prstGeom prst="rect">
+            <a:avLst/>
+          </a:prstGeom>
+          <a:noFill/>
+        </p:spPr>
+        <p:txBody>
+          <a:bodyPr wrap="square" rtlCol="0">
+            <a:spAutoFit/>
+          </a:bodyPr>
+          <a:lstStyle/>
+          <a:p>
+            <a:r>
+              <a:rPr lang="fr-CH" sz="1200" dirty="0"/>
+              <a:t>#9938B0</a:t>
+            </a:r>
+          </a:p>
+          <a:p>
+            <a:r>
+              <a:rPr lang="fr-CH" sz="1200" dirty="0"/>
+              <a:t>RVB 153/56/176</a:t>
+            </a:r>
+          </a:p>
+          <a:p>
+            <a:r>
+              <a:rPr lang="fr-CH" sz="1200" dirty="0"/>
+              <a:t>CMJN 13/68/0/31</a:t>
+            </a:r>
+          </a:p>
+          <a:p>
+            <a:endParaRPr lang="fr-CH" sz="1600" dirty="0"/>
+          </a:p>
+        </p:txBody>
+      </p:sp>
+    </p:spTree>
+    <p:extLst>
+      <p:ext uri="{BB962C8B-B14F-4D97-AF65-F5344CB8AC3E}">
+        <p14:creationId xmlns:p14="http://schemas.microsoft.com/office/powerpoint/2010/main" val="2126203093"/>
+      </p:ext>
+    </p:extLst>
+  </p:cSld>
+  <p:clrMapOvr>
+    <a:masterClrMapping/>
+  </p:clrMapOvr>
+</p:sld>
+</file>
+
+<file path=ppt/slides/slide6.xml><?xml version="1.0" encoding="utf-8"?>
+<p:sld xmlns:a="http://schemas.openxmlformats.org/drawingml/2006/main" xmlns:r="http://schemas.openxmlformats.org/officeDocument/2006/relationships" xmlns:p="http://schemas.openxmlformats.org/presentationml/2006/main">
+  <p:cSld>
+    <p:spTree>
+      <p:nvGrpSpPr>
+        <p:cNvPr id="1" name=""/>
+        <p:cNvGrpSpPr/>
+        <p:nvPr/>
+      </p:nvGrpSpPr>
+      <p:grpSpPr>
+        <a:xfrm>
+          <a:off x="0" y="0"/>
+          <a:ext cx="0" cy="0"/>
+          <a:chOff x="0" y="0"/>
+          <a:chExt cx="0" cy="0"/>
+        </a:xfrm>
+      </p:grpSpPr>
+      <p:sp>
+        <p:nvSpPr>
+          <p:cNvPr id="2" name="Sous-titre 2">
+            <a:extLst>
+              <a:ext uri="{FF2B5EF4-FFF2-40B4-BE49-F238E27FC236}">
+                <a16:creationId xmlns:a16="http://schemas.microsoft.com/office/drawing/2014/main" id="{62DD2167-CBB3-69FE-DD77-594B8CFAC1FA}"/>
+              </a:ext>
+            </a:extLst>
+          </p:cNvPr>
+          <p:cNvSpPr txBox="1">
+            <a:spLocks/>
+          </p:cNvSpPr>
+          <p:nvPr/>
+        </p:nvSpPr>
+        <p:spPr>
+          <a:xfrm>
+            <a:off x="257176" y="192523"/>
+            <a:ext cx="7903876" cy="1655762"/>
+          </a:xfrm>
+          <a:prstGeom prst="rect">
+            <a:avLst/>
+          </a:prstGeom>
+        </p:spPr>
+        <p:txBody>
+          <a:bodyPr vert="horz" lIns="91440" tIns="45720" rIns="91440" bIns="45720" rtlCol="0">
+            <a:normAutofit/>
+          </a:bodyPr>
+          <a:lstStyle>
+            <a:lvl1pPr marL="0" indent="0" algn="ctr" defTabSz="914400" rtl="0" eaLnBrk="1" latinLnBrk="0" hangingPunct="1">
+              <a:lnSpc>
+                <a:spcPct val="90000"/>
+              </a:lnSpc>
+              <a:spcBef>
+                <a:spcPts val="1000"/>
+              </a:spcBef>
+              <a:buFont typeface="Arial" panose="020B0604020202020204" pitchFamily="34" charset="0"/>
+              <a:buNone/>
+              <a:defRPr sz="2400" kern="1200">
+                <a:solidFill>
+                  <a:schemeClr val="tx1"/>
+                </a:solidFill>
+                <a:latin typeface="+mn-lt"/>
+                <a:ea typeface="+mn-ea"/>
+                <a:cs typeface="+mn-cs"/>
+              </a:defRPr>
+            </a:lvl1pPr>
+            <a:lvl2pPr marL="457200" indent="0" algn="ctr" defTabSz="914400" rtl="0" eaLnBrk="1" latinLnBrk="0" hangingPunct="1">
+              <a:lnSpc>
+                <a:spcPct val="90000"/>
+              </a:lnSpc>
+              <a:spcBef>
+                <a:spcPts val="500"/>
+              </a:spcBef>
+              <a:buFont typeface="Arial" panose="020B0604020202020204" pitchFamily="34" charset="0"/>
+              <a:buNone/>
+              <a:defRPr sz="2000" kern="1200">
+                <a:solidFill>
+                  <a:schemeClr val="tx1"/>
+                </a:solidFill>
+                <a:latin typeface="+mn-lt"/>
+                <a:ea typeface="+mn-ea"/>
+                <a:cs typeface="+mn-cs"/>
+              </a:defRPr>
+            </a:lvl2pPr>
+            <a:lvl3pPr marL="914400" indent="0" algn="ctr" defTabSz="914400" rtl="0" eaLnBrk="1" latinLnBrk="0" hangingPunct="1">
+              <a:lnSpc>
+                <a:spcPct val="90000"/>
+              </a:lnSpc>
+              <a:spcBef>
+                <a:spcPts val="500"/>
+              </a:spcBef>
+              <a:buFont typeface="Arial" panose="020B0604020202020204" pitchFamily="34" charset="0"/>
+              <a:buNone/>
+              <a:defRPr sz="1800" kern="1200">
+                <a:solidFill>
+                  <a:schemeClr val="tx1"/>
+                </a:solidFill>
+                <a:latin typeface="+mn-lt"/>
+                <a:ea typeface="+mn-ea"/>
+                <a:cs typeface="+mn-cs"/>
+              </a:defRPr>
+            </a:lvl3pPr>
+            <a:lvl4pPr marL="1371600" indent="0" algn="ctr" defTabSz="914400" rtl="0" eaLnBrk="1" latinLnBrk="0" hangingPunct="1">
+              <a:lnSpc>
+                <a:spcPct val="90000"/>
+              </a:lnSpc>
+              <a:spcBef>
+                <a:spcPts val="500"/>
+              </a:spcBef>
+              <a:buFont typeface="Arial" panose="020B0604020202020204" pitchFamily="34" charset="0"/>
+              <a:buNone/>
+              <a:defRPr sz="1600" kern="1200">
+                <a:solidFill>
+                  <a:schemeClr val="tx1"/>
+                </a:solidFill>
+                <a:latin typeface="+mn-lt"/>
+                <a:ea typeface="+mn-ea"/>
+                <a:cs typeface="+mn-cs"/>
+              </a:defRPr>
+            </a:lvl4pPr>
+            <a:lvl5pPr marL="1828800" indent="0" algn="ctr" defTabSz="914400" rtl="0" eaLnBrk="1" latinLnBrk="0" hangingPunct="1">
+              <a:lnSpc>
+                <a:spcPct val="90000"/>
+              </a:lnSpc>
+              <a:spcBef>
+                <a:spcPts val="500"/>
+              </a:spcBef>
+              <a:buFont typeface="Arial" panose="020B0604020202020204" pitchFamily="34" charset="0"/>
+              <a:buNone/>
+              <a:defRPr sz="1600" kern="1200">
+                <a:solidFill>
+                  <a:schemeClr val="tx1"/>
+                </a:solidFill>
+                <a:latin typeface="+mn-lt"/>
+                <a:ea typeface="+mn-ea"/>
+                <a:cs typeface="+mn-cs"/>
+              </a:defRPr>
+            </a:lvl5pPr>
+            <a:lvl6pPr marL="2286000" indent="0" algn="ctr" defTabSz="914400" rtl="0" eaLnBrk="1" latinLnBrk="0" hangingPunct="1">
+              <a:lnSpc>
+                <a:spcPct val="90000"/>
+              </a:lnSpc>
+              <a:spcBef>
+                <a:spcPts val="500"/>
+              </a:spcBef>
+              <a:buFont typeface="Arial" panose="020B0604020202020204" pitchFamily="34" charset="0"/>
+              <a:buNone/>
+              <a:defRPr sz="1600" kern="1200">
+                <a:solidFill>
+                  <a:schemeClr val="tx1"/>
+                </a:solidFill>
+                <a:latin typeface="+mn-lt"/>
+                <a:ea typeface="+mn-ea"/>
+                <a:cs typeface="+mn-cs"/>
+              </a:defRPr>
+            </a:lvl6pPr>
+            <a:lvl7pPr marL="2743200" indent="0" algn="ctr" defTabSz="914400" rtl="0" eaLnBrk="1" latinLnBrk="0" hangingPunct="1">
+              <a:lnSpc>
+                <a:spcPct val="90000"/>
+              </a:lnSpc>
+              <a:spcBef>
+                <a:spcPts val="500"/>
+              </a:spcBef>
+              <a:buFont typeface="Arial" panose="020B0604020202020204" pitchFamily="34" charset="0"/>
+              <a:buNone/>
+              <a:defRPr sz="1600" kern="1200">
+                <a:solidFill>
+                  <a:schemeClr val="tx1"/>
+                </a:solidFill>
+                <a:latin typeface="+mn-lt"/>
+                <a:ea typeface="+mn-ea"/>
+                <a:cs typeface="+mn-cs"/>
+              </a:defRPr>
+            </a:lvl7pPr>
+            <a:lvl8pPr marL="3200400" indent="0" algn="ctr" defTabSz="914400" rtl="0" eaLnBrk="1" latinLnBrk="0" hangingPunct="1">
+              <a:lnSpc>
+                <a:spcPct val="90000"/>
+              </a:lnSpc>
+              <a:spcBef>
+                <a:spcPts val="500"/>
+              </a:spcBef>
+              <a:buFont typeface="Arial" panose="020B0604020202020204" pitchFamily="34" charset="0"/>
+              <a:buNone/>
+              <a:defRPr sz="1600" kern="1200">
+                <a:solidFill>
+                  <a:schemeClr val="tx1"/>
+                </a:solidFill>
+                <a:latin typeface="+mn-lt"/>
+                <a:ea typeface="+mn-ea"/>
+                <a:cs typeface="+mn-cs"/>
+              </a:defRPr>
+            </a:lvl8pPr>
+            <a:lvl9pPr marL="3657600" indent="0" algn="ctr" defTabSz="914400" rtl="0" eaLnBrk="1" latinLnBrk="0" hangingPunct="1">
+              <a:lnSpc>
+                <a:spcPct val="90000"/>
+              </a:lnSpc>
+              <a:spcBef>
+                <a:spcPts val="500"/>
+              </a:spcBef>
+              <a:buFont typeface="Arial" panose="020B0604020202020204" pitchFamily="34" charset="0"/>
+              <a:buNone/>
+              <a:defRPr sz="1600" kern="1200">
+                <a:solidFill>
+                  <a:schemeClr val="tx1"/>
+                </a:solidFill>
+                <a:latin typeface="+mn-lt"/>
+                <a:ea typeface="+mn-ea"/>
+                <a:cs typeface="+mn-cs"/>
+              </a:defRPr>
+            </a:lvl9pPr>
+          </a:lstStyle>
+          <a:p>
+            <a:pPr algn="l"/>
+            <a:r>
+              <a:rPr lang="fr-CH" sz="1600" dirty="0">
+                <a:solidFill>
+                  <a:schemeClr val="bg1">
+                    <a:lumMod val="75000"/>
+                  </a:schemeClr>
+                </a:solidFill>
+              </a:rPr>
+              <a:t>INTERDITS</a:t>
             </a:r>
             <a:endParaRPr lang="fr-CH" dirty="0">
               <a:solidFill>
@@ -6692,1337 +5923,10 @@
           </a:fontRef>
         </p:style>
       </p:cxnSp>
-      <p:pic>
-        <p:nvPicPr>
-          <p:cNvPr id="4" name="Image 3" descr="Une image contenant texte, capture d’écran, violet, violette&#10;&#10;Description générée automatiquement">
-            <a:extLst>
-              <a:ext uri="{FF2B5EF4-FFF2-40B4-BE49-F238E27FC236}">
-                <a16:creationId xmlns:a16="http://schemas.microsoft.com/office/drawing/2014/main" id="{65F6908F-F90C-9E76-51C1-5D606868B13E}"/>
-              </a:ext>
-            </a:extLst>
-          </p:cNvPr>
-          <p:cNvPicPr>
-            <a:picLocks noChangeAspect="1"/>
-          </p:cNvPicPr>
-          <p:nvPr/>
-        </p:nvPicPr>
-        <p:blipFill rotWithShape="1">
-          <a:blip r:embed="rId2">
-            <a:extLst>
-              <a:ext uri="{28A0092B-C50C-407E-A947-70E740481C1C}">
-                <a14:useLocalDpi xmlns:a14="http://schemas.microsoft.com/office/drawing/2010/main" val="0"/>
-              </a:ext>
-            </a:extLst>
-          </a:blip>
-          <a:srcRect b="6857"/>
-          <a:stretch/>
-        </p:blipFill>
-        <p:spPr>
-          <a:xfrm>
-            <a:off x="1744948" y="1275834"/>
-            <a:ext cx="6164433" cy="4306331"/>
-          </a:xfrm>
-          <a:prstGeom prst="rect">
-            <a:avLst/>
-          </a:prstGeom>
-        </p:spPr>
-      </p:pic>
     </p:spTree>
     <p:extLst>
       <p:ext uri="{BB962C8B-B14F-4D97-AF65-F5344CB8AC3E}">
-        <p14:creationId xmlns:p14="http://schemas.microsoft.com/office/powerpoint/2010/main" val="1529870575"/>
-      </p:ext>
-    </p:extLst>
-  </p:cSld>
-  <p:clrMapOvr>
-    <a:masterClrMapping/>
-  </p:clrMapOvr>
-</p:sld>
-</file>
-
-<file path=ppt/slides/slide6.xml><?xml version="1.0" encoding="utf-8"?>
-<p:sld xmlns:a="http://schemas.openxmlformats.org/drawingml/2006/main" xmlns:r="http://schemas.openxmlformats.org/officeDocument/2006/relationships" xmlns:p="http://schemas.openxmlformats.org/presentationml/2006/main">
-  <p:cSld>
-    <p:spTree>
-      <p:nvGrpSpPr>
-        <p:cNvPr id="1" name=""/>
-        <p:cNvGrpSpPr/>
-        <p:nvPr/>
-      </p:nvGrpSpPr>
-      <p:grpSpPr>
-        <a:xfrm>
-          <a:off x="0" y="0"/>
-          <a:ext cx="0" cy="0"/>
-          <a:chOff x="0" y="0"/>
-          <a:chExt cx="0" cy="0"/>
-        </a:xfrm>
-      </p:grpSpPr>
-      <p:sp>
-        <p:nvSpPr>
-          <p:cNvPr id="2" name="Sous-titre 2">
-            <a:extLst>
-              <a:ext uri="{FF2B5EF4-FFF2-40B4-BE49-F238E27FC236}">
-                <a16:creationId xmlns:a16="http://schemas.microsoft.com/office/drawing/2014/main" id="{62DD2167-CBB3-69FE-DD77-594B8CFAC1FA}"/>
-              </a:ext>
-            </a:extLst>
-          </p:cNvPr>
-          <p:cNvSpPr txBox="1">
-            <a:spLocks/>
-          </p:cNvSpPr>
-          <p:nvPr/>
-        </p:nvSpPr>
-        <p:spPr>
-          <a:xfrm>
-            <a:off x="257176" y="192523"/>
-            <a:ext cx="7903876" cy="1655762"/>
-          </a:xfrm>
-          <a:prstGeom prst="rect">
-            <a:avLst/>
-          </a:prstGeom>
-        </p:spPr>
-        <p:txBody>
-          <a:bodyPr vert="horz" lIns="91440" tIns="45720" rIns="91440" bIns="45720" rtlCol="0">
-            <a:normAutofit/>
-          </a:bodyPr>
-          <a:lstStyle>
-            <a:lvl1pPr marL="0" indent="0" algn="ctr" defTabSz="914400" rtl="0" eaLnBrk="1" latinLnBrk="0" hangingPunct="1">
-              <a:lnSpc>
-                <a:spcPct val="90000"/>
-              </a:lnSpc>
-              <a:spcBef>
-                <a:spcPts val="1000"/>
-              </a:spcBef>
-              <a:buFont typeface="Arial" panose="020B0604020202020204" pitchFamily="34" charset="0"/>
-              <a:buNone/>
-              <a:defRPr sz="2400" kern="1200">
-                <a:solidFill>
-                  <a:schemeClr val="tx1"/>
-                </a:solidFill>
-                <a:latin typeface="+mn-lt"/>
-                <a:ea typeface="+mn-ea"/>
-                <a:cs typeface="+mn-cs"/>
-              </a:defRPr>
-            </a:lvl1pPr>
-            <a:lvl2pPr marL="457200" indent="0" algn="ctr" defTabSz="914400" rtl="0" eaLnBrk="1" latinLnBrk="0" hangingPunct="1">
-              <a:lnSpc>
-                <a:spcPct val="90000"/>
-              </a:lnSpc>
-              <a:spcBef>
-                <a:spcPts val="500"/>
-              </a:spcBef>
-              <a:buFont typeface="Arial" panose="020B0604020202020204" pitchFamily="34" charset="0"/>
-              <a:buNone/>
-              <a:defRPr sz="2000" kern="1200">
-                <a:solidFill>
-                  <a:schemeClr val="tx1"/>
-                </a:solidFill>
-                <a:latin typeface="+mn-lt"/>
-                <a:ea typeface="+mn-ea"/>
-                <a:cs typeface="+mn-cs"/>
-              </a:defRPr>
-            </a:lvl2pPr>
-            <a:lvl3pPr marL="914400" indent="0" algn="ctr" defTabSz="914400" rtl="0" eaLnBrk="1" latinLnBrk="0" hangingPunct="1">
-              <a:lnSpc>
-                <a:spcPct val="90000"/>
-              </a:lnSpc>
-              <a:spcBef>
-                <a:spcPts val="500"/>
-              </a:spcBef>
-              <a:buFont typeface="Arial" panose="020B0604020202020204" pitchFamily="34" charset="0"/>
-              <a:buNone/>
-              <a:defRPr sz="1800" kern="1200">
-                <a:solidFill>
-                  <a:schemeClr val="tx1"/>
-                </a:solidFill>
-                <a:latin typeface="+mn-lt"/>
-                <a:ea typeface="+mn-ea"/>
-                <a:cs typeface="+mn-cs"/>
-              </a:defRPr>
-            </a:lvl3pPr>
-            <a:lvl4pPr marL="1371600" indent="0" algn="ctr" defTabSz="914400" rtl="0" eaLnBrk="1" latinLnBrk="0" hangingPunct="1">
-              <a:lnSpc>
-                <a:spcPct val="90000"/>
-              </a:lnSpc>
-              <a:spcBef>
-                <a:spcPts val="500"/>
-              </a:spcBef>
-              <a:buFont typeface="Arial" panose="020B0604020202020204" pitchFamily="34" charset="0"/>
-              <a:buNone/>
-              <a:defRPr sz="1600" kern="1200">
-                <a:solidFill>
-                  <a:schemeClr val="tx1"/>
-                </a:solidFill>
-                <a:latin typeface="+mn-lt"/>
-                <a:ea typeface="+mn-ea"/>
-                <a:cs typeface="+mn-cs"/>
-              </a:defRPr>
-            </a:lvl4pPr>
-            <a:lvl5pPr marL="1828800" indent="0" algn="ctr" defTabSz="914400" rtl="0" eaLnBrk="1" latinLnBrk="0" hangingPunct="1">
-              <a:lnSpc>
-                <a:spcPct val="90000"/>
-              </a:lnSpc>
-              <a:spcBef>
-                <a:spcPts val="500"/>
-              </a:spcBef>
-              <a:buFont typeface="Arial" panose="020B0604020202020204" pitchFamily="34" charset="0"/>
-              <a:buNone/>
-              <a:defRPr sz="1600" kern="1200">
-                <a:solidFill>
-                  <a:schemeClr val="tx1"/>
-                </a:solidFill>
-                <a:latin typeface="+mn-lt"/>
-                <a:ea typeface="+mn-ea"/>
-                <a:cs typeface="+mn-cs"/>
-              </a:defRPr>
-            </a:lvl5pPr>
-            <a:lvl6pPr marL="2286000" indent="0" algn="ctr" defTabSz="914400" rtl="0" eaLnBrk="1" latinLnBrk="0" hangingPunct="1">
-              <a:lnSpc>
-                <a:spcPct val="90000"/>
-              </a:lnSpc>
-              <a:spcBef>
-                <a:spcPts val="500"/>
-              </a:spcBef>
-              <a:buFont typeface="Arial" panose="020B0604020202020204" pitchFamily="34" charset="0"/>
-              <a:buNone/>
-              <a:defRPr sz="1600" kern="1200">
-                <a:solidFill>
-                  <a:schemeClr val="tx1"/>
-                </a:solidFill>
-                <a:latin typeface="+mn-lt"/>
-                <a:ea typeface="+mn-ea"/>
-                <a:cs typeface="+mn-cs"/>
-              </a:defRPr>
-            </a:lvl6pPr>
-            <a:lvl7pPr marL="2743200" indent="0" algn="ctr" defTabSz="914400" rtl="0" eaLnBrk="1" latinLnBrk="0" hangingPunct="1">
-              <a:lnSpc>
-                <a:spcPct val="90000"/>
-              </a:lnSpc>
-              <a:spcBef>
-                <a:spcPts val="500"/>
-              </a:spcBef>
-              <a:buFont typeface="Arial" panose="020B0604020202020204" pitchFamily="34" charset="0"/>
-              <a:buNone/>
-              <a:defRPr sz="1600" kern="1200">
-                <a:solidFill>
-                  <a:schemeClr val="tx1"/>
-                </a:solidFill>
-                <a:latin typeface="+mn-lt"/>
-                <a:ea typeface="+mn-ea"/>
-                <a:cs typeface="+mn-cs"/>
-              </a:defRPr>
-            </a:lvl7pPr>
-            <a:lvl8pPr marL="3200400" indent="0" algn="ctr" defTabSz="914400" rtl="0" eaLnBrk="1" latinLnBrk="0" hangingPunct="1">
-              <a:lnSpc>
-                <a:spcPct val="90000"/>
-              </a:lnSpc>
-              <a:spcBef>
-                <a:spcPts val="500"/>
-              </a:spcBef>
-              <a:buFont typeface="Arial" panose="020B0604020202020204" pitchFamily="34" charset="0"/>
-              <a:buNone/>
-              <a:defRPr sz="1600" kern="1200">
-                <a:solidFill>
-                  <a:schemeClr val="tx1"/>
-                </a:solidFill>
-                <a:latin typeface="+mn-lt"/>
-                <a:ea typeface="+mn-ea"/>
-                <a:cs typeface="+mn-cs"/>
-              </a:defRPr>
-            </a:lvl8pPr>
-            <a:lvl9pPr marL="3657600" indent="0" algn="ctr" defTabSz="914400" rtl="0" eaLnBrk="1" latinLnBrk="0" hangingPunct="1">
-              <a:lnSpc>
-                <a:spcPct val="90000"/>
-              </a:lnSpc>
-              <a:spcBef>
-                <a:spcPts val="500"/>
-              </a:spcBef>
-              <a:buFont typeface="Arial" panose="020B0604020202020204" pitchFamily="34" charset="0"/>
-              <a:buNone/>
-              <a:defRPr sz="1600" kern="1200">
-                <a:solidFill>
-                  <a:schemeClr val="tx1"/>
-                </a:solidFill>
-                <a:latin typeface="+mn-lt"/>
-                <a:ea typeface="+mn-ea"/>
-                <a:cs typeface="+mn-cs"/>
-              </a:defRPr>
-            </a:lvl9pPr>
-          </a:lstStyle>
-          <a:p>
-            <a:pPr algn="l"/>
-            <a:r>
-              <a:rPr lang="fr-CH" sz="1600" dirty="0">
-                <a:solidFill>
-                  <a:schemeClr val="bg1">
-                    <a:lumMod val="75000"/>
-                  </a:schemeClr>
-                </a:solidFill>
-              </a:rPr>
-              <a:t>COULEURS #3</a:t>
-            </a:r>
-            <a:endParaRPr lang="fr-CH" dirty="0">
-              <a:solidFill>
-                <a:schemeClr val="bg1">
-                  <a:lumMod val="75000"/>
-                </a:schemeClr>
-              </a:solidFill>
-            </a:endParaRPr>
-          </a:p>
-        </p:txBody>
-      </p:sp>
-      <p:cxnSp>
-        <p:nvCxnSpPr>
-          <p:cNvPr id="7" name="Connecteur droit 6">
-            <a:extLst>
-              <a:ext uri="{FF2B5EF4-FFF2-40B4-BE49-F238E27FC236}">
-                <a16:creationId xmlns:a16="http://schemas.microsoft.com/office/drawing/2014/main" id="{332240F2-DC8F-2475-1BD6-E31790B8AD93}"/>
-              </a:ext>
-            </a:extLst>
-          </p:cNvPr>
-          <p:cNvCxnSpPr>
-            <a:cxnSpLocks/>
-          </p:cNvCxnSpPr>
-          <p:nvPr/>
-        </p:nvCxnSpPr>
-        <p:spPr>
-          <a:xfrm>
-            <a:off x="257175" y="273844"/>
-            <a:ext cx="0" cy="135731"/>
-          </a:xfrm>
-          <a:prstGeom prst="line">
-            <a:avLst/>
-          </a:prstGeom>
-          <a:ln w="12700">
-            <a:solidFill>
-              <a:schemeClr val="bg1">
-                <a:lumMod val="75000"/>
-              </a:schemeClr>
-            </a:solidFill>
-          </a:ln>
-        </p:spPr>
-        <p:style>
-          <a:lnRef idx="1">
-            <a:schemeClr val="accent1"/>
-          </a:lnRef>
-          <a:fillRef idx="0">
-            <a:schemeClr val="accent1"/>
-          </a:fillRef>
-          <a:effectRef idx="0">
-            <a:schemeClr val="accent1"/>
-          </a:effectRef>
-          <a:fontRef idx="minor">
-            <a:schemeClr val="tx1"/>
-          </a:fontRef>
-        </p:style>
-      </p:cxnSp>
-      <p:pic>
-        <p:nvPicPr>
-          <p:cNvPr id="5" name="Image 4" descr="Une image contenant texte, capture d’écran, violette, violet&#10;&#10;Description générée automatiquement">
-            <a:extLst>
-              <a:ext uri="{FF2B5EF4-FFF2-40B4-BE49-F238E27FC236}">
-                <a16:creationId xmlns:a16="http://schemas.microsoft.com/office/drawing/2014/main" id="{0B35363D-6B85-336A-36A0-BB1FD4545B9F}"/>
-              </a:ext>
-            </a:extLst>
-          </p:cNvPr>
-          <p:cNvPicPr>
-            <a:picLocks noChangeAspect="1"/>
-          </p:cNvPicPr>
-          <p:nvPr/>
-        </p:nvPicPr>
-        <p:blipFill rotWithShape="1">
-          <a:blip r:embed="rId2">
-            <a:extLst>
-              <a:ext uri="{28A0092B-C50C-407E-A947-70E740481C1C}">
-                <a14:useLocalDpi xmlns:a14="http://schemas.microsoft.com/office/drawing/2010/main" val="0"/>
-              </a:ext>
-            </a:extLst>
-          </a:blip>
-          <a:srcRect b="7077"/>
-          <a:stretch/>
-        </p:blipFill>
-        <p:spPr>
-          <a:xfrm>
-            <a:off x="1960989" y="1343797"/>
-            <a:ext cx="5984022" cy="4170405"/>
-          </a:xfrm>
-          <a:prstGeom prst="rect">
-            <a:avLst/>
-          </a:prstGeom>
-        </p:spPr>
-      </p:pic>
-    </p:spTree>
-    <p:extLst>
-      <p:ext uri="{BB962C8B-B14F-4D97-AF65-F5344CB8AC3E}">
-        <p14:creationId xmlns:p14="http://schemas.microsoft.com/office/powerpoint/2010/main" val="622311684"/>
-      </p:ext>
-    </p:extLst>
-  </p:cSld>
-  <p:clrMapOvr>
-    <a:masterClrMapping/>
-  </p:clrMapOvr>
-</p:sld>
-</file>
-
-<file path=ppt/slides/slide7.xml><?xml version="1.0" encoding="utf-8"?>
-<p:sld xmlns:a="http://schemas.openxmlformats.org/drawingml/2006/main" xmlns:r="http://schemas.openxmlformats.org/officeDocument/2006/relationships" xmlns:p="http://schemas.openxmlformats.org/presentationml/2006/main">
-  <p:cSld>
-    <p:spTree>
-      <p:nvGrpSpPr>
-        <p:cNvPr id="1" name=""/>
-        <p:cNvGrpSpPr/>
-        <p:nvPr/>
-      </p:nvGrpSpPr>
-      <p:grpSpPr>
-        <a:xfrm>
-          <a:off x="0" y="0"/>
-          <a:ext cx="0" cy="0"/>
-          <a:chOff x="0" y="0"/>
-          <a:chExt cx="0" cy="0"/>
-        </a:xfrm>
-      </p:grpSpPr>
-      <p:sp>
-        <p:nvSpPr>
-          <p:cNvPr id="2" name="Sous-titre 2">
-            <a:extLst>
-              <a:ext uri="{FF2B5EF4-FFF2-40B4-BE49-F238E27FC236}">
-                <a16:creationId xmlns:a16="http://schemas.microsoft.com/office/drawing/2014/main" id="{62DD2167-CBB3-69FE-DD77-594B8CFAC1FA}"/>
-              </a:ext>
-            </a:extLst>
-          </p:cNvPr>
-          <p:cNvSpPr txBox="1">
-            <a:spLocks/>
-          </p:cNvSpPr>
-          <p:nvPr/>
-        </p:nvSpPr>
-        <p:spPr>
-          <a:xfrm>
-            <a:off x="257176" y="192523"/>
-            <a:ext cx="7903876" cy="1655762"/>
-          </a:xfrm>
-          <a:prstGeom prst="rect">
-            <a:avLst/>
-          </a:prstGeom>
-        </p:spPr>
-        <p:txBody>
-          <a:bodyPr vert="horz" lIns="91440" tIns="45720" rIns="91440" bIns="45720" rtlCol="0">
-            <a:normAutofit/>
-          </a:bodyPr>
-          <a:lstStyle>
-            <a:lvl1pPr marL="0" indent="0" algn="ctr" defTabSz="914400" rtl="0" eaLnBrk="1" latinLnBrk="0" hangingPunct="1">
-              <a:lnSpc>
-                <a:spcPct val="90000"/>
-              </a:lnSpc>
-              <a:spcBef>
-                <a:spcPts val="1000"/>
-              </a:spcBef>
-              <a:buFont typeface="Arial" panose="020B0604020202020204" pitchFamily="34" charset="0"/>
-              <a:buNone/>
-              <a:defRPr sz="2400" kern="1200">
-                <a:solidFill>
-                  <a:schemeClr val="tx1"/>
-                </a:solidFill>
-                <a:latin typeface="+mn-lt"/>
-                <a:ea typeface="+mn-ea"/>
-                <a:cs typeface="+mn-cs"/>
-              </a:defRPr>
-            </a:lvl1pPr>
-            <a:lvl2pPr marL="457200" indent="0" algn="ctr" defTabSz="914400" rtl="0" eaLnBrk="1" latinLnBrk="0" hangingPunct="1">
-              <a:lnSpc>
-                <a:spcPct val="90000"/>
-              </a:lnSpc>
-              <a:spcBef>
-                <a:spcPts val="500"/>
-              </a:spcBef>
-              <a:buFont typeface="Arial" panose="020B0604020202020204" pitchFamily="34" charset="0"/>
-              <a:buNone/>
-              <a:defRPr sz="2000" kern="1200">
-                <a:solidFill>
-                  <a:schemeClr val="tx1"/>
-                </a:solidFill>
-                <a:latin typeface="+mn-lt"/>
-                <a:ea typeface="+mn-ea"/>
-                <a:cs typeface="+mn-cs"/>
-              </a:defRPr>
-            </a:lvl2pPr>
-            <a:lvl3pPr marL="914400" indent="0" algn="ctr" defTabSz="914400" rtl="0" eaLnBrk="1" latinLnBrk="0" hangingPunct="1">
-              <a:lnSpc>
-                <a:spcPct val="90000"/>
-              </a:lnSpc>
-              <a:spcBef>
-                <a:spcPts val="500"/>
-              </a:spcBef>
-              <a:buFont typeface="Arial" panose="020B0604020202020204" pitchFamily="34" charset="0"/>
-              <a:buNone/>
-              <a:defRPr sz="1800" kern="1200">
-                <a:solidFill>
-                  <a:schemeClr val="tx1"/>
-                </a:solidFill>
-                <a:latin typeface="+mn-lt"/>
-                <a:ea typeface="+mn-ea"/>
-                <a:cs typeface="+mn-cs"/>
-              </a:defRPr>
-            </a:lvl3pPr>
-            <a:lvl4pPr marL="1371600" indent="0" algn="ctr" defTabSz="914400" rtl="0" eaLnBrk="1" latinLnBrk="0" hangingPunct="1">
-              <a:lnSpc>
-                <a:spcPct val="90000"/>
-              </a:lnSpc>
-              <a:spcBef>
-                <a:spcPts val="500"/>
-              </a:spcBef>
-              <a:buFont typeface="Arial" panose="020B0604020202020204" pitchFamily="34" charset="0"/>
-              <a:buNone/>
-              <a:defRPr sz="1600" kern="1200">
-                <a:solidFill>
-                  <a:schemeClr val="tx1"/>
-                </a:solidFill>
-                <a:latin typeface="+mn-lt"/>
-                <a:ea typeface="+mn-ea"/>
-                <a:cs typeface="+mn-cs"/>
-              </a:defRPr>
-            </a:lvl4pPr>
-            <a:lvl5pPr marL="1828800" indent="0" algn="ctr" defTabSz="914400" rtl="0" eaLnBrk="1" latinLnBrk="0" hangingPunct="1">
-              <a:lnSpc>
-                <a:spcPct val="90000"/>
-              </a:lnSpc>
-              <a:spcBef>
-                <a:spcPts val="500"/>
-              </a:spcBef>
-              <a:buFont typeface="Arial" panose="020B0604020202020204" pitchFamily="34" charset="0"/>
-              <a:buNone/>
-              <a:defRPr sz="1600" kern="1200">
-                <a:solidFill>
-                  <a:schemeClr val="tx1"/>
-                </a:solidFill>
-                <a:latin typeface="+mn-lt"/>
-                <a:ea typeface="+mn-ea"/>
-                <a:cs typeface="+mn-cs"/>
-              </a:defRPr>
-            </a:lvl5pPr>
-            <a:lvl6pPr marL="2286000" indent="0" algn="ctr" defTabSz="914400" rtl="0" eaLnBrk="1" latinLnBrk="0" hangingPunct="1">
-              <a:lnSpc>
-                <a:spcPct val="90000"/>
-              </a:lnSpc>
-              <a:spcBef>
-                <a:spcPts val="500"/>
-              </a:spcBef>
-              <a:buFont typeface="Arial" panose="020B0604020202020204" pitchFamily="34" charset="0"/>
-              <a:buNone/>
-              <a:defRPr sz="1600" kern="1200">
-                <a:solidFill>
-                  <a:schemeClr val="tx1"/>
-                </a:solidFill>
-                <a:latin typeface="+mn-lt"/>
-                <a:ea typeface="+mn-ea"/>
-                <a:cs typeface="+mn-cs"/>
-              </a:defRPr>
-            </a:lvl6pPr>
-            <a:lvl7pPr marL="2743200" indent="0" algn="ctr" defTabSz="914400" rtl="0" eaLnBrk="1" latinLnBrk="0" hangingPunct="1">
-              <a:lnSpc>
-                <a:spcPct val="90000"/>
-              </a:lnSpc>
-              <a:spcBef>
-                <a:spcPts val="500"/>
-              </a:spcBef>
-              <a:buFont typeface="Arial" panose="020B0604020202020204" pitchFamily="34" charset="0"/>
-              <a:buNone/>
-              <a:defRPr sz="1600" kern="1200">
-                <a:solidFill>
-                  <a:schemeClr val="tx1"/>
-                </a:solidFill>
-                <a:latin typeface="+mn-lt"/>
-                <a:ea typeface="+mn-ea"/>
-                <a:cs typeface="+mn-cs"/>
-              </a:defRPr>
-            </a:lvl7pPr>
-            <a:lvl8pPr marL="3200400" indent="0" algn="ctr" defTabSz="914400" rtl="0" eaLnBrk="1" latinLnBrk="0" hangingPunct="1">
-              <a:lnSpc>
-                <a:spcPct val="90000"/>
-              </a:lnSpc>
-              <a:spcBef>
-                <a:spcPts val="500"/>
-              </a:spcBef>
-              <a:buFont typeface="Arial" panose="020B0604020202020204" pitchFamily="34" charset="0"/>
-              <a:buNone/>
-              <a:defRPr sz="1600" kern="1200">
-                <a:solidFill>
-                  <a:schemeClr val="tx1"/>
-                </a:solidFill>
-                <a:latin typeface="+mn-lt"/>
-                <a:ea typeface="+mn-ea"/>
-                <a:cs typeface="+mn-cs"/>
-              </a:defRPr>
-            </a:lvl8pPr>
-            <a:lvl9pPr marL="3657600" indent="0" algn="ctr" defTabSz="914400" rtl="0" eaLnBrk="1" latinLnBrk="0" hangingPunct="1">
-              <a:lnSpc>
-                <a:spcPct val="90000"/>
-              </a:lnSpc>
-              <a:spcBef>
-                <a:spcPts val="500"/>
-              </a:spcBef>
-              <a:buFont typeface="Arial" panose="020B0604020202020204" pitchFamily="34" charset="0"/>
-              <a:buNone/>
-              <a:defRPr sz="1600" kern="1200">
-                <a:solidFill>
-                  <a:schemeClr val="tx1"/>
-                </a:solidFill>
-                <a:latin typeface="+mn-lt"/>
-                <a:ea typeface="+mn-ea"/>
-                <a:cs typeface="+mn-cs"/>
-              </a:defRPr>
-            </a:lvl9pPr>
-          </a:lstStyle>
-          <a:p>
-            <a:pPr algn="l"/>
-            <a:r>
-              <a:rPr lang="fr-CH" sz="1600" dirty="0">
-                <a:solidFill>
-                  <a:schemeClr val="bg1">
-                    <a:lumMod val="75000"/>
-                  </a:schemeClr>
-                </a:solidFill>
-              </a:rPr>
-              <a:t>COULEURS #2</a:t>
-            </a:r>
-            <a:endParaRPr lang="fr-CH" dirty="0">
-              <a:solidFill>
-                <a:schemeClr val="bg1">
-                  <a:lumMod val="75000"/>
-                </a:schemeClr>
-              </a:solidFill>
-            </a:endParaRPr>
-          </a:p>
-        </p:txBody>
-      </p:sp>
-      <p:cxnSp>
-        <p:nvCxnSpPr>
-          <p:cNvPr id="7" name="Connecteur droit 6">
-            <a:extLst>
-              <a:ext uri="{FF2B5EF4-FFF2-40B4-BE49-F238E27FC236}">
-                <a16:creationId xmlns:a16="http://schemas.microsoft.com/office/drawing/2014/main" id="{332240F2-DC8F-2475-1BD6-E31790B8AD93}"/>
-              </a:ext>
-            </a:extLst>
-          </p:cNvPr>
-          <p:cNvCxnSpPr>
-            <a:cxnSpLocks/>
-          </p:cNvCxnSpPr>
-          <p:nvPr/>
-        </p:nvCxnSpPr>
-        <p:spPr>
-          <a:xfrm>
-            <a:off x="257175" y="273844"/>
-            <a:ext cx="0" cy="135731"/>
-          </a:xfrm>
-          <a:prstGeom prst="line">
-            <a:avLst/>
-          </a:prstGeom>
-          <a:ln w="12700">
-            <a:solidFill>
-              <a:schemeClr val="bg1">
-                <a:lumMod val="75000"/>
-              </a:schemeClr>
-            </a:solidFill>
-          </a:ln>
-        </p:spPr>
-        <p:style>
-          <a:lnRef idx="1">
-            <a:schemeClr val="accent1"/>
-          </a:lnRef>
-          <a:fillRef idx="0">
-            <a:schemeClr val="accent1"/>
-          </a:fillRef>
-          <a:effectRef idx="0">
-            <a:schemeClr val="accent1"/>
-          </a:effectRef>
-          <a:fontRef idx="minor">
-            <a:schemeClr val="tx1"/>
-          </a:fontRef>
-        </p:style>
-      </p:cxnSp>
-      <p:pic>
-        <p:nvPicPr>
-          <p:cNvPr id="6" name="Image 5" descr="Une image contenant texte, capture d’écran, Caractère coloré, graphisme&#10;&#10;Description générée automatiquement">
-            <a:extLst>
-              <a:ext uri="{FF2B5EF4-FFF2-40B4-BE49-F238E27FC236}">
-                <a16:creationId xmlns:a16="http://schemas.microsoft.com/office/drawing/2014/main" id="{71351438-5FC4-41D7-FE14-6A41DA7D2ABE}"/>
-              </a:ext>
-            </a:extLst>
-          </p:cNvPr>
-          <p:cNvPicPr>
-            <a:picLocks noChangeAspect="1"/>
-          </p:cNvPicPr>
-          <p:nvPr/>
-        </p:nvPicPr>
-        <p:blipFill rotWithShape="1">
-          <a:blip r:embed="rId2">
-            <a:extLst>
-              <a:ext uri="{28A0092B-C50C-407E-A947-70E740481C1C}">
-                <a14:useLocalDpi xmlns:a14="http://schemas.microsoft.com/office/drawing/2010/main" val="0"/>
-              </a:ext>
-            </a:extLst>
-          </a:blip>
-          <a:srcRect b="6802"/>
-          <a:stretch/>
-        </p:blipFill>
-        <p:spPr>
-          <a:xfrm>
-            <a:off x="1744948" y="1218135"/>
-            <a:ext cx="6164433" cy="4308856"/>
-          </a:xfrm>
-          <a:prstGeom prst="rect">
-            <a:avLst/>
-          </a:prstGeom>
-        </p:spPr>
-      </p:pic>
-    </p:spTree>
-    <p:extLst>
-      <p:ext uri="{BB962C8B-B14F-4D97-AF65-F5344CB8AC3E}">
-        <p14:creationId xmlns:p14="http://schemas.microsoft.com/office/powerpoint/2010/main" val="167445846"/>
-      </p:ext>
-    </p:extLst>
-  </p:cSld>
-  <p:clrMapOvr>
-    <a:masterClrMapping/>
-  </p:clrMapOvr>
-</p:sld>
-</file>
-
-<file path=ppt/slides/slide8.xml><?xml version="1.0" encoding="utf-8"?>
-<p:sld xmlns:a="http://schemas.openxmlformats.org/drawingml/2006/main" xmlns:r="http://schemas.openxmlformats.org/officeDocument/2006/relationships" xmlns:p="http://schemas.openxmlformats.org/presentationml/2006/main">
-  <p:cSld>
-    <p:spTree>
-      <p:nvGrpSpPr>
-        <p:cNvPr id="1" name=""/>
-        <p:cNvGrpSpPr/>
-        <p:nvPr/>
-      </p:nvGrpSpPr>
-      <p:grpSpPr>
-        <a:xfrm>
-          <a:off x="0" y="0"/>
-          <a:ext cx="0" cy="0"/>
-          <a:chOff x="0" y="0"/>
-          <a:chExt cx="0" cy="0"/>
-        </a:xfrm>
-      </p:grpSpPr>
-      <p:sp>
-        <p:nvSpPr>
-          <p:cNvPr id="2" name="Sous-titre 2">
-            <a:extLst>
-              <a:ext uri="{FF2B5EF4-FFF2-40B4-BE49-F238E27FC236}">
-                <a16:creationId xmlns:a16="http://schemas.microsoft.com/office/drawing/2014/main" id="{62DD2167-CBB3-69FE-DD77-594B8CFAC1FA}"/>
-              </a:ext>
-            </a:extLst>
-          </p:cNvPr>
-          <p:cNvSpPr txBox="1">
-            <a:spLocks/>
-          </p:cNvSpPr>
-          <p:nvPr/>
-        </p:nvSpPr>
-        <p:spPr>
-          <a:xfrm>
-            <a:off x="257176" y="192523"/>
-            <a:ext cx="7903876" cy="1655762"/>
-          </a:xfrm>
-          <a:prstGeom prst="rect">
-            <a:avLst/>
-          </a:prstGeom>
-        </p:spPr>
-        <p:txBody>
-          <a:bodyPr vert="horz" lIns="91440" tIns="45720" rIns="91440" bIns="45720" rtlCol="0">
-            <a:normAutofit/>
-          </a:bodyPr>
-          <a:lstStyle>
-            <a:lvl1pPr marL="0" indent="0" algn="ctr" defTabSz="914400" rtl="0" eaLnBrk="1" latinLnBrk="0" hangingPunct="1">
-              <a:lnSpc>
-                <a:spcPct val="90000"/>
-              </a:lnSpc>
-              <a:spcBef>
-                <a:spcPts val="1000"/>
-              </a:spcBef>
-              <a:buFont typeface="Arial" panose="020B0604020202020204" pitchFamily="34" charset="0"/>
-              <a:buNone/>
-              <a:defRPr sz="2400" kern="1200">
-                <a:solidFill>
-                  <a:schemeClr val="tx1"/>
-                </a:solidFill>
-                <a:latin typeface="+mn-lt"/>
-                <a:ea typeface="+mn-ea"/>
-                <a:cs typeface="+mn-cs"/>
-              </a:defRPr>
-            </a:lvl1pPr>
-            <a:lvl2pPr marL="457200" indent="0" algn="ctr" defTabSz="914400" rtl="0" eaLnBrk="1" latinLnBrk="0" hangingPunct="1">
-              <a:lnSpc>
-                <a:spcPct val="90000"/>
-              </a:lnSpc>
-              <a:spcBef>
-                <a:spcPts val="500"/>
-              </a:spcBef>
-              <a:buFont typeface="Arial" panose="020B0604020202020204" pitchFamily="34" charset="0"/>
-              <a:buNone/>
-              <a:defRPr sz="2000" kern="1200">
-                <a:solidFill>
-                  <a:schemeClr val="tx1"/>
-                </a:solidFill>
-                <a:latin typeface="+mn-lt"/>
-                <a:ea typeface="+mn-ea"/>
-                <a:cs typeface="+mn-cs"/>
-              </a:defRPr>
-            </a:lvl2pPr>
-            <a:lvl3pPr marL="914400" indent="0" algn="ctr" defTabSz="914400" rtl="0" eaLnBrk="1" latinLnBrk="0" hangingPunct="1">
-              <a:lnSpc>
-                <a:spcPct val="90000"/>
-              </a:lnSpc>
-              <a:spcBef>
-                <a:spcPts val="500"/>
-              </a:spcBef>
-              <a:buFont typeface="Arial" panose="020B0604020202020204" pitchFamily="34" charset="0"/>
-              <a:buNone/>
-              <a:defRPr sz="1800" kern="1200">
-                <a:solidFill>
-                  <a:schemeClr val="tx1"/>
-                </a:solidFill>
-                <a:latin typeface="+mn-lt"/>
-                <a:ea typeface="+mn-ea"/>
-                <a:cs typeface="+mn-cs"/>
-              </a:defRPr>
-            </a:lvl3pPr>
-            <a:lvl4pPr marL="1371600" indent="0" algn="ctr" defTabSz="914400" rtl="0" eaLnBrk="1" latinLnBrk="0" hangingPunct="1">
-              <a:lnSpc>
-                <a:spcPct val="90000"/>
-              </a:lnSpc>
-              <a:spcBef>
-                <a:spcPts val="500"/>
-              </a:spcBef>
-              <a:buFont typeface="Arial" panose="020B0604020202020204" pitchFamily="34" charset="0"/>
-              <a:buNone/>
-              <a:defRPr sz="1600" kern="1200">
-                <a:solidFill>
-                  <a:schemeClr val="tx1"/>
-                </a:solidFill>
-                <a:latin typeface="+mn-lt"/>
-                <a:ea typeface="+mn-ea"/>
-                <a:cs typeface="+mn-cs"/>
-              </a:defRPr>
-            </a:lvl4pPr>
-            <a:lvl5pPr marL="1828800" indent="0" algn="ctr" defTabSz="914400" rtl="0" eaLnBrk="1" latinLnBrk="0" hangingPunct="1">
-              <a:lnSpc>
-                <a:spcPct val="90000"/>
-              </a:lnSpc>
-              <a:spcBef>
-                <a:spcPts val="500"/>
-              </a:spcBef>
-              <a:buFont typeface="Arial" panose="020B0604020202020204" pitchFamily="34" charset="0"/>
-              <a:buNone/>
-              <a:defRPr sz="1600" kern="1200">
-                <a:solidFill>
-                  <a:schemeClr val="tx1"/>
-                </a:solidFill>
-                <a:latin typeface="+mn-lt"/>
-                <a:ea typeface="+mn-ea"/>
-                <a:cs typeface="+mn-cs"/>
-              </a:defRPr>
-            </a:lvl5pPr>
-            <a:lvl6pPr marL="2286000" indent="0" algn="ctr" defTabSz="914400" rtl="0" eaLnBrk="1" latinLnBrk="0" hangingPunct="1">
-              <a:lnSpc>
-                <a:spcPct val="90000"/>
-              </a:lnSpc>
-              <a:spcBef>
-                <a:spcPts val="500"/>
-              </a:spcBef>
-              <a:buFont typeface="Arial" panose="020B0604020202020204" pitchFamily="34" charset="0"/>
-              <a:buNone/>
-              <a:defRPr sz="1600" kern="1200">
-                <a:solidFill>
-                  <a:schemeClr val="tx1"/>
-                </a:solidFill>
-                <a:latin typeface="+mn-lt"/>
-                <a:ea typeface="+mn-ea"/>
-                <a:cs typeface="+mn-cs"/>
-              </a:defRPr>
-            </a:lvl6pPr>
-            <a:lvl7pPr marL="2743200" indent="0" algn="ctr" defTabSz="914400" rtl="0" eaLnBrk="1" latinLnBrk="0" hangingPunct="1">
-              <a:lnSpc>
-                <a:spcPct val="90000"/>
-              </a:lnSpc>
-              <a:spcBef>
-                <a:spcPts val="500"/>
-              </a:spcBef>
-              <a:buFont typeface="Arial" panose="020B0604020202020204" pitchFamily="34" charset="0"/>
-              <a:buNone/>
-              <a:defRPr sz="1600" kern="1200">
-                <a:solidFill>
-                  <a:schemeClr val="tx1"/>
-                </a:solidFill>
-                <a:latin typeface="+mn-lt"/>
-                <a:ea typeface="+mn-ea"/>
-                <a:cs typeface="+mn-cs"/>
-              </a:defRPr>
-            </a:lvl7pPr>
-            <a:lvl8pPr marL="3200400" indent="0" algn="ctr" defTabSz="914400" rtl="0" eaLnBrk="1" latinLnBrk="0" hangingPunct="1">
-              <a:lnSpc>
-                <a:spcPct val="90000"/>
-              </a:lnSpc>
-              <a:spcBef>
-                <a:spcPts val="500"/>
-              </a:spcBef>
-              <a:buFont typeface="Arial" panose="020B0604020202020204" pitchFamily="34" charset="0"/>
-              <a:buNone/>
-              <a:defRPr sz="1600" kern="1200">
-                <a:solidFill>
-                  <a:schemeClr val="tx1"/>
-                </a:solidFill>
-                <a:latin typeface="+mn-lt"/>
-                <a:ea typeface="+mn-ea"/>
-                <a:cs typeface="+mn-cs"/>
-              </a:defRPr>
-            </a:lvl8pPr>
-            <a:lvl9pPr marL="3657600" indent="0" algn="ctr" defTabSz="914400" rtl="0" eaLnBrk="1" latinLnBrk="0" hangingPunct="1">
-              <a:lnSpc>
-                <a:spcPct val="90000"/>
-              </a:lnSpc>
-              <a:spcBef>
-                <a:spcPts val="500"/>
-              </a:spcBef>
-              <a:buFont typeface="Arial" panose="020B0604020202020204" pitchFamily="34" charset="0"/>
-              <a:buNone/>
-              <a:defRPr sz="1600" kern="1200">
-                <a:solidFill>
-                  <a:schemeClr val="tx1"/>
-                </a:solidFill>
-                <a:latin typeface="+mn-lt"/>
-                <a:ea typeface="+mn-ea"/>
-                <a:cs typeface="+mn-cs"/>
-              </a:defRPr>
-            </a:lvl9pPr>
-          </a:lstStyle>
-          <a:p>
-            <a:pPr algn="l"/>
-            <a:r>
-              <a:rPr lang="fr-CH" sz="1600" dirty="0">
-                <a:solidFill>
-                  <a:schemeClr val="bg1">
-                    <a:lumMod val="75000"/>
-                  </a:schemeClr>
-                </a:solidFill>
-              </a:rPr>
-              <a:t>COULEURS #2</a:t>
-            </a:r>
-            <a:endParaRPr lang="fr-CH" dirty="0">
-              <a:solidFill>
-                <a:schemeClr val="bg1">
-                  <a:lumMod val="75000"/>
-                </a:schemeClr>
-              </a:solidFill>
-            </a:endParaRPr>
-          </a:p>
-        </p:txBody>
-      </p:sp>
-      <p:cxnSp>
-        <p:nvCxnSpPr>
-          <p:cNvPr id="7" name="Connecteur droit 6">
-            <a:extLst>
-              <a:ext uri="{FF2B5EF4-FFF2-40B4-BE49-F238E27FC236}">
-                <a16:creationId xmlns:a16="http://schemas.microsoft.com/office/drawing/2014/main" id="{332240F2-DC8F-2475-1BD6-E31790B8AD93}"/>
-              </a:ext>
-            </a:extLst>
-          </p:cNvPr>
-          <p:cNvCxnSpPr>
-            <a:cxnSpLocks/>
-          </p:cNvCxnSpPr>
-          <p:nvPr/>
-        </p:nvCxnSpPr>
-        <p:spPr>
-          <a:xfrm>
-            <a:off x="257175" y="273844"/>
-            <a:ext cx="0" cy="135731"/>
-          </a:xfrm>
-          <a:prstGeom prst="line">
-            <a:avLst/>
-          </a:prstGeom>
-          <a:ln w="12700">
-            <a:solidFill>
-              <a:schemeClr val="bg1">
-                <a:lumMod val="75000"/>
-              </a:schemeClr>
-            </a:solidFill>
-          </a:ln>
-        </p:spPr>
-        <p:style>
-          <a:lnRef idx="1">
-            <a:schemeClr val="accent1"/>
-          </a:lnRef>
-          <a:fillRef idx="0">
-            <a:schemeClr val="accent1"/>
-          </a:fillRef>
-          <a:effectRef idx="0">
-            <a:schemeClr val="accent1"/>
-          </a:effectRef>
-          <a:fontRef idx="minor">
-            <a:schemeClr val="tx1"/>
-          </a:fontRef>
-        </p:style>
-      </p:cxnSp>
-      <p:pic>
-        <p:nvPicPr>
-          <p:cNvPr id="4" name="Image 3" descr="Une image contenant texte, capture d’écran, Caractère coloré, conception&#10;&#10;Description générée automatiquement">
-            <a:extLst>
-              <a:ext uri="{FF2B5EF4-FFF2-40B4-BE49-F238E27FC236}">
-                <a16:creationId xmlns:a16="http://schemas.microsoft.com/office/drawing/2014/main" id="{374D7908-9440-9F6D-FA49-BB44EF233311}"/>
-              </a:ext>
-            </a:extLst>
-          </p:cNvPr>
-          <p:cNvPicPr>
-            <a:picLocks noChangeAspect="1"/>
-          </p:cNvPicPr>
-          <p:nvPr/>
-        </p:nvPicPr>
-        <p:blipFill rotWithShape="1">
-          <a:blip r:embed="rId2">
-            <a:extLst>
-              <a:ext uri="{28A0092B-C50C-407E-A947-70E740481C1C}">
-                <a14:useLocalDpi xmlns:a14="http://schemas.microsoft.com/office/drawing/2010/main" val="0"/>
-              </a:ext>
-            </a:extLst>
-          </a:blip>
-          <a:srcRect b="7117"/>
-          <a:stretch/>
-        </p:blipFill>
-        <p:spPr>
-          <a:xfrm>
-            <a:off x="1677429" y="1147167"/>
-            <a:ext cx="6551141" cy="4563666"/>
-          </a:xfrm>
-          <a:prstGeom prst="rect">
-            <a:avLst/>
-          </a:prstGeom>
-        </p:spPr>
-      </p:pic>
-    </p:spTree>
-    <p:extLst>
-      <p:ext uri="{BB962C8B-B14F-4D97-AF65-F5344CB8AC3E}">
-        <p14:creationId xmlns:p14="http://schemas.microsoft.com/office/powerpoint/2010/main" val="1026462183"/>
-      </p:ext>
-    </p:extLst>
-  </p:cSld>
-  <p:clrMapOvr>
-    <a:masterClrMapping/>
-  </p:clrMapOvr>
-</p:sld>
-</file>
-
-<file path=ppt/slides/slide9.xml><?xml version="1.0" encoding="utf-8"?>
-<p:sld xmlns:a="http://schemas.openxmlformats.org/drawingml/2006/main" xmlns:r="http://schemas.openxmlformats.org/officeDocument/2006/relationships" xmlns:p="http://schemas.openxmlformats.org/presentationml/2006/main">
-  <p:cSld>
-    <p:spTree>
-      <p:nvGrpSpPr>
-        <p:cNvPr id="1" name=""/>
-        <p:cNvGrpSpPr/>
-        <p:nvPr/>
-      </p:nvGrpSpPr>
-      <p:grpSpPr>
-        <a:xfrm>
-          <a:off x="0" y="0"/>
-          <a:ext cx="0" cy="0"/>
-          <a:chOff x="0" y="0"/>
-          <a:chExt cx="0" cy="0"/>
-        </a:xfrm>
-      </p:grpSpPr>
-      <p:sp>
-        <p:nvSpPr>
-          <p:cNvPr id="2" name="Sous-titre 2">
-            <a:extLst>
-              <a:ext uri="{FF2B5EF4-FFF2-40B4-BE49-F238E27FC236}">
-                <a16:creationId xmlns:a16="http://schemas.microsoft.com/office/drawing/2014/main" id="{62DD2167-CBB3-69FE-DD77-594B8CFAC1FA}"/>
-              </a:ext>
-            </a:extLst>
-          </p:cNvPr>
-          <p:cNvSpPr txBox="1">
-            <a:spLocks/>
-          </p:cNvSpPr>
-          <p:nvPr/>
-        </p:nvSpPr>
-        <p:spPr>
-          <a:xfrm>
-            <a:off x="257176" y="192523"/>
-            <a:ext cx="7903876" cy="1655762"/>
-          </a:xfrm>
-          <a:prstGeom prst="rect">
-            <a:avLst/>
-          </a:prstGeom>
-        </p:spPr>
-        <p:txBody>
-          <a:bodyPr vert="horz" lIns="91440" tIns="45720" rIns="91440" bIns="45720" rtlCol="0">
-            <a:normAutofit/>
-          </a:bodyPr>
-          <a:lstStyle>
-            <a:lvl1pPr marL="0" indent="0" algn="ctr" defTabSz="914400" rtl="0" eaLnBrk="1" latinLnBrk="0" hangingPunct="1">
-              <a:lnSpc>
-                <a:spcPct val="90000"/>
-              </a:lnSpc>
-              <a:spcBef>
-                <a:spcPts val="1000"/>
-              </a:spcBef>
-              <a:buFont typeface="Arial" panose="020B0604020202020204" pitchFamily="34" charset="0"/>
-              <a:buNone/>
-              <a:defRPr sz="2400" kern="1200">
-                <a:solidFill>
-                  <a:schemeClr val="tx1"/>
-                </a:solidFill>
-                <a:latin typeface="+mn-lt"/>
-                <a:ea typeface="+mn-ea"/>
-                <a:cs typeface="+mn-cs"/>
-              </a:defRPr>
-            </a:lvl1pPr>
-            <a:lvl2pPr marL="457200" indent="0" algn="ctr" defTabSz="914400" rtl="0" eaLnBrk="1" latinLnBrk="0" hangingPunct="1">
-              <a:lnSpc>
-                <a:spcPct val="90000"/>
-              </a:lnSpc>
-              <a:spcBef>
-                <a:spcPts val="500"/>
-              </a:spcBef>
-              <a:buFont typeface="Arial" panose="020B0604020202020204" pitchFamily="34" charset="0"/>
-              <a:buNone/>
-              <a:defRPr sz="2000" kern="1200">
-                <a:solidFill>
-                  <a:schemeClr val="tx1"/>
-                </a:solidFill>
-                <a:latin typeface="+mn-lt"/>
-                <a:ea typeface="+mn-ea"/>
-                <a:cs typeface="+mn-cs"/>
-              </a:defRPr>
-            </a:lvl2pPr>
-            <a:lvl3pPr marL="914400" indent="0" algn="ctr" defTabSz="914400" rtl="0" eaLnBrk="1" latinLnBrk="0" hangingPunct="1">
-              <a:lnSpc>
-                <a:spcPct val="90000"/>
-              </a:lnSpc>
-              <a:spcBef>
-                <a:spcPts val="500"/>
-              </a:spcBef>
-              <a:buFont typeface="Arial" panose="020B0604020202020204" pitchFamily="34" charset="0"/>
-              <a:buNone/>
-              <a:defRPr sz="1800" kern="1200">
-                <a:solidFill>
-                  <a:schemeClr val="tx1"/>
-                </a:solidFill>
-                <a:latin typeface="+mn-lt"/>
-                <a:ea typeface="+mn-ea"/>
-                <a:cs typeface="+mn-cs"/>
-              </a:defRPr>
-            </a:lvl3pPr>
-            <a:lvl4pPr marL="1371600" indent="0" algn="ctr" defTabSz="914400" rtl="0" eaLnBrk="1" latinLnBrk="0" hangingPunct="1">
-              <a:lnSpc>
-                <a:spcPct val="90000"/>
-              </a:lnSpc>
-              <a:spcBef>
-                <a:spcPts val="500"/>
-              </a:spcBef>
-              <a:buFont typeface="Arial" panose="020B0604020202020204" pitchFamily="34" charset="0"/>
-              <a:buNone/>
-              <a:defRPr sz="1600" kern="1200">
-                <a:solidFill>
-                  <a:schemeClr val="tx1"/>
-                </a:solidFill>
-                <a:latin typeface="+mn-lt"/>
-                <a:ea typeface="+mn-ea"/>
-                <a:cs typeface="+mn-cs"/>
-              </a:defRPr>
-            </a:lvl4pPr>
-            <a:lvl5pPr marL="1828800" indent="0" algn="ctr" defTabSz="914400" rtl="0" eaLnBrk="1" latinLnBrk="0" hangingPunct="1">
-              <a:lnSpc>
-                <a:spcPct val="90000"/>
-              </a:lnSpc>
-              <a:spcBef>
-                <a:spcPts val="500"/>
-              </a:spcBef>
-              <a:buFont typeface="Arial" panose="020B0604020202020204" pitchFamily="34" charset="0"/>
-              <a:buNone/>
-              <a:defRPr sz="1600" kern="1200">
-                <a:solidFill>
-                  <a:schemeClr val="tx1"/>
-                </a:solidFill>
-                <a:latin typeface="+mn-lt"/>
-                <a:ea typeface="+mn-ea"/>
-                <a:cs typeface="+mn-cs"/>
-              </a:defRPr>
-            </a:lvl5pPr>
-            <a:lvl6pPr marL="2286000" indent="0" algn="ctr" defTabSz="914400" rtl="0" eaLnBrk="1" latinLnBrk="0" hangingPunct="1">
-              <a:lnSpc>
-                <a:spcPct val="90000"/>
-              </a:lnSpc>
-              <a:spcBef>
-                <a:spcPts val="500"/>
-              </a:spcBef>
-              <a:buFont typeface="Arial" panose="020B0604020202020204" pitchFamily="34" charset="0"/>
-              <a:buNone/>
-              <a:defRPr sz="1600" kern="1200">
-                <a:solidFill>
-                  <a:schemeClr val="tx1"/>
-                </a:solidFill>
-                <a:latin typeface="+mn-lt"/>
-                <a:ea typeface="+mn-ea"/>
-                <a:cs typeface="+mn-cs"/>
-              </a:defRPr>
-            </a:lvl6pPr>
-            <a:lvl7pPr marL="2743200" indent="0" algn="ctr" defTabSz="914400" rtl="0" eaLnBrk="1" latinLnBrk="0" hangingPunct="1">
-              <a:lnSpc>
-                <a:spcPct val="90000"/>
-              </a:lnSpc>
-              <a:spcBef>
-                <a:spcPts val="500"/>
-              </a:spcBef>
-              <a:buFont typeface="Arial" panose="020B0604020202020204" pitchFamily="34" charset="0"/>
-              <a:buNone/>
-              <a:defRPr sz="1600" kern="1200">
-                <a:solidFill>
-                  <a:schemeClr val="tx1"/>
-                </a:solidFill>
-                <a:latin typeface="+mn-lt"/>
-                <a:ea typeface="+mn-ea"/>
-                <a:cs typeface="+mn-cs"/>
-              </a:defRPr>
-            </a:lvl7pPr>
-            <a:lvl8pPr marL="3200400" indent="0" algn="ctr" defTabSz="914400" rtl="0" eaLnBrk="1" latinLnBrk="0" hangingPunct="1">
-              <a:lnSpc>
-                <a:spcPct val="90000"/>
-              </a:lnSpc>
-              <a:spcBef>
-                <a:spcPts val="500"/>
-              </a:spcBef>
-              <a:buFont typeface="Arial" panose="020B0604020202020204" pitchFamily="34" charset="0"/>
-              <a:buNone/>
-              <a:defRPr sz="1600" kern="1200">
-                <a:solidFill>
-                  <a:schemeClr val="tx1"/>
-                </a:solidFill>
-                <a:latin typeface="+mn-lt"/>
-                <a:ea typeface="+mn-ea"/>
-                <a:cs typeface="+mn-cs"/>
-              </a:defRPr>
-            </a:lvl8pPr>
-            <a:lvl9pPr marL="3657600" indent="0" algn="ctr" defTabSz="914400" rtl="0" eaLnBrk="1" latinLnBrk="0" hangingPunct="1">
-              <a:lnSpc>
-                <a:spcPct val="90000"/>
-              </a:lnSpc>
-              <a:spcBef>
-                <a:spcPts val="500"/>
-              </a:spcBef>
-              <a:buFont typeface="Arial" panose="020B0604020202020204" pitchFamily="34" charset="0"/>
-              <a:buNone/>
-              <a:defRPr sz="1600" kern="1200">
-                <a:solidFill>
-                  <a:schemeClr val="tx1"/>
-                </a:solidFill>
-                <a:latin typeface="+mn-lt"/>
-                <a:ea typeface="+mn-ea"/>
-                <a:cs typeface="+mn-cs"/>
-              </a:defRPr>
-            </a:lvl9pPr>
-          </a:lstStyle>
-          <a:p>
-            <a:pPr algn="l"/>
-            <a:r>
-              <a:rPr lang="fr-CH" sz="1600" dirty="0">
-                <a:solidFill>
-                  <a:schemeClr val="bg1">
-                    <a:lumMod val="75000"/>
-                  </a:schemeClr>
-                </a:solidFill>
-              </a:rPr>
-              <a:t>COULEURS #2</a:t>
-            </a:r>
-            <a:endParaRPr lang="fr-CH" dirty="0">
-              <a:solidFill>
-                <a:schemeClr val="bg1">
-                  <a:lumMod val="75000"/>
-                </a:schemeClr>
-              </a:solidFill>
-            </a:endParaRPr>
-          </a:p>
-        </p:txBody>
-      </p:sp>
-      <p:cxnSp>
-        <p:nvCxnSpPr>
-          <p:cNvPr id="7" name="Connecteur droit 6">
-            <a:extLst>
-              <a:ext uri="{FF2B5EF4-FFF2-40B4-BE49-F238E27FC236}">
-                <a16:creationId xmlns:a16="http://schemas.microsoft.com/office/drawing/2014/main" id="{332240F2-DC8F-2475-1BD6-E31790B8AD93}"/>
-              </a:ext>
-            </a:extLst>
-          </p:cNvPr>
-          <p:cNvCxnSpPr>
-            <a:cxnSpLocks/>
-          </p:cNvCxnSpPr>
-          <p:nvPr/>
-        </p:nvCxnSpPr>
-        <p:spPr>
-          <a:xfrm>
-            <a:off x="257175" y="273844"/>
-            <a:ext cx="0" cy="135731"/>
-          </a:xfrm>
-          <a:prstGeom prst="line">
-            <a:avLst/>
-          </a:prstGeom>
-          <a:ln w="12700">
-            <a:solidFill>
-              <a:schemeClr val="bg1">
-                <a:lumMod val="75000"/>
-              </a:schemeClr>
-            </a:solidFill>
-          </a:ln>
-        </p:spPr>
-        <p:style>
-          <a:lnRef idx="1">
-            <a:schemeClr val="accent1"/>
-          </a:lnRef>
-          <a:fillRef idx="0">
-            <a:schemeClr val="accent1"/>
-          </a:fillRef>
-          <a:effectRef idx="0">
-            <a:schemeClr val="accent1"/>
-          </a:effectRef>
-          <a:fontRef idx="minor">
-            <a:schemeClr val="tx1"/>
-          </a:fontRef>
-        </p:style>
-      </p:cxnSp>
-      <p:pic>
-        <p:nvPicPr>
-          <p:cNvPr id="5" name="Image 4" descr="Une image contenant texte, capture d’écran, Caractère coloré, Graphique&#10;&#10;Description générée automatiquement">
-            <a:extLst>
-              <a:ext uri="{FF2B5EF4-FFF2-40B4-BE49-F238E27FC236}">
-                <a16:creationId xmlns:a16="http://schemas.microsoft.com/office/drawing/2014/main" id="{7489F427-DB74-D676-CA80-7DEBE4B8F8AC}"/>
-              </a:ext>
-            </a:extLst>
-          </p:cNvPr>
-          <p:cNvPicPr>
-            <a:picLocks noChangeAspect="1"/>
-          </p:cNvPicPr>
-          <p:nvPr/>
-        </p:nvPicPr>
-        <p:blipFill rotWithShape="1">
-          <a:blip r:embed="rId2">
-            <a:extLst>
-              <a:ext uri="{28A0092B-C50C-407E-A947-70E740481C1C}">
-                <a14:useLocalDpi xmlns:a14="http://schemas.microsoft.com/office/drawing/2010/main" val="0"/>
-              </a:ext>
-            </a:extLst>
-          </a:blip>
-          <a:srcRect b="6966"/>
-          <a:stretch/>
-        </p:blipFill>
-        <p:spPr>
-          <a:xfrm>
-            <a:off x="1488474" y="1011611"/>
-            <a:ext cx="6929052" cy="4834778"/>
-          </a:xfrm>
-          <a:prstGeom prst="rect">
-            <a:avLst/>
-          </a:prstGeom>
-        </p:spPr>
-      </p:pic>
-    </p:spTree>
-    <p:extLst>
-      <p:ext uri="{BB962C8B-B14F-4D97-AF65-F5344CB8AC3E}">
-        <p14:creationId xmlns:p14="http://schemas.microsoft.com/office/powerpoint/2010/main" val="2122308035"/>
+        <p14:creationId xmlns:p14="http://schemas.microsoft.com/office/powerpoint/2010/main" val="3443378171"/>
       </p:ext>
     </p:extLst>
   </p:cSld>
